--- a/autoscaling/Auto-Scaling.pptx
+++ b/autoscaling/Auto-Scaling.pptx
@@ -2,13 +2,13 @@
 <file path=ppt/presentation.xml><?xml version="1.0" encoding="utf-8"?>
 <p:presentation xmlns:a="http://schemas.openxmlformats.org/drawingml/2006/main" xmlns:r="http://schemas.openxmlformats.org/officeDocument/2006/relationships" xmlns:p="http://schemas.openxmlformats.org/presentationml/2006/main" autoCompressPictures="0">
   <p:sldMasterIdLst>
-    <p:sldMasterId id="2147483696" r:id="rId1"/>
+    <p:sldMasterId id="2147483648" r:id="rId1"/>
   </p:sldMasterIdLst>
   <p:sldIdLst>
     <p:sldId id="256" r:id="rId2"/>
-    <p:sldId id="257" r:id="rId3"/>
-    <p:sldId id="258" r:id="rId4"/>
-    <p:sldId id="259" r:id="rId5"/>
+    <p:sldId id="261" r:id="rId3"/>
+    <p:sldId id="259" r:id="rId4"/>
+    <p:sldId id="258" r:id="rId5"/>
     <p:sldId id="260" r:id="rId6"/>
   </p:sldIdLst>
   <p:sldSz cx="12192000" cy="6858000"/>
@@ -108,20 +108,17 @@
       </a:defRPr>
     </a:lvl9pPr>
   </p:defaultTextStyle>
+  <p:extLst>
+    <p:ext uri="{EFAFB233-063F-42B5-8137-9DF3F51BA10A}">
+      <p15:sldGuideLst xmlns:p15="http://schemas.microsoft.com/office/powerpoint/2012/main"/>
+    </p:ext>
+  </p:extLst>
 </p:presentation>
 </file>
 
 <file path=ppt/slideLayouts/slideLayout1.xml><?xml version="1.0" encoding="utf-8"?>
-<p:sldLayout xmlns:a="http://schemas.openxmlformats.org/drawingml/2006/main" xmlns:r="http://schemas.openxmlformats.org/officeDocument/2006/relationships" xmlns:p="http://schemas.openxmlformats.org/presentationml/2006/main" showMasterSp="0" type="title" preserve="1">
+<p:sldLayout xmlns:a="http://schemas.openxmlformats.org/drawingml/2006/main" xmlns:r="http://schemas.openxmlformats.org/officeDocument/2006/relationships" xmlns:p="http://schemas.openxmlformats.org/presentationml/2006/main" type="title" preserve="1">
   <p:cSld name="Title Slide">
-    <p:bg>
-      <p:bgPr>
-        <a:solidFill>
-          <a:schemeClr val="accent1"/>
-        </a:solidFill>
-        <a:effectLst/>
-      </p:bgPr>
-    </p:bg>
     <p:spTree>
       <p:nvGrpSpPr>
         <p:cNvPr id="1" name=""/>
@@ -138,6 +135,110 @@
       </p:grpSpPr>
       <p:sp>
         <p:nvSpPr>
+          <p:cNvPr id="11" name="Freeform 6"/>
+          <p:cNvSpPr/>
+          <p:nvPr/>
+        </p:nvSpPr>
+        <p:spPr bwMode="auto">
+          <a:xfrm>
+            <a:off x="0" y="-3175"/>
+            <a:ext cx="12192000" cy="5203825"/>
+          </a:xfrm>
+          <a:custGeom>
+            <a:avLst/>
+            <a:gdLst/>
+            <a:ahLst/>
+            <a:cxnLst/>
+            <a:rect l="0" t="0" r="r" b="b"/>
+            <a:pathLst>
+              <a:path w="5760" h="3278">
+                <a:moveTo>
+                  <a:pt x="5760" y="0"/>
+                </a:moveTo>
+                <a:lnTo>
+                  <a:pt x="0" y="0"/>
+                </a:lnTo>
+                <a:lnTo>
+                  <a:pt x="0" y="3090"/>
+                </a:lnTo>
+                <a:lnTo>
+                  <a:pt x="943" y="3090"/>
+                </a:lnTo>
+                <a:lnTo>
+                  <a:pt x="1123" y="3270"/>
+                </a:lnTo>
+                <a:lnTo>
+                  <a:pt x="1123" y="3270"/>
+                </a:lnTo>
+                <a:lnTo>
+                  <a:pt x="1127" y="3272"/>
+                </a:lnTo>
+                <a:lnTo>
+                  <a:pt x="1133" y="3275"/>
+                </a:lnTo>
+                <a:lnTo>
+                  <a:pt x="1139" y="3278"/>
+                </a:lnTo>
+                <a:lnTo>
+                  <a:pt x="1144" y="3278"/>
+                </a:lnTo>
+                <a:lnTo>
+                  <a:pt x="1150" y="3278"/>
+                </a:lnTo>
+                <a:lnTo>
+                  <a:pt x="1155" y="3275"/>
+                </a:lnTo>
+                <a:lnTo>
+                  <a:pt x="1161" y="3272"/>
+                </a:lnTo>
+                <a:lnTo>
+                  <a:pt x="1165" y="3270"/>
+                </a:lnTo>
+                <a:lnTo>
+                  <a:pt x="1345" y="3090"/>
+                </a:lnTo>
+                <a:lnTo>
+                  <a:pt x="5760" y="3090"/>
+                </a:lnTo>
+                <a:lnTo>
+                  <a:pt x="5760" y="0"/>
+                </a:lnTo>
+                <a:close/>
+              </a:path>
+            </a:pathLst>
+          </a:custGeom>
+          <a:ln/>
+          <a:effectLst/>
+          <a:extLst>
+            <a:ext uri="{91240B29-F687-4f45-9708-019B960494DF}">
+              <a14:hiddenLine xmlns:a14="http://schemas.microsoft.com/office/drawing/2010/main" xmlns="" w="9525">
+                <a:solidFill>
+                  <a:srgbClr val="000000"/>
+                </a:solidFill>
+                <a:round/>
+                <a:headEnd/>
+                <a:tailEnd/>
+              </a14:hiddenLine>
+            </a:ext>
+          </a:extLst>
+        </p:spPr>
+        <p:style>
+          <a:lnRef idx="1">
+            <a:schemeClr val="accent1"/>
+          </a:lnRef>
+          <a:fillRef idx="3">
+            <a:schemeClr val="accent1"/>
+          </a:fillRef>
+          <a:effectRef idx="2">
+            <a:schemeClr val="accent1"/>
+          </a:effectRef>
+          <a:fontRef idx="minor">
+            <a:schemeClr val="lt1"/>
+          </a:fontRef>
+        </p:style>
+      </p:sp>
+      <p:sp>
+        <p:nvSpPr>
           <p:cNvPr id="2" name="Title 1"/>
           <p:cNvSpPr>
             <a:spLocks noGrp="1"/>
@@ -148,21 +249,15 @@
         </p:nvSpPr>
         <p:spPr>
           <a:xfrm>
-            <a:off x="1915128" y="1788454"/>
-            <a:ext cx="8361229" cy="2098226"/>
+            <a:off x="810001" y="1449147"/>
+            <a:ext cx="10572000" cy="2971051"/>
           </a:xfrm>
         </p:spPr>
         <p:txBody>
-          <a:bodyPr anchor="b">
-            <a:noAutofit/>
-          </a:bodyPr>
+          <a:bodyPr/>
           <a:lstStyle>
-            <a:lvl1pPr algn="ctr">
-              <a:defRPr sz="7200" cap="all" baseline="0">
-                <a:solidFill>
-                  <a:schemeClr val="tx2"/>
-                </a:solidFill>
-              </a:defRPr>
+            <a:lvl1pPr>
+              <a:defRPr sz="5400"/>
             </a:lvl1pPr>
           </a:lstStyle>
           <a:p>
@@ -186,63 +281,100 @@
         </p:nvSpPr>
         <p:spPr>
           <a:xfrm>
-            <a:off x="2679906" y="3956279"/>
-            <a:ext cx="6831673" cy="1086237"/>
+            <a:off x="810001" y="5280847"/>
+            <a:ext cx="10572000" cy="434974"/>
           </a:xfrm>
         </p:spPr>
         <p:txBody>
-          <a:bodyPr>
-            <a:normAutofit/>
-          </a:bodyPr>
+          <a:bodyPr anchor="t"/>
           <a:lstStyle>
-            <a:lvl1pPr marL="0" indent="0" algn="ctr">
-              <a:lnSpc>
-                <a:spcPct val="112000"/>
-              </a:lnSpc>
-              <a:spcBef>
-                <a:spcPts val="0"/>
-              </a:spcBef>
-              <a:spcAft>
-                <a:spcPts val="0"/>
-              </a:spcAft>
-              <a:buNone/>
-              <a:defRPr sz="2300">
+            <a:lvl1pPr marL="0" indent="0" algn="l">
+              <a:buNone/>
+              <a:defRPr>
                 <a:solidFill>
-                  <a:schemeClr val="bg2"/>
+                  <a:schemeClr val="tx1"/>
                 </a:solidFill>
               </a:defRPr>
             </a:lvl1pPr>
             <a:lvl2pPr marL="457200" indent="0" algn="ctr">
               <a:buNone/>
-              <a:defRPr sz="2000"/>
+              <a:defRPr>
+                <a:solidFill>
+                  <a:schemeClr val="tx1">
+                    <a:tint val="75000"/>
+                  </a:schemeClr>
+                </a:solidFill>
+              </a:defRPr>
             </a:lvl2pPr>
             <a:lvl3pPr marL="914400" indent="0" algn="ctr">
               <a:buNone/>
-              <a:defRPr sz="1800"/>
+              <a:defRPr>
+                <a:solidFill>
+                  <a:schemeClr val="tx1">
+                    <a:tint val="75000"/>
+                  </a:schemeClr>
+                </a:solidFill>
+              </a:defRPr>
             </a:lvl3pPr>
             <a:lvl4pPr marL="1371600" indent="0" algn="ctr">
               <a:buNone/>
-              <a:defRPr sz="1600"/>
+              <a:defRPr>
+                <a:solidFill>
+                  <a:schemeClr val="tx1">
+                    <a:tint val="75000"/>
+                  </a:schemeClr>
+                </a:solidFill>
+              </a:defRPr>
             </a:lvl4pPr>
             <a:lvl5pPr marL="1828800" indent="0" algn="ctr">
               <a:buNone/>
-              <a:defRPr sz="1600"/>
+              <a:defRPr>
+                <a:solidFill>
+                  <a:schemeClr val="tx1">
+                    <a:tint val="75000"/>
+                  </a:schemeClr>
+                </a:solidFill>
+              </a:defRPr>
             </a:lvl5pPr>
             <a:lvl6pPr marL="2286000" indent="0" algn="ctr">
               <a:buNone/>
-              <a:defRPr sz="1600"/>
+              <a:defRPr>
+                <a:solidFill>
+                  <a:schemeClr val="tx1">
+                    <a:tint val="75000"/>
+                  </a:schemeClr>
+                </a:solidFill>
+              </a:defRPr>
             </a:lvl6pPr>
             <a:lvl7pPr marL="2743200" indent="0" algn="ctr">
               <a:buNone/>
-              <a:defRPr sz="1600"/>
+              <a:defRPr>
+                <a:solidFill>
+                  <a:schemeClr val="tx1">
+                    <a:tint val="75000"/>
+                  </a:schemeClr>
+                </a:solidFill>
+              </a:defRPr>
             </a:lvl7pPr>
             <a:lvl8pPr marL="3200400" indent="0" algn="ctr">
               <a:buNone/>
-              <a:defRPr sz="1600"/>
+              <a:defRPr>
+                <a:solidFill>
+                  <a:schemeClr val="tx1">
+                    <a:tint val="75000"/>
+                  </a:schemeClr>
+                </a:solidFill>
+              </a:defRPr>
             </a:lvl8pPr>
             <a:lvl9pPr marL="3657600" indent="0" algn="ctr">
               <a:buNone/>
-              <a:defRPr sz="1600"/>
+              <a:defRPr>
+                <a:solidFill>
+                  <a:schemeClr val="tx1">
+                    <a:tint val="75000"/>
+                  </a:schemeClr>
+                </a:solidFill>
+              </a:defRPr>
             </a:lvl9pPr>
           </a:lstStyle>
           <a:p>
@@ -264,28 +396,15 @@
             <p:ph type="dt" sz="half" idx="10"/>
           </p:nvPr>
         </p:nvSpPr>
-        <p:spPr>
-          <a:xfrm>
-            <a:off x="752858" y="6453386"/>
-            <a:ext cx="1607944" cy="404614"/>
-          </a:xfrm>
-        </p:spPr>
+        <p:spPr/>
         <p:txBody>
           <a:bodyPr/>
-          <a:lstStyle>
-            <a:lvl1pPr>
-              <a:defRPr baseline="0">
-                <a:solidFill>
-                  <a:schemeClr val="tx2"/>
-                </a:solidFill>
-              </a:defRPr>
-            </a:lvl1pPr>
-          </a:lstStyle>
-          <a:p>
-            <a:fld id="{87DE6118-2437-4B30-8E3C-4D2BE6020583}" type="datetimeFigureOut">
-              <a:rPr lang="en-US" smtClean="0"/>
+          <a:lstStyle/>
+          <a:p>
+            <a:fld id="{08B9EBBA-996F-894A-B54A-D6246ED52CEA}" type="datetimeFigureOut">
+              <a:rPr lang="en-US" dirty="0"/>
               <a:pPr/>
-              <a:t>2/19/2016</a:t>
+              <a:t>2/20/2016</a:t>
             </a:fld>
             <a:endParaRPr lang="en-US" dirty="0"/>
           </a:p>
@@ -301,23 +420,10 @@
             <p:ph type="ftr" sz="quarter" idx="11"/>
           </p:nvPr>
         </p:nvSpPr>
-        <p:spPr>
-          <a:xfrm>
-            <a:off x="2584054" y="6453386"/>
-            <a:ext cx="7023377" cy="404614"/>
-          </a:xfrm>
-        </p:spPr>
+        <p:spPr/>
         <p:txBody>
           <a:bodyPr/>
-          <a:lstStyle>
-            <a:lvl1pPr algn="ctr">
-              <a:defRPr baseline="0">
-                <a:solidFill>
-                  <a:schemeClr val="tx2"/>
-                </a:solidFill>
-              </a:defRPr>
-            </a:lvl1pPr>
-          </a:lstStyle>
+          <a:lstStyle/>
           <a:p>
             <a:endParaRPr lang="en-US" dirty="0"/>
           </a:p>
@@ -333,26 +439,13 @@
             <p:ph type="sldNum" sz="quarter" idx="12"/>
           </p:nvPr>
         </p:nvSpPr>
-        <p:spPr>
-          <a:xfrm>
-            <a:off x="9830683" y="6453386"/>
-            <a:ext cx="1596292" cy="404614"/>
-          </a:xfrm>
-        </p:spPr>
+        <p:spPr/>
         <p:txBody>
           <a:bodyPr/>
-          <a:lstStyle>
-            <a:lvl1pPr>
-              <a:defRPr baseline="0">
-                <a:solidFill>
-                  <a:schemeClr val="tx2"/>
-                </a:solidFill>
-              </a:defRPr>
-            </a:lvl1pPr>
-          </a:lstStyle>
-          <a:p>
-            <a:fld id="{69E57DC2-970A-4B3E-BB1C-7A09969E49DF}" type="slidenum">
-              <a:rPr lang="en-US" smtClean="0"/>
+          <a:lstStyle/>
+          <a:p>
+            <a:fld id="{D57F1E4F-1CFF-5643-939E-217C01CDF565}" type="slidenum">
+              <a:rPr lang="en-US" dirty="0"/>
               <a:pPr/>
               <a:t>‹#›</a:t>
             </a:fld>
@@ -360,141 +453,7 @@
           </a:p>
         </p:txBody>
       </p:sp>
-      <p:grpSp>
-        <p:nvGrpSpPr>
-          <p:cNvPr id="9" name="Group 8"/>
-          <p:cNvGrpSpPr/>
-          <p:nvPr/>
-        </p:nvGrpSpPr>
-        <p:grpSpPr>
-          <a:xfrm>
-            <a:off x="752858" y="744469"/>
-            <a:ext cx="10674117" cy="5349671"/>
-            <a:chOff x="752858" y="744469"/>
-            <a:chExt cx="10674117" cy="5349671"/>
-          </a:xfrm>
-        </p:grpSpPr>
-        <p:sp>
-          <p:nvSpPr>
-            <p:cNvPr id="11" name="Freeform 6"/>
-            <p:cNvSpPr/>
-            <p:nvPr/>
-          </p:nvSpPr>
-          <p:spPr bwMode="auto">
-            <a:xfrm>
-              <a:off x="8151962" y="1685652"/>
-              <a:ext cx="3275013" cy="4408488"/>
-            </a:xfrm>
-            <a:custGeom>
-              <a:avLst/>
-              <a:gdLst/>
-              <a:ahLst/>
-              <a:cxnLst/>
-              <a:rect l="l" t="t" r="r" b="b"/>
-              <a:pathLst>
-                <a:path w="10000" h="10000">
-                  <a:moveTo>
-                    <a:pt x="8761" y="0"/>
-                  </a:moveTo>
-                  <a:lnTo>
-                    <a:pt x="10000" y="0"/>
-                  </a:lnTo>
-                  <a:lnTo>
-                    <a:pt x="10000" y="10000"/>
-                  </a:lnTo>
-                  <a:lnTo>
-                    <a:pt x="0" y="10000"/>
-                  </a:lnTo>
-                  <a:lnTo>
-                    <a:pt x="0" y="9126"/>
-                  </a:lnTo>
-                  <a:lnTo>
-                    <a:pt x="8761" y="9127"/>
-                  </a:lnTo>
-                  <a:lnTo>
-                    <a:pt x="8761" y="0"/>
-                  </a:lnTo>
-                  <a:close/>
-                </a:path>
-              </a:pathLst>
-            </a:custGeom>
-            <a:solidFill>
-              <a:schemeClr val="tx2"/>
-            </a:solidFill>
-            <a:ln w="0">
-              <a:noFill/>
-              <a:prstDash val="solid"/>
-              <a:round/>
-              <a:headEnd/>
-              <a:tailEnd/>
-            </a:ln>
-          </p:spPr>
-        </p:sp>
-        <p:sp>
-          <p:nvSpPr>
-            <p:cNvPr id="14" name="Freeform 6"/>
-            <p:cNvSpPr/>
-            <p:nvPr/>
-          </p:nvSpPr>
-          <p:spPr bwMode="auto">
-            <a:xfrm flipH="1" flipV="1">
-              <a:off x="752858" y="744469"/>
-              <a:ext cx="3275668" cy="4408488"/>
-            </a:xfrm>
-            <a:custGeom>
-              <a:avLst/>
-              <a:gdLst/>
-              <a:ahLst/>
-              <a:cxnLst/>
-              <a:rect l="l" t="t" r="r" b="b"/>
-              <a:pathLst>
-                <a:path w="10002" h="10000">
-                  <a:moveTo>
-                    <a:pt x="8763" y="0"/>
-                  </a:moveTo>
-                  <a:lnTo>
-                    <a:pt x="10002" y="0"/>
-                  </a:lnTo>
-                  <a:lnTo>
-                    <a:pt x="10002" y="10000"/>
-                  </a:lnTo>
-                  <a:lnTo>
-                    <a:pt x="2" y="10000"/>
-                  </a:lnTo>
-                  <a:cubicBezTo>
-                    <a:pt x="-2" y="9698"/>
-                    <a:pt x="4" y="9427"/>
-                    <a:pt x="0" y="9125"/>
-                  </a:cubicBezTo>
-                  <a:lnTo>
-                    <a:pt x="8763" y="9128"/>
-                  </a:lnTo>
-                  <a:lnTo>
-                    <a:pt x="8763" y="0"/>
-                  </a:lnTo>
-                  <a:close/>
-                </a:path>
-              </a:pathLst>
-            </a:custGeom>
-            <a:solidFill>
-              <a:schemeClr val="tx2"/>
-            </a:solidFill>
-            <a:ln w="0">
-              <a:noFill/>
-              <a:prstDash val="solid"/>
-              <a:round/>
-              <a:headEnd/>
-              <a:tailEnd/>
-            </a:ln>
-          </p:spPr>
-        </p:sp>
-      </p:grpSp>
     </p:spTree>
-    <p:extLst>
-      <p:ext uri="{BB962C8B-B14F-4D97-AF65-F5344CB8AC3E}">
-        <p14:creationId xmlns:p14="http://schemas.microsoft.com/office/powerpoint/2010/main" val="4109398161"/>
-      </p:ext>
-    </p:extLst>
   </p:cSld>
   <p:clrMapOvr>
     <a:masterClrMapping/>
@@ -503,6 +462,1172 @@
 </file>
 
 <file path=ppt/slideLayouts/slideLayout10.xml><?xml version="1.0" encoding="utf-8"?>
+<p:sldLayout xmlns:a="http://schemas.openxmlformats.org/drawingml/2006/main" xmlns:r="http://schemas.openxmlformats.org/officeDocument/2006/relationships" xmlns:p="http://schemas.openxmlformats.org/presentationml/2006/main" preserve="1">
+  <p:cSld name="Panoramic Picture with Caption">
+    <p:spTree>
+      <p:nvGrpSpPr>
+        <p:cNvPr id="1" name=""/>
+        <p:cNvGrpSpPr/>
+        <p:nvPr/>
+      </p:nvGrpSpPr>
+      <p:grpSpPr>
+        <a:xfrm>
+          <a:off x="0" y="0"/>
+          <a:ext cx="0" cy="0"/>
+          <a:chOff x="0" y="0"/>
+          <a:chExt cx="0" cy="0"/>
+        </a:xfrm>
+      </p:grpSpPr>
+      <p:sp>
+        <p:nvSpPr>
+          <p:cNvPr id="2" name="Title 1"/>
+          <p:cNvSpPr>
+            <a:spLocks noGrp="1"/>
+          </p:cNvSpPr>
+          <p:nvPr>
+            <p:ph type="title"/>
+          </p:nvPr>
+        </p:nvSpPr>
+        <p:spPr>
+          <a:xfrm>
+            <a:off x="810000" y="4800600"/>
+            <a:ext cx="10561418" cy="566738"/>
+          </a:xfrm>
+        </p:spPr>
+        <p:txBody>
+          <a:bodyPr anchor="b">
+            <a:normAutofit/>
+          </a:bodyPr>
+          <a:lstStyle>
+            <a:lvl1pPr algn="l">
+              <a:defRPr sz="2400" b="0"/>
+            </a:lvl1pPr>
+          </a:lstStyle>
+          <a:p>
+            <a:r>
+              <a:rPr lang="en-US" smtClean="0"/>
+              <a:t>Click to edit Master title style</a:t>
+            </a:r>
+            <a:endParaRPr lang="en-US" dirty="0"/>
+          </a:p>
+        </p:txBody>
+      </p:sp>
+      <p:sp>
+        <p:nvSpPr>
+          <p:cNvPr id="15" name="Picture Placeholder 14"/>
+          <p:cNvSpPr>
+            <a:spLocks noGrp="1" noChangeAspect="1"/>
+          </p:cNvSpPr>
+          <p:nvPr>
+            <p:ph type="pic" sz="quarter" idx="13"/>
+          </p:nvPr>
+        </p:nvSpPr>
+        <p:spPr bwMode="auto">
+          <a:xfrm>
+            <a:off x="0" y="0"/>
+            <a:ext cx="12192000" cy="4800600"/>
+          </a:xfrm>
+          <a:custGeom>
+            <a:avLst/>
+            <a:gdLst/>
+            <a:ahLst/>
+            <a:cxnLst/>
+            <a:rect l="0" t="0" r="r" b="b"/>
+            <a:pathLst>
+              <a:path w="5760" h="3289">
+                <a:moveTo>
+                  <a:pt x="5760" y="0"/>
+                </a:moveTo>
+                <a:lnTo>
+                  <a:pt x="0" y="0"/>
+                </a:lnTo>
+                <a:lnTo>
+                  <a:pt x="0" y="3100"/>
+                </a:lnTo>
+                <a:lnTo>
+                  <a:pt x="943" y="3100"/>
+                </a:lnTo>
+                <a:lnTo>
+                  <a:pt x="1123" y="3281"/>
+                </a:lnTo>
+                <a:lnTo>
+                  <a:pt x="1123" y="3281"/>
+                </a:lnTo>
+                <a:lnTo>
+                  <a:pt x="1127" y="3283"/>
+                </a:lnTo>
+                <a:lnTo>
+                  <a:pt x="1133" y="3286"/>
+                </a:lnTo>
+                <a:lnTo>
+                  <a:pt x="1139" y="3289"/>
+                </a:lnTo>
+                <a:lnTo>
+                  <a:pt x="1144" y="3289"/>
+                </a:lnTo>
+                <a:lnTo>
+                  <a:pt x="1150" y="3289"/>
+                </a:lnTo>
+                <a:lnTo>
+                  <a:pt x="1155" y="3286"/>
+                </a:lnTo>
+                <a:lnTo>
+                  <a:pt x="1161" y="3283"/>
+                </a:lnTo>
+                <a:lnTo>
+                  <a:pt x="1165" y="3281"/>
+                </a:lnTo>
+                <a:lnTo>
+                  <a:pt x="1345" y="3100"/>
+                </a:lnTo>
+                <a:lnTo>
+                  <a:pt x="5760" y="3100"/>
+                </a:lnTo>
+                <a:lnTo>
+                  <a:pt x="5760" y="0"/>
+                </a:lnTo>
+                <a:close/>
+              </a:path>
+            </a:pathLst>
+          </a:custGeom>
+          <a:noFill/>
+          <a:ln>
+            <a:solidFill>
+              <a:schemeClr val="tx2"/>
+            </a:solidFill>
+          </a:ln>
+        </p:spPr>
+        <p:style>
+          <a:lnRef idx="1">
+            <a:schemeClr val="accent1"/>
+          </a:lnRef>
+          <a:fillRef idx="3">
+            <a:schemeClr val="accent1"/>
+          </a:fillRef>
+          <a:effectRef idx="2">
+            <a:schemeClr val="accent1"/>
+          </a:effectRef>
+          <a:fontRef idx="minor">
+            <a:schemeClr val="lt1"/>
+          </a:fontRef>
+        </p:style>
+        <p:txBody>
+          <a:bodyPr wrap="square" numCol="1" anchor="t" anchorCtr="0" compatLnSpc="1">
+            <a:prstTxWarp prst="textNoShape">
+              <a:avLst/>
+            </a:prstTxWarp>
+            <a:normAutofit/>
+          </a:bodyPr>
+          <a:lstStyle>
+            <a:lvl1pPr marL="0" indent="0" algn="ctr">
+              <a:buFontTx/>
+              <a:buNone/>
+              <a:defRPr sz="1600"/>
+            </a:lvl1pPr>
+          </a:lstStyle>
+          <a:p>
+            <a:r>
+              <a:rPr lang="en-US" smtClean="0"/>
+              <a:t>Click icon to add picture</a:t>
+            </a:r>
+            <a:endParaRPr lang="en-US" dirty="0"/>
+          </a:p>
+        </p:txBody>
+      </p:sp>
+      <p:sp>
+        <p:nvSpPr>
+          <p:cNvPr id="4" name="Text Placeholder 3"/>
+          <p:cNvSpPr>
+            <a:spLocks noGrp="1"/>
+          </p:cNvSpPr>
+          <p:nvPr>
+            <p:ph type="body" sz="half" idx="2"/>
+          </p:nvPr>
+        </p:nvSpPr>
+        <p:spPr>
+          <a:xfrm>
+            <a:off x="810000" y="5367338"/>
+            <a:ext cx="10561418" cy="493712"/>
+          </a:xfrm>
+        </p:spPr>
+        <p:txBody>
+          <a:bodyPr>
+            <a:normAutofit/>
+          </a:bodyPr>
+          <a:lstStyle>
+            <a:lvl1pPr marL="0" indent="0">
+              <a:buNone/>
+              <a:defRPr sz="1200"/>
+            </a:lvl1pPr>
+            <a:lvl2pPr marL="457200" indent="0">
+              <a:buNone/>
+              <a:defRPr sz="1200"/>
+            </a:lvl2pPr>
+            <a:lvl3pPr marL="914400" indent="0">
+              <a:buNone/>
+              <a:defRPr sz="1000"/>
+            </a:lvl3pPr>
+            <a:lvl4pPr marL="1371600" indent="0">
+              <a:buNone/>
+              <a:defRPr sz="900"/>
+            </a:lvl4pPr>
+            <a:lvl5pPr marL="1828800" indent="0">
+              <a:buNone/>
+              <a:defRPr sz="900"/>
+            </a:lvl5pPr>
+            <a:lvl6pPr marL="2286000" indent="0">
+              <a:buNone/>
+              <a:defRPr sz="900"/>
+            </a:lvl6pPr>
+            <a:lvl7pPr marL="2743200" indent="0">
+              <a:buNone/>
+              <a:defRPr sz="900"/>
+            </a:lvl7pPr>
+            <a:lvl8pPr marL="3200400" indent="0">
+              <a:buNone/>
+              <a:defRPr sz="900"/>
+            </a:lvl8pPr>
+            <a:lvl9pPr marL="3657600" indent="0">
+              <a:buNone/>
+              <a:defRPr sz="900"/>
+            </a:lvl9pPr>
+          </a:lstStyle>
+          <a:p>
+            <a:pPr lvl="0"/>
+            <a:r>
+              <a:rPr lang="en-US" smtClean="0"/>
+              <a:t>Click to edit Master text styles</a:t>
+            </a:r>
+          </a:p>
+        </p:txBody>
+      </p:sp>
+      <p:sp>
+        <p:nvSpPr>
+          <p:cNvPr id="5" name="Date Placeholder 4"/>
+          <p:cNvSpPr>
+            <a:spLocks noGrp="1"/>
+          </p:cNvSpPr>
+          <p:nvPr>
+            <p:ph type="dt" sz="half" idx="10"/>
+          </p:nvPr>
+        </p:nvSpPr>
+        <p:spPr/>
+        <p:txBody>
+          <a:bodyPr/>
+          <a:lstStyle/>
+          <a:p>
+            <a:fld id="{18C79C5D-2A6F-F04D-97DA-BEF2467B64E4}" type="datetimeFigureOut">
+              <a:rPr lang="en-US" dirty="0"/>
+              <a:pPr/>
+              <a:t>2/20/2016</a:t>
+            </a:fld>
+            <a:endParaRPr lang="en-US" dirty="0"/>
+          </a:p>
+        </p:txBody>
+      </p:sp>
+      <p:sp>
+        <p:nvSpPr>
+          <p:cNvPr id="6" name="Footer Placeholder 5"/>
+          <p:cNvSpPr>
+            <a:spLocks noGrp="1"/>
+          </p:cNvSpPr>
+          <p:nvPr>
+            <p:ph type="ftr" sz="quarter" idx="11"/>
+          </p:nvPr>
+        </p:nvSpPr>
+        <p:spPr/>
+        <p:txBody>
+          <a:bodyPr/>
+          <a:lstStyle/>
+          <a:p>
+            <a:endParaRPr lang="en-US" dirty="0"/>
+          </a:p>
+        </p:txBody>
+      </p:sp>
+      <p:sp>
+        <p:nvSpPr>
+          <p:cNvPr id="7" name="Slide Number Placeholder 6"/>
+          <p:cNvSpPr>
+            <a:spLocks noGrp="1"/>
+          </p:cNvSpPr>
+          <p:nvPr>
+            <p:ph type="sldNum" sz="quarter" idx="12"/>
+          </p:nvPr>
+        </p:nvSpPr>
+        <p:spPr/>
+        <p:txBody>
+          <a:bodyPr/>
+          <a:lstStyle/>
+          <a:p>
+            <a:fld id="{D57F1E4F-1CFF-5643-939E-217C01CDF565}" type="slidenum">
+              <a:rPr lang="en-US" dirty="0"/>
+              <a:pPr/>
+              <a:t>‹#›</a:t>
+            </a:fld>
+            <a:endParaRPr lang="en-US" dirty="0"/>
+          </a:p>
+        </p:txBody>
+      </p:sp>
+    </p:spTree>
+  </p:cSld>
+  <p:clrMapOvr>
+    <a:masterClrMapping/>
+  </p:clrMapOvr>
+</p:sldLayout>
+</file>
+
+<file path=ppt/slideLayouts/slideLayout11.xml><?xml version="1.0" encoding="utf-8"?>
+<p:sldLayout xmlns:a="http://schemas.openxmlformats.org/drawingml/2006/main" xmlns:r="http://schemas.openxmlformats.org/officeDocument/2006/relationships" xmlns:p="http://schemas.openxmlformats.org/presentationml/2006/main" preserve="1">
+  <p:cSld name="Quote with Caption">
+    <p:spTree>
+      <p:nvGrpSpPr>
+        <p:cNvPr id="1" name=""/>
+        <p:cNvGrpSpPr/>
+        <p:nvPr/>
+      </p:nvGrpSpPr>
+      <p:grpSpPr>
+        <a:xfrm>
+          <a:off x="0" y="0"/>
+          <a:ext cx="0" cy="0"/>
+          <a:chOff x="0" y="0"/>
+          <a:chExt cx="0" cy="0"/>
+        </a:xfrm>
+      </p:grpSpPr>
+      <p:sp>
+        <p:nvSpPr>
+          <p:cNvPr id="8" name="Freeform 6"/>
+          <p:cNvSpPr>
+            <a:spLocks noChangeAspect="1"/>
+          </p:cNvSpPr>
+          <p:nvPr/>
+        </p:nvSpPr>
+        <p:spPr bwMode="auto">
+          <a:xfrm>
+            <a:off x="631697" y="1081456"/>
+            <a:ext cx="6332416" cy="3239188"/>
+          </a:xfrm>
+          <a:custGeom>
+            <a:avLst/>
+            <a:gdLst/>
+            <a:ahLst/>
+            <a:cxnLst/>
+            <a:rect l="0" t="0" r="r" b="b"/>
+            <a:pathLst>
+              <a:path w="3384" h="2308">
+                <a:moveTo>
+                  <a:pt x="3340" y="0"/>
+                </a:moveTo>
+                <a:lnTo>
+                  <a:pt x="44" y="0"/>
+                </a:lnTo>
+                <a:lnTo>
+                  <a:pt x="44" y="0"/>
+                </a:lnTo>
+                <a:lnTo>
+                  <a:pt x="34" y="0"/>
+                </a:lnTo>
+                <a:lnTo>
+                  <a:pt x="26" y="4"/>
+                </a:lnTo>
+                <a:lnTo>
+                  <a:pt x="20" y="8"/>
+                </a:lnTo>
+                <a:lnTo>
+                  <a:pt x="12" y="12"/>
+                </a:lnTo>
+                <a:lnTo>
+                  <a:pt x="8" y="20"/>
+                </a:lnTo>
+                <a:lnTo>
+                  <a:pt x="4" y="26"/>
+                </a:lnTo>
+                <a:lnTo>
+                  <a:pt x="0" y="34"/>
+                </a:lnTo>
+                <a:lnTo>
+                  <a:pt x="0" y="44"/>
+                </a:lnTo>
+                <a:lnTo>
+                  <a:pt x="0" y="2076"/>
+                </a:lnTo>
+                <a:lnTo>
+                  <a:pt x="0" y="2076"/>
+                </a:lnTo>
+                <a:lnTo>
+                  <a:pt x="0" y="2086"/>
+                </a:lnTo>
+                <a:lnTo>
+                  <a:pt x="4" y="2094"/>
+                </a:lnTo>
+                <a:lnTo>
+                  <a:pt x="8" y="2100"/>
+                </a:lnTo>
+                <a:lnTo>
+                  <a:pt x="12" y="2108"/>
+                </a:lnTo>
+                <a:lnTo>
+                  <a:pt x="20" y="2112"/>
+                </a:lnTo>
+                <a:lnTo>
+                  <a:pt x="26" y="2116"/>
+                </a:lnTo>
+                <a:lnTo>
+                  <a:pt x="34" y="2120"/>
+                </a:lnTo>
+                <a:lnTo>
+                  <a:pt x="44" y="2120"/>
+                </a:lnTo>
+                <a:lnTo>
+                  <a:pt x="474" y="2120"/>
+                </a:lnTo>
+                <a:lnTo>
+                  <a:pt x="650" y="2296"/>
+                </a:lnTo>
+                <a:lnTo>
+                  <a:pt x="650" y="2296"/>
+                </a:lnTo>
+                <a:lnTo>
+                  <a:pt x="656" y="2300"/>
+                </a:lnTo>
+                <a:lnTo>
+                  <a:pt x="664" y="2304"/>
+                </a:lnTo>
+                <a:lnTo>
+                  <a:pt x="672" y="2308"/>
+                </a:lnTo>
+                <a:lnTo>
+                  <a:pt x="680" y="2308"/>
+                </a:lnTo>
+                <a:lnTo>
+                  <a:pt x="688" y="2308"/>
+                </a:lnTo>
+                <a:lnTo>
+                  <a:pt x="696" y="2304"/>
+                </a:lnTo>
+                <a:lnTo>
+                  <a:pt x="704" y="2300"/>
+                </a:lnTo>
+                <a:lnTo>
+                  <a:pt x="710" y="2296"/>
+                </a:lnTo>
+                <a:lnTo>
+                  <a:pt x="886" y="2120"/>
+                </a:lnTo>
+                <a:lnTo>
+                  <a:pt x="3340" y="2120"/>
+                </a:lnTo>
+                <a:lnTo>
+                  <a:pt x="3340" y="2120"/>
+                </a:lnTo>
+                <a:lnTo>
+                  <a:pt x="3350" y="2120"/>
+                </a:lnTo>
+                <a:lnTo>
+                  <a:pt x="3358" y="2116"/>
+                </a:lnTo>
+                <a:lnTo>
+                  <a:pt x="3364" y="2112"/>
+                </a:lnTo>
+                <a:lnTo>
+                  <a:pt x="3372" y="2108"/>
+                </a:lnTo>
+                <a:lnTo>
+                  <a:pt x="3376" y="2100"/>
+                </a:lnTo>
+                <a:lnTo>
+                  <a:pt x="3380" y="2094"/>
+                </a:lnTo>
+                <a:lnTo>
+                  <a:pt x="3384" y="2086"/>
+                </a:lnTo>
+                <a:lnTo>
+                  <a:pt x="3384" y="2076"/>
+                </a:lnTo>
+                <a:lnTo>
+                  <a:pt x="3384" y="44"/>
+                </a:lnTo>
+                <a:lnTo>
+                  <a:pt x="3384" y="44"/>
+                </a:lnTo>
+                <a:lnTo>
+                  <a:pt x="3384" y="34"/>
+                </a:lnTo>
+                <a:lnTo>
+                  <a:pt x="3380" y="26"/>
+                </a:lnTo>
+                <a:lnTo>
+                  <a:pt x="3376" y="20"/>
+                </a:lnTo>
+                <a:lnTo>
+                  <a:pt x="3372" y="12"/>
+                </a:lnTo>
+                <a:lnTo>
+                  <a:pt x="3364" y="8"/>
+                </a:lnTo>
+                <a:lnTo>
+                  <a:pt x="3358" y="4"/>
+                </a:lnTo>
+                <a:lnTo>
+                  <a:pt x="3350" y="0"/>
+                </a:lnTo>
+                <a:lnTo>
+                  <a:pt x="3340" y="0"/>
+                </a:lnTo>
+                <a:lnTo>
+                  <a:pt x="3340" y="0"/>
+                </a:lnTo>
+                <a:close/>
+              </a:path>
+            </a:pathLst>
+          </a:custGeom>
+          <a:ln>
+            <a:solidFill>
+              <a:schemeClr val="accent1"/>
+            </a:solidFill>
+          </a:ln>
+        </p:spPr>
+        <p:style>
+          <a:lnRef idx="1">
+            <a:schemeClr val="accent1"/>
+          </a:lnRef>
+          <a:fillRef idx="3">
+            <a:schemeClr val="accent1"/>
+          </a:fillRef>
+          <a:effectRef idx="2">
+            <a:schemeClr val="accent1"/>
+          </a:effectRef>
+          <a:fontRef idx="minor">
+            <a:schemeClr val="lt1"/>
+          </a:fontRef>
+        </p:style>
+      </p:sp>
+      <p:sp>
+        <p:nvSpPr>
+          <p:cNvPr id="2" name="Title 1"/>
+          <p:cNvSpPr>
+            <a:spLocks noGrp="1"/>
+          </p:cNvSpPr>
+          <p:nvPr>
+            <p:ph type="title"/>
+          </p:nvPr>
+        </p:nvSpPr>
+        <p:spPr>
+          <a:xfrm>
+            <a:off x="850985" y="1238502"/>
+            <a:ext cx="5893840" cy="2645912"/>
+          </a:xfrm>
+        </p:spPr>
+        <p:txBody>
+          <a:bodyPr anchor="b"/>
+          <a:lstStyle>
+            <a:lvl1pPr algn="l">
+              <a:defRPr sz="4200" b="1" cap="none"/>
+            </a:lvl1pPr>
+          </a:lstStyle>
+          <a:p>
+            <a:r>
+              <a:rPr lang="en-US" smtClean="0"/>
+              <a:t>Click to edit Master title style</a:t>
+            </a:r>
+            <a:endParaRPr lang="en-US" dirty="0"/>
+          </a:p>
+        </p:txBody>
+      </p:sp>
+      <p:sp>
+        <p:nvSpPr>
+          <p:cNvPr id="3" name="Text Placeholder 2"/>
+          <p:cNvSpPr>
+            <a:spLocks noGrp="1"/>
+          </p:cNvSpPr>
+          <p:nvPr>
+            <p:ph type="body" idx="1"/>
+          </p:nvPr>
+        </p:nvSpPr>
+        <p:spPr>
+          <a:xfrm>
+            <a:off x="853190" y="4443680"/>
+            <a:ext cx="5891636" cy="713241"/>
+          </a:xfrm>
+        </p:spPr>
+        <p:txBody>
+          <a:bodyPr anchor="t">
+            <a:noAutofit/>
+          </a:bodyPr>
+          <a:lstStyle>
+            <a:lvl1pPr marL="0" indent="0" algn="l">
+              <a:buNone/>
+              <a:defRPr sz="1800">
+                <a:solidFill>
+                  <a:schemeClr val="tx1"/>
+                </a:solidFill>
+              </a:defRPr>
+            </a:lvl1pPr>
+            <a:lvl2pPr marL="457200" indent="0">
+              <a:buNone/>
+              <a:defRPr sz="1800">
+                <a:solidFill>
+                  <a:schemeClr val="tx1">
+                    <a:tint val="75000"/>
+                  </a:schemeClr>
+                </a:solidFill>
+              </a:defRPr>
+            </a:lvl2pPr>
+            <a:lvl3pPr marL="914400" indent="0">
+              <a:buNone/>
+              <a:defRPr sz="1600">
+                <a:solidFill>
+                  <a:schemeClr val="tx1">
+                    <a:tint val="75000"/>
+                  </a:schemeClr>
+                </a:solidFill>
+              </a:defRPr>
+            </a:lvl3pPr>
+            <a:lvl4pPr marL="1371600" indent="0">
+              <a:buNone/>
+              <a:defRPr sz="1400">
+                <a:solidFill>
+                  <a:schemeClr val="tx1">
+                    <a:tint val="75000"/>
+                  </a:schemeClr>
+                </a:solidFill>
+              </a:defRPr>
+            </a:lvl4pPr>
+            <a:lvl5pPr marL="1828800" indent="0">
+              <a:buNone/>
+              <a:defRPr sz="1400">
+                <a:solidFill>
+                  <a:schemeClr val="tx1">
+                    <a:tint val="75000"/>
+                  </a:schemeClr>
+                </a:solidFill>
+              </a:defRPr>
+            </a:lvl5pPr>
+            <a:lvl6pPr marL="2286000" indent="0">
+              <a:buNone/>
+              <a:defRPr sz="1400">
+                <a:solidFill>
+                  <a:schemeClr val="tx1">
+                    <a:tint val="75000"/>
+                  </a:schemeClr>
+                </a:solidFill>
+              </a:defRPr>
+            </a:lvl6pPr>
+            <a:lvl7pPr marL="2743200" indent="0">
+              <a:buNone/>
+              <a:defRPr sz="1400">
+                <a:solidFill>
+                  <a:schemeClr val="tx1">
+                    <a:tint val="75000"/>
+                  </a:schemeClr>
+                </a:solidFill>
+              </a:defRPr>
+            </a:lvl7pPr>
+            <a:lvl8pPr marL="3200400" indent="0">
+              <a:buNone/>
+              <a:defRPr sz="1400">
+                <a:solidFill>
+                  <a:schemeClr val="tx1">
+                    <a:tint val="75000"/>
+                  </a:schemeClr>
+                </a:solidFill>
+              </a:defRPr>
+            </a:lvl8pPr>
+            <a:lvl9pPr marL="3657600" indent="0">
+              <a:buNone/>
+              <a:defRPr sz="1400">
+                <a:solidFill>
+                  <a:schemeClr val="tx1">
+                    <a:tint val="75000"/>
+                  </a:schemeClr>
+                </a:solidFill>
+              </a:defRPr>
+            </a:lvl9pPr>
+          </a:lstStyle>
+          <a:p>
+            <a:pPr lvl="0"/>
+            <a:r>
+              <a:rPr lang="en-US" smtClean="0"/>
+              <a:t>Click to edit Master text styles</a:t>
+            </a:r>
+          </a:p>
+        </p:txBody>
+      </p:sp>
+      <p:sp>
+        <p:nvSpPr>
+          <p:cNvPr id="9" name="Text Placeholder 5"/>
+          <p:cNvSpPr>
+            <a:spLocks noGrp="1"/>
+          </p:cNvSpPr>
+          <p:nvPr>
+            <p:ph type="body" sz="quarter" idx="16"/>
+          </p:nvPr>
+        </p:nvSpPr>
+        <p:spPr>
+          <a:xfrm>
+            <a:off x="7574642" y="1081456"/>
+            <a:ext cx="3810001" cy="4075465"/>
+          </a:xfrm>
+        </p:spPr>
+        <p:txBody>
+          <a:bodyPr anchor="t"/>
+          <a:lstStyle>
+            <a:lvl1pPr marL="0" indent="0">
+              <a:buFontTx/>
+              <a:buNone/>
+              <a:defRPr/>
+            </a:lvl1pPr>
+          </a:lstStyle>
+          <a:p>
+            <a:pPr lvl="0"/>
+            <a:r>
+              <a:rPr lang="en-US" smtClean="0"/>
+              <a:t>Click to edit Master text styles</a:t>
+            </a:r>
+          </a:p>
+        </p:txBody>
+      </p:sp>
+      <p:sp>
+        <p:nvSpPr>
+          <p:cNvPr id="4" name="Date Placeholder 3"/>
+          <p:cNvSpPr>
+            <a:spLocks noGrp="1"/>
+          </p:cNvSpPr>
+          <p:nvPr>
+            <p:ph type="dt" sz="half" idx="10"/>
+          </p:nvPr>
+        </p:nvSpPr>
+        <p:spPr/>
+        <p:txBody>
+          <a:bodyPr/>
+          <a:lstStyle/>
+          <a:p>
+            <a:fld id="{8DFA1846-DA80-1C48-A609-854EA85C59AD}" type="datetimeFigureOut">
+              <a:rPr lang="en-US" dirty="0"/>
+              <a:pPr/>
+              <a:t>2/20/2016</a:t>
+            </a:fld>
+            <a:endParaRPr lang="en-US" dirty="0"/>
+          </a:p>
+        </p:txBody>
+      </p:sp>
+      <p:sp>
+        <p:nvSpPr>
+          <p:cNvPr id="5" name="Footer Placeholder 4"/>
+          <p:cNvSpPr>
+            <a:spLocks noGrp="1"/>
+          </p:cNvSpPr>
+          <p:nvPr>
+            <p:ph type="ftr" sz="quarter" idx="11"/>
+          </p:nvPr>
+        </p:nvSpPr>
+        <p:spPr/>
+        <p:txBody>
+          <a:bodyPr/>
+          <a:lstStyle/>
+          <a:p>
+            <a:endParaRPr lang="en-US" dirty="0"/>
+          </a:p>
+        </p:txBody>
+      </p:sp>
+      <p:sp>
+        <p:nvSpPr>
+          <p:cNvPr id="6" name="Slide Number Placeholder 5"/>
+          <p:cNvSpPr>
+            <a:spLocks noGrp="1"/>
+          </p:cNvSpPr>
+          <p:nvPr>
+            <p:ph type="sldNum" sz="quarter" idx="12"/>
+          </p:nvPr>
+        </p:nvSpPr>
+        <p:spPr/>
+        <p:txBody>
+          <a:bodyPr/>
+          <a:lstStyle/>
+          <a:p>
+            <a:fld id="{D57F1E4F-1CFF-5643-939E-217C01CDF565}" type="slidenum">
+              <a:rPr lang="en-US" dirty="0"/>
+              <a:pPr/>
+              <a:t>‹#›</a:t>
+            </a:fld>
+            <a:endParaRPr lang="en-US" dirty="0"/>
+          </a:p>
+        </p:txBody>
+      </p:sp>
+    </p:spTree>
+  </p:cSld>
+  <p:clrMapOvr>
+    <a:masterClrMapping/>
+  </p:clrMapOvr>
+</p:sldLayout>
+</file>
+
+<file path=ppt/slideLayouts/slideLayout12.xml><?xml version="1.0" encoding="utf-8"?>
+<p:sldLayout xmlns:a="http://schemas.openxmlformats.org/drawingml/2006/main" xmlns:r="http://schemas.openxmlformats.org/officeDocument/2006/relationships" xmlns:p="http://schemas.openxmlformats.org/presentationml/2006/main" preserve="1">
+  <p:cSld name="Name Card">
+    <p:spTree>
+      <p:nvGrpSpPr>
+        <p:cNvPr id="1" name=""/>
+        <p:cNvGrpSpPr/>
+        <p:nvPr/>
+      </p:nvGrpSpPr>
+      <p:grpSpPr>
+        <a:xfrm>
+          <a:off x="0" y="0"/>
+          <a:ext cx="0" cy="0"/>
+          <a:chOff x="0" y="0"/>
+          <a:chExt cx="0" cy="0"/>
+        </a:xfrm>
+      </p:grpSpPr>
+      <p:sp>
+        <p:nvSpPr>
+          <p:cNvPr id="9" name="Freeform 6"/>
+          <p:cNvSpPr>
+            <a:spLocks noChangeAspect="1"/>
+          </p:cNvSpPr>
+          <p:nvPr/>
+        </p:nvSpPr>
+        <p:spPr bwMode="auto">
+          <a:xfrm>
+            <a:off x="1140884" y="2286585"/>
+            <a:ext cx="4895115" cy="2503972"/>
+          </a:xfrm>
+          <a:custGeom>
+            <a:avLst/>
+            <a:gdLst/>
+            <a:ahLst/>
+            <a:cxnLst/>
+            <a:rect l="0" t="0" r="r" b="b"/>
+            <a:pathLst>
+              <a:path w="3384" h="2308">
+                <a:moveTo>
+                  <a:pt x="3340" y="0"/>
+                </a:moveTo>
+                <a:lnTo>
+                  <a:pt x="44" y="0"/>
+                </a:lnTo>
+                <a:lnTo>
+                  <a:pt x="44" y="0"/>
+                </a:lnTo>
+                <a:lnTo>
+                  <a:pt x="34" y="0"/>
+                </a:lnTo>
+                <a:lnTo>
+                  <a:pt x="26" y="4"/>
+                </a:lnTo>
+                <a:lnTo>
+                  <a:pt x="20" y="8"/>
+                </a:lnTo>
+                <a:lnTo>
+                  <a:pt x="12" y="12"/>
+                </a:lnTo>
+                <a:lnTo>
+                  <a:pt x="8" y="20"/>
+                </a:lnTo>
+                <a:lnTo>
+                  <a:pt x="4" y="26"/>
+                </a:lnTo>
+                <a:lnTo>
+                  <a:pt x="0" y="34"/>
+                </a:lnTo>
+                <a:lnTo>
+                  <a:pt x="0" y="44"/>
+                </a:lnTo>
+                <a:lnTo>
+                  <a:pt x="0" y="2076"/>
+                </a:lnTo>
+                <a:lnTo>
+                  <a:pt x="0" y="2076"/>
+                </a:lnTo>
+                <a:lnTo>
+                  <a:pt x="0" y="2086"/>
+                </a:lnTo>
+                <a:lnTo>
+                  <a:pt x="4" y="2094"/>
+                </a:lnTo>
+                <a:lnTo>
+                  <a:pt x="8" y="2100"/>
+                </a:lnTo>
+                <a:lnTo>
+                  <a:pt x="12" y="2108"/>
+                </a:lnTo>
+                <a:lnTo>
+                  <a:pt x="20" y="2112"/>
+                </a:lnTo>
+                <a:lnTo>
+                  <a:pt x="26" y="2116"/>
+                </a:lnTo>
+                <a:lnTo>
+                  <a:pt x="34" y="2120"/>
+                </a:lnTo>
+                <a:lnTo>
+                  <a:pt x="44" y="2120"/>
+                </a:lnTo>
+                <a:lnTo>
+                  <a:pt x="474" y="2120"/>
+                </a:lnTo>
+                <a:lnTo>
+                  <a:pt x="650" y="2296"/>
+                </a:lnTo>
+                <a:lnTo>
+                  <a:pt x="650" y="2296"/>
+                </a:lnTo>
+                <a:lnTo>
+                  <a:pt x="656" y="2300"/>
+                </a:lnTo>
+                <a:lnTo>
+                  <a:pt x="664" y="2304"/>
+                </a:lnTo>
+                <a:lnTo>
+                  <a:pt x="672" y="2308"/>
+                </a:lnTo>
+                <a:lnTo>
+                  <a:pt x="680" y="2308"/>
+                </a:lnTo>
+                <a:lnTo>
+                  <a:pt x="688" y="2308"/>
+                </a:lnTo>
+                <a:lnTo>
+                  <a:pt x="696" y="2304"/>
+                </a:lnTo>
+                <a:lnTo>
+                  <a:pt x="704" y="2300"/>
+                </a:lnTo>
+                <a:lnTo>
+                  <a:pt x="710" y="2296"/>
+                </a:lnTo>
+                <a:lnTo>
+                  <a:pt x="886" y="2120"/>
+                </a:lnTo>
+                <a:lnTo>
+                  <a:pt x="3340" y="2120"/>
+                </a:lnTo>
+                <a:lnTo>
+                  <a:pt x="3340" y="2120"/>
+                </a:lnTo>
+                <a:lnTo>
+                  <a:pt x="3350" y="2120"/>
+                </a:lnTo>
+                <a:lnTo>
+                  <a:pt x="3358" y="2116"/>
+                </a:lnTo>
+                <a:lnTo>
+                  <a:pt x="3364" y="2112"/>
+                </a:lnTo>
+                <a:lnTo>
+                  <a:pt x="3372" y="2108"/>
+                </a:lnTo>
+                <a:lnTo>
+                  <a:pt x="3376" y="2100"/>
+                </a:lnTo>
+                <a:lnTo>
+                  <a:pt x="3380" y="2094"/>
+                </a:lnTo>
+                <a:lnTo>
+                  <a:pt x="3384" y="2086"/>
+                </a:lnTo>
+                <a:lnTo>
+                  <a:pt x="3384" y="2076"/>
+                </a:lnTo>
+                <a:lnTo>
+                  <a:pt x="3384" y="44"/>
+                </a:lnTo>
+                <a:lnTo>
+                  <a:pt x="3384" y="44"/>
+                </a:lnTo>
+                <a:lnTo>
+                  <a:pt x="3384" y="34"/>
+                </a:lnTo>
+                <a:lnTo>
+                  <a:pt x="3380" y="26"/>
+                </a:lnTo>
+                <a:lnTo>
+                  <a:pt x="3376" y="20"/>
+                </a:lnTo>
+                <a:lnTo>
+                  <a:pt x="3372" y="12"/>
+                </a:lnTo>
+                <a:lnTo>
+                  <a:pt x="3364" y="8"/>
+                </a:lnTo>
+                <a:lnTo>
+                  <a:pt x="3358" y="4"/>
+                </a:lnTo>
+                <a:lnTo>
+                  <a:pt x="3350" y="0"/>
+                </a:lnTo>
+                <a:lnTo>
+                  <a:pt x="3340" y="0"/>
+                </a:lnTo>
+                <a:lnTo>
+                  <a:pt x="3340" y="0"/>
+                </a:lnTo>
+                <a:close/>
+              </a:path>
+            </a:pathLst>
+          </a:custGeom>
+          <a:ln>
+            <a:solidFill>
+              <a:schemeClr val="accent1"/>
+            </a:solidFill>
+          </a:ln>
+        </p:spPr>
+        <p:style>
+          <a:lnRef idx="1">
+            <a:schemeClr val="accent1"/>
+          </a:lnRef>
+          <a:fillRef idx="3">
+            <a:schemeClr val="accent1"/>
+          </a:fillRef>
+          <a:effectRef idx="2">
+            <a:schemeClr val="accent1"/>
+          </a:effectRef>
+          <a:fontRef idx="minor">
+            <a:schemeClr val="lt1"/>
+          </a:fontRef>
+        </p:style>
+      </p:sp>
+      <p:sp>
+        <p:nvSpPr>
+          <p:cNvPr id="38" name="Title 1"/>
+          <p:cNvSpPr>
+            <a:spLocks noGrp="1"/>
+          </p:cNvSpPr>
+          <p:nvPr>
+            <p:ph type="title"/>
+          </p:nvPr>
+        </p:nvSpPr>
+        <p:spPr>
+          <a:xfrm>
+            <a:off x="1357089" y="2435957"/>
+            <a:ext cx="4382521" cy="2007789"/>
+          </a:xfrm>
+        </p:spPr>
+        <p:txBody>
+          <a:bodyPr/>
+          <a:lstStyle>
+            <a:lvl1pPr>
+              <a:defRPr sz="3200"/>
+            </a:lvl1pPr>
+          </a:lstStyle>
+          <a:p>
+            <a:r>
+              <a:rPr lang="en-US" smtClean="0"/>
+              <a:t>Click to edit Master title style</a:t>
+            </a:r>
+            <a:endParaRPr lang="en-US" dirty="0"/>
+          </a:p>
+        </p:txBody>
+      </p:sp>
+      <p:sp>
+        <p:nvSpPr>
+          <p:cNvPr id="6" name="Text Placeholder 5"/>
+          <p:cNvSpPr>
+            <a:spLocks noGrp="1"/>
+          </p:cNvSpPr>
+          <p:nvPr>
+            <p:ph type="body" sz="quarter" idx="16"/>
+          </p:nvPr>
+        </p:nvSpPr>
+        <p:spPr>
+          <a:xfrm>
+            <a:off x="6156000" y="2286000"/>
+            <a:ext cx="4880300" cy="2295525"/>
+          </a:xfrm>
+        </p:spPr>
+        <p:txBody>
+          <a:bodyPr anchor="t"/>
+          <a:lstStyle>
+            <a:lvl1pPr marL="0" indent="0">
+              <a:buFontTx/>
+              <a:buNone/>
+              <a:defRPr/>
+            </a:lvl1pPr>
+          </a:lstStyle>
+          <a:p>
+            <a:pPr lvl="0"/>
+            <a:r>
+              <a:rPr lang="en-US" smtClean="0"/>
+              <a:t>Click to edit Master text styles</a:t>
+            </a:r>
+          </a:p>
+        </p:txBody>
+      </p:sp>
+      <p:sp>
+        <p:nvSpPr>
+          <p:cNvPr id="2" name="Date Placeholder 1"/>
+          <p:cNvSpPr>
+            <a:spLocks noGrp="1"/>
+          </p:cNvSpPr>
+          <p:nvPr>
+            <p:ph type="dt" sz="half" idx="10"/>
+          </p:nvPr>
+        </p:nvSpPr>
+        <p:spPr/>
+        <p:txBody>
+          <a:bodyPr/>
+          <a:lstStyle/>
+          <a:p>
+            <a:fld id="{FBF54567-0DE4-3F47-BF90-CB84690072F9}" type="datetimeFigureOut">
+              <a:rPr lang="en-US" dirty="0"/>
+              <a:pPr/>
+              <a:t>2/20/2016</a:t>
+            </a:fld>
+            <a:endParaRPr lang="en-US" dirty="0"/>
+          </a:p>
+        </p:txBody>
+      </p:sp>
+      <p:sp>
+        <p:nvSpPr>
+          <p:cNvPr id="3" name="Footer Placeholder 2"/>
+          <p:cNvSpPr>
+            <a:spLocks noGrp="1"/>
+          </p:cNvSpPr>
+          <p:nvPr>
+            <p:ph type="ftr" sz="quarter" idx="11"/>
+          </p:nvPr>
+        </p:nvSpPr>
+        <p:spPr/>
+        <p:txBody>
+          <a:bodyPr/>
+          <a:lstStyle/>
+          <a:p>
+            <a:endParaRPr lang="en-US" dirty="0"/>
+          </a:p>
+        </p:txBody>
+      </p:sp>
+      <p:sp>
+        <p:nvSpPr>
+          <p:cNvPr id="4" name="Slide Number Placeholder 3"/>
+          <p:cNvSpPr>
+            <a:spLocks noGrp="1"/>
+          </p:cNvSpPr>
+          <p:nvPr>
+            <p:ph type="sldNum" sz="quarter" idx="12"/>
+          </p:nvPr>
+        </p:nvSpPr>
+        <p:spPr/>
+        <p:txBody>
+          <a:bodyPr/>
+          <a:lstStyle/>
+          <a:p>
+            <a:fld id="{D57F1E4F-1CFF-5643-939E-217C01CDF565}" type="slidenum">
+              <a:rPr lang="en-US" dirty="0"/>
+              <a:pPr/>
+              <a:t>‹#›</a:t>
+            </a:fld>
+            <a:endParaRPr lang="en-US" dirty="0"/>
+          </a:p>
+        </p:txBody>
+      </p:sp>
+    </p:spTree>
+  </p:cSld>
+  <p:clrMapOvr>
+    <a:masterClrMapping/>
+  </p:clrMapOvr>
+</p:sldLayout>
+</file>
+
+<file path=ppt/slideLayouts/slideLayout13.xml><?xml version="1.0" encoding="utf-8"?>
 <p:sldLayout xmlns:a="http://schemas.openxmlformats.org/drawingml/2006/main" xmlns:r="http://schemas.openxmlformats.org/officeDocument/2006/relationships" xmlns:p="http://schemas.openxmlformats.org/presentationml/2006/main" type="vertTx" preserve="1">
   <p:cSld name="Title and Vertical Text">
     <p:spTree>
@@ -521,6 +1646,109 @@
       </p:grpSpPr>
       <p:sp>
         <p:nvSpPr>
+          <p:cNvPr id="7" name="Freeform 6"/>
+          <p:cNvSpPr/>
+          <p:nvPr/>
+        </p:nvSpPr>
+        <p:spPr bwMode="auto">
+          <a:xfrm>
+            <a:off x="0" y="0"/>
+            <a:ext cx="12192000" cy="2185988"/>
+          </a:xfrm>
+          <a:custGeom>
+            <a:avLst/>
+            <a:gdLst/>
+            <a:ahLst/>
+            <a:cxnLst/>
+            <a:rect l="0" t="0" r="r" b="b"/>
+            <a:pathLst>
+              <a:path w="5760" h="1377">
+                <a:moveTo>
+                  <a:pt x="5760" y="0"/>
+                </a:moveTo>
+                <a:lnTo>
+                  <a:pt x="0" y="0"/>
+                </a:lnTo>
+                <a:lnTo>
+                  <a:pt x="0" y="1189"/>
+                </a:lnTo>
+                <a:lnTo>
+                  <a:pt x="943" y="1189"/>
+                </a:lnTo>
+                <a:lnTo>
+                  <a:pt x="1123" y="1369"/>
+                </a:lnTo>
+                <a:lnTo>
+                  <a:pt x="1123" y="1369"/>
+                </a:lnTo>
+                <a:lnTo>
+                  <a:pt x="1127" y="1371"/>
+                </a:lnTo>
+                <a:lnTo>
+                  <a:pt x="1133" y="1374"/>
+                </a:lnTo>
+                <a:lnTo>
+                  <a:pt x="1139" y="1377"/>
+                </a:lnTo>
+                <a:lnTo>
+                  <a:pt x="1144" y="1377"/>
+                </a:lnTo>
+                <a:lnTo>
+                  <a:pt x="1150" y="1377"/>
+                </a:lnTo>
+                <a:lnTo>
+                  <a:pt x="1155" y="1374"/>
+                </a:lnTo>
+                <a:lnTo>
+                  <a:pt x="1161" y="1371"/>
+                </a:lnTo>
+                <a:lnTo>
+                  <a:pt x="1165" y="1369"/>
+                </a:lnTo>
+                <a:lnTo>
+                  <a:pt x="1345" y="1189"/>
+                </a:lnTo>
+                <a:lnTo>
+                  <a:pt x="5760" y="1189"/>
+                </a:lnTo>
+                <a:lnTo>
+                  <a:pt x="5760" y="0"/>
+                </a:lnTo>
+                <a:close/>
+              </a:path>
+            </a:pathLst>
+          </a:custGeom>
+          <a:ln/>
+          <a:extLst>
+            <a:ext uri="{91240B29-F687-4f45-9708-019B960494DF}">
+              <a14:hiddenLine xmlns:a14="http://schemas.microsoft.com/office/drawing/2010/main" xmlns="" w="9525">
+                <a:solidFill>
+                  <a:srgbClr val="000000"/>
+                </a:solidFill>
+                <a:round/>
+                <a:headEnd/>
+                <a:tailEnd/>
+              </a14:hiddenLine>
+            </a:ext>
+          </a:extLst>
+        </p:spPr>
+        <p:style>
+          <a:lnRef idx="1">
+            <a:schemeClr val="accent1"/>
+          </a:lnRef>
+          <a:fillRef idx="3">
+            <a:schemeClr val="accent1"/>
+          </a:fillRef>
+          <a:effectRef idx="2">
+            <a:schemeClr val="accent1"/>
+          </a:effectRef>
+          <a:fontRef idx="minor">
+            <a:schemeClr val="lt1"/>
+          </a:fontRef>
+        </p:style>
+      </p:sp>
+      <p:sp>
+        <p:nvSpPr>
           <p:cNvPr id="2" name="Title 1"/>
           <p:cNvSpPr>
             <a:spLocks noGrp="1"/>
@@ -552,14 +1780,9 @@
             <p:ph type="body" orient="vert" idx="1"/>
           </p:nvPr>
         </p:nvSpPr>
-        <p:spPr>
-          <a:xfrm>
-            <a:off x="1371600" y="2295525"/>
-            <a:ext cx="9601200" cy="3571875"/>
-          </a:xfrm>
-        </p:spPr>
-        <p:txBody>
-          <a:bodyPr vert="eaVert"/>
+        <p:spPr/>
+        <p:txBody>
+          <a:bodyPr vert="eaVert" anchor="t"/>
           <a:lstStyle/>
           <a:p>
             <a:pPr lvl="0"/>
@@ -614,9 +1837,10 @@
           <a:bodyPr/>
           <a:lstStyle/>
           <a:p>
-            <a:fld id="{87DE6118-2437-4B30-8E3C-4D2BE6020583}" type="datetimeFigureOut">
-              <a:rPr lang="en-US" smtClean="0"/>
-              <a:t>2/19/2016</a:t>
+            <a:fld id="{C6C52C72-DE31-F449-A4ED-4C594FD91407}" type="datetimeFigureOut">
+              <a:rPr lang="en-US" dirty="0"/>
+              <a:pPr/>
+              <a:t>2/20/2016</a:t>
             </a:fld>
             <a:endParaRPr lang="en-US" dirty="0"/>
           </a:p>
@@ -656,8 +1880,9 @@
           <a:bodyPr/>
           <a:lstStyle/>
           <a:p>
-            <a:fld id="{69E57DC2-970A-4B3E-BB1C-7A09969E49DF}" type="slidenum">
-              <a:rPr lang="en-US" smtClean="0"/>
+            <a:fld id="{D57F1E4F-1CFF-5643-939E-217C01CDF565}" type="slidenum">
+              <a:rPr lang="en-US" dirty="0"/>
+              <a:pPr/>
               <a:t>‹#›</a:t>
             </a:fld>
             <a:endParaRPr lang="en-US" dirty="0"/>
@@ -665,11 +1890,6 @@
         </p:txBody>
       </p:sp>
     </p:spTree>
-    <p:extLst>
-      <p:ext uri="{BB962C8B-B14F-4D97-AF65-F5344CB8AC3E}">
-        <p14:creationId xmlns:p14="http://schemas.microsoft.com/office/powerpoint/2010/main" val="4263598239"/>
-      </p:ext>
-    </p:extLst>
   </p:cSld>
   <p:clrMapOvr>
     <a:masterClrMapping/>
@@ -677,7 +1897,7 @@
 </p:sldLayout>
 </file>
 
-<file path=ppt/slideLayouts/slideLayout11.xml><?xml version="1.0" encoding="utf-8"?>
+<file path=ppt/slideLayouts/slideLayout14.xml><?xml version="1.0" encoding="utf-8"?>
 <p:sldLayout xmlns:a="http://schemas.openxmlformats.org/drawingml/2006/main" xmlns:r="http://schemas.openxmlformats.org/officeDocument/2006/relationships" xmlns:p="http://schemas.openxmlformats.org/presentationml/2006/main" type="vertTitleAndTx" preserve="1">
   <p:cSld name="Vertical Title and Text">
     <p:spTree>
@@ -696,6 +1916,111 @@
       </p:grpSpPr>
       <p:sp>
         <p:nvSpPr>
+          <p:cNvPr id="12" name="Freeform 6"/>
+          <p:cNvSpPr>
+            <a:spLocks noChangeAspect="1"/>
+          </p:cNvSpPr>
+          <p:nvPr/>
+        </p:nvSpPr>
+        <p:spPr bwMode="auto">
+          <a:xfrm>
+            <a:off x="7669651" y="446089"/>
+            <a:ext cx="4522349" cy="5414962"/>
+          </a:xfrm>
+          <a:custGeom>
+            <a:avLst/>
+            <a:gdLst/>
+            <a:ahLst/>
+            <a:cxnLst/>
+            <a:rect l="0" t="0" r="r" b="b"/>
+            <a:pathLst>
+              <a:path w="2879" h="4320">
+                <a:moveTo>
+                  <a:pt x="183" y="0"/>
+                </a:moveTo>
+                <a:lnTo>
+                  <a:pt x="183" y="1197"/>
+                </a:lnTo>
+                <a:lnTo>
+                  <a:pt x="8" y="1372"/>
+                </a:lnTo>
+                <a:lnTo>
+                  <a:pt x="8" y="1372"/>
+                </a:lnTo>
+                <a:lnTo>
+                  <a:pt x="6" y="1376"/>
+                </a:lnTo>
+                <a:lnTo>
+                  <a:pt x="3" y="1382"/>
+                </a:lnTo>
+                <a:lnTo>
+                  <a:pt x="0" y="1387"/>
+                </a:lnTo>
+                <a:lnTo>
+                  <a:pt x="0" y="1393"/>
+                </a:lnTo>
+                <a:lnTo>
+                  <a:pt x="0" y="1399"/>
+                </a:lnTo>
+                <a:lnTo>
+                  <a:pt x="3" y="1404"/>
+                </a:lnTo>
+                <a:lnTo>
+                  <a:pt x="6" y="1410"/>
+                </a:lnTo>
+                <a:lnTo>
+                  <a:pt x="8" y="1414"/>
+                </a:lnTo>
+                <a:lnTo>
+                  <a:pt x="183" y="1589"/>
+                </a:lnTo>
+                <a:lnTo>
+                  <a:pt x="183" y="4320"/>
+                </a:lnTo>
+                <a:lnTo>
+                  <a:pt x="2879" y="4320"/>
+                </a:lnTo>
+                <a:lnTo>
+                  <a:pt x="2879" y="0"/>
+                </a:lnTo>
+                <a:lnTo>
+                  <a:pt x="183" y="0"/>
+                </a:lnTo>
+                <a:close/>
+              </a:path>
+            </a:pathLst>
+          </a:custGeom>
+          <a:ln/>
+          <a:extLst>
+            <a:ext uri="{91240B29-F687-4f45-9708-019B960494DF}">
+              <a14:hiddenLine xmlns:a14="http://schemas.microsoft.com/office/drawing/2010/main" xmlns="" w="9525">
+                <a:solidFill>
+                  <a:srgbClr val="000000"/>
+                </a:solidFill>
+                <a:round/>
+                <a:headEnd/>
+                <a:tailEnd/>
+              </a14:hiddenLine>
+            </a:ext>
+          </a:extLst>
+        </p:spPr>
+        <p:style>
+          <a:lnRef idx="1">
+            <a:schemeClr val="accent1"/>
+          </a:lnRef>
+          <a:fillRef idx="3">
+            <a:schemeClr val="accent1"/>
+          </a:fillRef>
+          <a:effectRef idx="2">
+            <a:schemeClr val="accent1"/>
+          </a:effectRef>
+          <a:fontRef idx="minor">
+            <a:schemeClr val="lt1"/>
+          </a:fontRef>
+        </p:style>
+      </p:sp>
+      <p:sp>
+        <p:nvSpPr>
           <p:cNvPr id="2" name="Vertical Title 1"/>
           <p:cNvSpPr>
             <a:spLocks noGrp="1"/>
@@ -706,8 +2031,8 @@
         </p:nvSpPr>
         <p:spPr>
           <a:xfrm>
-            <a:off x="9596561" y="624156"/>
-            <a:ext cx="1565766" cy="5243244"/>
+            <a:off x="8183540" y="586171"/>
+            <a:ext cx="2494791" cy="5134798"/>
           </a:xfrm>
         </p:spPr>
         <p:txBody>
@@ -734,12 +2059,12 @@
         </p:nvSpPr>
         <p:spPr>
           <a:xfrm>
-            <a:off x="1371600" y="624156"/>
-            <a:ext cx="8179641" cy="5243244"/>
+            <a:off x="810001" y="446089"/>
+            <a:ext cx="6611540" cy="5414962"/>
           </a:xfrm>
         </p:spPr>
         <p:txBody>
-          <a:bodyPr vert="eaVert"/>
+          <a:bodyPr vert="eaVert" anchor="t"/>
           <a:lstStyle/>
           <a:p>
             <a:pPr lvl="0"/>
@@ -794,9 +2119,10 @@
           <a:bodyPr/>
           <a:lstStyle/>
           <a:p>
-            <a:fld id="{87DE6118-2437-4B30-8E3C-4D2BE6020583}" type="datetimeFigureOut">
-              <a:rPr lang="en-US" smtClean="0"/>
-              <a:t>2/19/2016</a:t>
+            <a:fld id="{ED62726E-379B-B349-9EED-81ED093FA806}" type="datetimeFigureOut">
+              <a:rPr lang="en-US" dirty="0"/>
+              <a:pPr/>
+              <a:t>2/20/2016</a:t>
             </a:fld>
             <a:endParaRPr lang="en-US" dirty="0"/>
           </a:p>
@@ -836,8 +2162,9 @@
           <a:bodyPr/>
           <a:lstStyle/>
           <a:p>
-            <a:fld id="{69E57DC2-970A-4B3E-BB1C-7A09969E49DF}" type="slidenum">
-              <a:rPr lang="en-US" smtClean="0"/>
+            <a:fld id="{D57F1E4F-1CFF-5643-939E-217C01CDF565}" type="slidenum">
+              <a:rPr lang="en-US" dirty="0"/>
+              <a:pPr/>
               <a:t>‹#›</a:t>
             </a:fld>
             <a:endParaRPr lang="en-US" dirty="0"/>
@@ -845,11 +2172,6 @@
         </p:txBody>
       </p:sp>
     </p:spTree>
-    <p:extLst>
-      <p:ext uri="{BB962C8B-B14F-4D97-AF65-F5344CB8AC3E}">
-        <p14:creationId xmlns:p14="http://schemas.microsoft.com/office/powerpoint/2010/main" val="1457751291"/>
-      </p:ext>
-    </p:extLst>
   </p:cSld>
   <p:clrMapOvr>
     <a:masterClrMapping/>
@@ -876,6 +2198,109 @@
       </p:grpSpPr>
       <p:sp>
         <p:nvSpPr>
+          <p:cNvPr id="11" name="Freeform 6"/>
+          <p:cNvSpPr/>
+          <p:nvPr/>
+        </p:nvSpPr>
+        <p:spPr bwMode="auto">
+          <a:xfrm>
+            <a:off x="0" y="0"/>
+            <a:ext cx="12192000" cy="2185988"/>
+          </a:xfrm>
+          <a:custGeom>
+            <a:avLst/>
+            <a:gdLst/>
+            <a:ahLst/>
+            <a:cxnLst/>
+            <a:rect l="0" t="0" r="r" b="b"/>
+            <a:pathLst>
+              <a:path w="5760" h="1377">
+                <a:moveTo>
+                  <a:pt x="5760" y="0"/>
+                </a:moveTo>
+                <a:lnTo>
+                  <a:pt x="0" y="0"/>
+                </a:lnTo>
+                <a:lnTo>
+                  <a:pt x="0" y="1189"/>
+                </a:lnTo>
+                <a:lnTo>
+                  <a:pt x="943" y="1189"/>
+                </a:lnTo>
+                <a:lnTo>
+                  <a:pt x="1123" y="1369"/>
+                </a:lnTo>
+                <a:lnTo>
+                  <a:pt x="1123" y="1369"/>
+                </a:lnTo>
+                <a:lnTo>
+                  <a:pt x="1127" y="1371"/>
+                </a:lnTo>
+                <a:lnTo>
+                  <a:pt x="1133" y="1374"/>
+                </a:lnTo>
+                <a:lnTo>
+                  <a:pt x="1139" y="1377"/>
+                </a:lnTo>
+                <a:lnTo>
+                  <a:pt x="1144" y="1377"/>
+                </a:lnTo>
+                <a:lnTo>
+                  <a:pt x="1150" y="1377"/>
+                </a:lnTo>
+                <a:lnTo>
+                  <a:pt x="1155" y="1374"/>
+                </a:lnTo>
+                <a:lnTo>
+                  <a:pt x="1161" y="1371"/>
+                </a:lnTo>
+                <a:lnTo>
+                  <a:pt x="1165" y="1369"/>
+                </a:lnTo>
+                <a:lnTo>
+                  <a:pt x="1345" y="1189"/>
+                </a:lnTo>
+                <a:lnTo>
+                  <a:pt x="5760" y="1189"/>
+                </a:lnTo>
+                <a:lnTo>
+                  <a:pt x="5760" y="0"/>
+                </a:lnTo>
+                <a:close/>
+              </a:path>
+            </a:pathLst>
+          </a:custGeom>
+          <a:ln/>
+          <a:extLst>
+            <a:ext uri="{91240B29-F687-4f45-9708-019B960494DF}">
+              <a14:hiddenLine xmlns:a14="http://schemas.microsoft.com/office/drawing/2010/main" xmlns="" w="9525">
+                <a:solidFill>
+                  <a:srgbClr val="000000"/>
+                </a:solidFill>
+                <a:round/>
+                <a:headEnd/>
+                <a:tailEnd/>
+              </a14:hiddenLine>
+            </a:ext>
+          </a:extLst>
+        </p:spPr>
+        <p:style>
+          <a:lnRef idx="1">
+            <a:schemeClr val="accent1"/>
+          </a:lnRef>
+          <a:fillRef idx="3">
+            <a:schemeClr val="accent1"/>
+          </a:fillRef>
+          <a:effectRef idx="2">
+            <a:schemeClr val="accent1"/>
+          </a:effectRef>
+          <a:fontRef idx="minor">
+            <a:schemeClr val="lt1"/>
+          </a:fontRef>
+        </p:style>
+      </p:sp>
+      <p:sp>
+        <p:nvSpPr>
           <p:cNvPr id="2" name="Title 1"/>
           <p:cNvSpPr>
             <a:spLocks noGrp="1"/>
@@ -884,7 +2309,12 @@
             <p:ph type="title"/>
           </p:nvPr>
         </p:nvSpPr>
-        <p:spPr/>
+        <p:spPr>
+          <a:xfrm>
+            <a:off x="810000" y="447188"/>
+            <a:ext cx="10571998" cy="970450"/>
+          </a:xfrm>
+        </p:spPr>
         <p:txBody>
           <a:bodyPr/>
           <a:lstStyle/>
@@ -907,7 +2337,12 @@
             <p:ph idx="1"/>
           </p:nvPr>
         </p:nvSpPr>
-        <p:spPr/>
+        <p:spPr>
+          <a:xfrm>
+            <a:off x="818712" y="2222287"/>
+            <a:ext cx="10554574" cy="3636511"/>
+          </a:xfrm>
+        </p:spPr>
         <p:txBody>
           <a:bodyPr/>
           <a:lstStyle/>
@@ -964,9 +2399,10 @@
           <a:bodyPr/>
           <a:lstStyle/>
           <a:p>
-            <a:fld id="{87DE6118-2437-4B30-8E3C-4D2BE6020583}" type="datetimeFigureOut">
-              <a:rPr lang="en-US" smtClean="0"/>
-              <a:t>2/19/2016</a:t>
+            <a:fld id="{9B3A1323-8D79-1946-B0D7-40001CF92E9D}" type="datetimeFigureOut">
+              <a:rPr lang="en-US" dirty="0"/>
+              <a:pPr/>
+              <a:t>2/20/2016</a:t>
             </a:fld>
             <a:endParaRPr lang="en-US" dirty="0"/>
           </a:p>
@@ -1006,8 +2442,9 @@
           <a:bodyPr/>
           <a:lstStyle/>
           <a:p>
-            <a:fld id="{69E57DC2-970A-4B3E-BB1C-7A09969E49DF}" type="slidenum">
-              <a:rPr lang="en-US" smtClean="0"/>
+            <a:fld id="{D57F1E4F-1CFF-5643-939E-217C01CDF565}" type="slidenum">
+              <a:rPr lang="en-US" dirty="0"/>
+              <a:pPr/>
               <a:t>‹#›</a:t>
             </a:fld>
             <a:endParaRPr lang="en-US" dirty="0"/>
@@ -1015,11 +2452,6 @@
         </p:txBody>
       </p:sp>
     </p:spTree>
-    <p:extLst>
-      <p:ext uri="{BB962C8B-B14F-4D97-AF65-F5344CB8AC3E}">
-        <p14:creationId xmlns:p14="http://schemas.microsoft.com/office/powerpoint/2010/main" val="1751313727"/>
-      </p:ext>
-    </p:extLst>
   </p:cSld>
   <p:clrMapOvr>
     <a:masterClrMapping/>
@@ -1028,13 +2460,8 @@
 </file>
 
 <file path=ppt/slideLayouts/slideLayout3.xml><?xml version="1.0" encoding="utf-8"?>
-<p:sldLayout xmlns:a="http://schemas.openxmlformats.org/drawingml/2006/main" xmlns:r="http://schemas.openxmlformats.org/officeDocument/2006/relationships" xmlns:p="http://schemas.openxmlformats.org/presentationml/2006/main" showMasterSp="0" type="secHead" preserve="1">
+<p:sldLayout xmlns:a="http://schemas.openxmlformats.org/drawingml/2006/main" xmlns:r="http://schemas.openxmlformats.org/officeDocument/2006/relationships" xmlns:p="http://schemas.openxmlformats.org/presentationml/2006/main" type="secHead" preserve="1">
   <p:cSld name="Section Header">
-    <p:bg>
-      <p:bgRef idx="1001">
-        <a:schemeClr val="bg2"/>
-      </p:bgRef>
-    </p:bg>
     <p:spTree>
       <p:nvGrpSpPr>
         <p:cNvPr id="1" name=""/>
@@ -1051,6 +2478,103 @@
       </p:grpSpPr>
       <p:sp>
         <p:nvSpPr>
+          <p:cNvPr id="10" name="Freeform 7"/>
+          <p:cNvSpPr/>
+          <p:nvPr/>
+        </p:nvSpPr>
+        <p:spPr bwMode="auto">
+          <a:xfrm>
+            <a:off x="0" y="1"/>
+            <a:ext cx="12192000" cy="5203825"/>
+          </a:xfrm>
+          <a:custGeom>
+            <a:avLst/>
+            <a:gdLst/>
+            <a:ahLst/>
+            <a:cxnLst/>
+            <a:rect l="0" t="0" r="r" b="b"/>
+            <a:pathLst>
+              <a:path w="5760" h="3278">
+                <a:moveTo>
+                  <a:pt x="0" y="0"/>
+                </a:moveTo>
+                <a:lnTo>
+                  <a:pt x="5760" y="0"/>
+                </a:lnTo>
+                <a:lnTo>
+                  <a:pt x="5760" y="3090"/>
+                </a:lnTo>
+                <a:lnTo>
+                  <a:pt x="4817" y="3090"/>
+                </a:lnTo>
+                <a:lnTo>
+                  <a:pt x="4637" y="3270"/>
+                </a:lnTo>
+                <a:lnTo>
+                  <a:pt x="4637" y="3270"/>
+                </a:lnTo>
+                <a:lnTo>
+                  <a:pt x="4633" y="3272"/>
+                </a:lnTo>
+                <a:lnTo>
+                  <a:pt x="4627" y="3275"/>
+                </a:lnTo>
+                <a:lnTo>
+                  <a:pt x="4621" y="3278"/>
+                </a:lnTo>
+                <a:lnTo>
+                  <a:pt x="4616" y="3278"/>
+                </a:lnTo>
+                <a:lnTo>
+                  <a:pt x="4610" y="3278"/>
+                </a:lnTo>
+                <a:lnTo>
+                  <a:pt x="4605" y="3275"/>
+                </a:lnTo>
+                <a:lnTo>
+                  <a:pt x="4599" y="3272"/>
+                </a:lnTo>
+                <a:lnTo>
+                  <a:pt x="4595" y="3270"/>
+                </a:lnTo>
+                <a:lnTo>
+                  <a:pt x="4415" y="3090"/>
+                </a:lnTo>
+                <a:lnTo>
+                  <a:pt x="0" y="3090"/>
+                </a:lnTo>
+                <a:lnTo>
+                  <a:pt x="0" y="0"/>
+                </a:lnTo>
+                <a:lnTo>
+                  <a:pt x="0" y="0"/>
+                </a:lnTo>
+                <a:close/>
+              </a:path>
+            </a:pathLst>
+          </a:custGeom>
+          <a:ln>
+            <a:headEnd/>
+            <a:tailEnd/>
+          </a:ln>
+        </p:spPr>
+        <p:style>
+          <a:lnRef idx="1">
+            <a:schemeClr val="accent1"/>
+          </a:lnRef>
+          <a:fillRef idx="3">
+            <a:schemeClr val="accent1"/>
+          </a:fillRef>
+          <a:effectRef idx="2">
+            <a:schemeClr val="accent1"/>
+          </a:effectRef>
+          <a:fontRef idx="minor">
+            <a:schemeClr val="lt1"/>
+          </a:fontRef>
+        </p:style>
+      </p:sp>
+      <p:sp>
+        <p:nvSpPr>
           <p:cNvPr id="2" name="Title 1"/>
           <p:cNvSpPr>
             <a:spLocks noGrp="1"/>
@@ -1061,71 +2585,58 @@
         </p:nvSpPr>
         <p:spPr>
           <a:xfrm>
-            <a:off x="765025" y="1301360"/>
-            <a:ext cx="9612971" cy="2852737"/>
+            <a:off x="810000" y="2951396"/>
+            <a:ext cx="10561418" cy="1468800"/>
           </a:xfrm>
         </p:spPr>
         <p:txBody>
-          <a:bodyPr anchor="b">
-            <a:normAutofit/>
+          <a:bodyPr anchor="b"/>
+          <a:lstStyle>
+            <a:lvl1pPr algn="r">
+              <a:defRPr sz="4800" b="1" cap="none"/>
+            </a:lvl1pPr>
+          </a:lstStyle>
+          <a:p>
+            <a:r>
+              <a:rPr lang="en-US" smtClean="0"/>
+              <a:t>Click to edit Master title style</a:t>
+            </a:r>
+            <a:endParaRPr lang="en-US" dirty="0"/>
+          </a:p>
+        </p:txBody>
+      </p:sp>
+      <p:sp>
+        <p:nvSpPr>
+          <p:cNvPr id="3" name="Text Placeholder 2"/>
+          <p:cNvSpPr>
+            <a:spLocks noGrp="1"/>
+          </p:cNvSpPr>
+          <p:nvPr>
+            <p:ph type="body" idx="1"/>
+          </p:nvPr>
+        </p:nvSpPr>
+        <p:spPr>
+          <a:xfrm>
+            <a:off x="810000" y="5281201"/>
+            <a:ext cx="10561418" cy="433955"/>
+          </a:xfrm>
+        </p:spPr>
+        <p:txBody>
+          <a:bodyPr anchor="t">
+            <a:noAutofit/>
           </a:bodyPr>
           <a:lstStyle>
-            <a:lvl1pPr algn="r">
-              <a:defRPr sz="7200" cap="all" baseline="0">
+            <a:lvl1pPr marL="0" indent="0" algn="r">
+              <a:buNone/>
+              <a:defRPr sz="1800">
                 <a:solidFill>
-                  <a:schemeClr val="accent1"/>
-                </a:solidFill>
-              </a:defRPr>
-            </a:lvl1pPr>
-          </a:lstStyle>
-          <a:p>
-            <a:r>
-              <a:rPr lang="en-US" smtClean="0"/>
-              <a:t>Click to edit Master title style</a:t>
-            </a:r>
-            <a:endParaRPr lang="en-US" dirty="0"/>
-          </a:p>
-        </p:txBody>
-      </p:sp>
-      <p:sp>
-        <p:nvSpPr>
-          <p:cNvPr id="3" name="Text Placeholder 2"/>
-          <p:cNvSpPr>
-            <a:spLocks noGrp="1"/>
-          </p:cNvSpPr>
-          <p:nvPr>
-            <p:ph type="body" idx="1"/>
-          </p:nvPr>
-        </p:nvSpPr>
-        <p:spPr>
-          <a:xfrm>
-            <a:off x="765025" y="4216328"/>
-            <a:ext cx="9612971" cy="1143324"/>
-          </a:xfrm>
-        </p:spPr>
-        <p:txBody>
-          <a:bodyPr/>
-          <a:lstStyle>
-            <a:lvl1pPr marL="0" indent="0" algn="r">
-              <a:lnSpc>
-                <a:spcPct val="112000"/>
-              </a:lnSpc>
-              <a:spcBef>
-                <a:spcPts val="0"/>
-              </a:spcBef>
-              <a:spcAft>
-                <a:spcPts val="0"/>
-              </a:spcAft>
-              <a:buNone/>
-              <a:defRPr sz="2400">
-                <a:solidFill>
-                  <a:schemeClr val="tx2"/>
+                  <a:schemeClr val="tx1"/>
                 </a:solidFill>
               </a:defRPr>
             </a:lvl1pPr>
             <a:lvl2pPr marL="457200" indent="0">
               <a:buNone/>
-              <a:defRPr sz="2000">
+              <a:defRPr sz="1800">
                 <a:solidFill>
                   <a:schemeClr val="tx1">
                     <a:tint val="75000"/>
@@ -1135,7 +2646,7 @@
             </a:lvl2pPr>
             <a:lvl3pPr marL="914400" indent="0">
               <a:buNone/>
-              <a:defRPr sz="1800">
+              <a:defRPr sz="1600">
                 <a:solidFill>
                   <a:schemeClr val="tx1">
                     <a:tint val="75000"/>
@@ -1145,7 +2656,7 @@
             </a:lvl3pPr>
             <a:lvl4pPr marL="1371600" indent="0">
               <a:buNone/>
-              <a:defRPr sz="1600">
+              <a:defRPr sz="1400">
                 <a:solidFill>
                   <a:schemeClr val="tx1">
                     <a:tint val="75000"/>
@@ -1155,7 +2666,7 @@
             </a:lvl4pPr>
             <a:lvl5pPr marL="1828800" indent="0">
               <a:buNone/>
-              <a:defRPr sz="1600">
+              <a:defRPr sz="1400">
                 <a:solidFill>
                   <a:schemeClr val="tx1">
                     <a:tint val="75000"/>
@@ -1165,7 +2676,7 @@
             </a:lvl5pPr>
             <a:lvl6pPr marL="2286000" indent="0">
               <a:buNone/>
-              <a:defRPr sz="1600">
+              <a:defRPr sz="1400">
                 <a:solidFill>
                   <a:schemeClr val="tx1">
                     <a:tint val="75000"/>
@@ -1175,7 +2686,7 @@
             </a:lvl6pPr>
             <a:lvl7pPr marL="2743200" indent="0">
               <a:buNone/>
-              <a:defRPr sz="1600">
+              <a:defRPr sz="1400">
                 <a:solidFill>
                   <a:schemeClr val="tx1">
                     <a:tint val="75000"/>
@@ -1185,7 +2696,7 @@
             </a:lvl7pPr>
             <a:lvl8pPr marL="3200400" indent="0">
               <a:buNone/>
-              <a:defRPr sz="1600">
+              <a:defRPr sz="1400">
                 <a:solidFill>
                   <a:schemeClr val="tx1">
                     <a:tint val="75000"/>
@@ -1195,7 +2706,7 @@
             </a:lvl8pPr>
             <a:lvl9pPr marL="3657600" indent="0">
               <a:buNone/>
-              <a:defRPr sz="1600">
+              <a:defRPr sz="1400">
                 <a:solidFill>
                   <a:schemeClr val="tx1">
                     <a:tint val="75000"/>
@@ -1223,28 +2734,15 @@
             <p:ph type="dt" sz="half" idx="10"/>
           </p:nvPr>
         </p:nvSpPr>
-        <p:spPr>
-          <a:xfrm>
-            <a:off x="738908" y="6453386"/>
-            <a:ext cx="1622409" cy="404614"/>
-          </a:xfrm>
-        </p:spPr>
+        <p:spPr/>
         <p:txBody>
           <a:bodyPr/>
-          <a:lstStyle>
-            <a:lvl1pPr>
-              <a:defRPr>
-                <a:solidFill>
-                  <a:schemeClr val="tx2"/>
-                </a:solidFill>
-              </a:defRPr>
-            </a:lvl1pPr>
-          </a:lstStyle>
-          <a:p>
-            <a:fld id="{87DE6118-2437-4B30-8E3C-4D2BE6020583}" type="datetimeFigureOut">
-              <a:rPr lang="en-US" smtClean="0"/>
+          <a:lstStyle/>
+          <a:p>
+            <a:fld id="{8DFA1846-DA80-1C48-A609-854EA85C59AD}" type="datetimeFigureOut">
+              <a:rPr lang="en-US" dirty="0"/>
               <a:pPr/>
-              <a:t>2/19/2016</a:t>
+              <a:t>2/20/2016</a:t>
             </a:fld>
             <a:endParaRPr lang="en-US" dirty="0"/>
           </a:p>
@@ -1260,23 +2758,10 @@
             <p:ph type="ftr" sz="quarter" idx="11"/>
           </p:nvPr>
         </p:nvSpPr>
-        <p:spPr>
-          <a:xfrm>
-            <a:off x="2584312" y="6453386"/>
-            <a:ext cx="7023377" cy="404614"/>
-          </a:xfrm>
-        </p:spPr>
+        <p:spPr/>
         <p:txBody>
           <a:bodyPr/>
-          <a:lstStyle>
-            <a:lvl1pPr algn="ctr">
-              <a:defRPr>
-                <a:solidFill>
-                  <a:schemeClr val="tx2"/>
-                </a:solidFill>
-              </a:defRPr>
-            </a:lvl1pPr>
-          </a:lstStyle>
+          <a:lstStyle/>
           <a:p>
             <a:endParaRPr lang="en-US" dirty="0"/>
           </a:p>
@@ -1292,26 +2777,13 @@
             <p:ph type="sldNum" sz="quarter" idx="12"/>
           </p:nvPr>
         </p:nvSpPr>
-        <p:spPr>
-          <a:xfrm>
-            <a:off x="9830683" y="6453386"/>
-            <a:ext cx="1596292" cy="404614"/>
-          </a:xfrm>
-        </p:spPr>
+        <p:spPr/>
         <p:txBody>
           <a:bodyPr/>
-          <a:lstStyle>
-            <a:lvl1pPr>
-              <a:defRPr>
-                <a:solidFill>
-                  <a:schemeClr val="tx2"/>
-                </a:solidFill>
-              </a:defRPr>
-            </a:lvl1pPr>
-          </a:lstStyle>
-          <a:p>
-            <a:fld id="{69E57DC2-970A-4B3E-BB1C-7A09969E49DF}" type="slidenum">
-              <a:rPr lang="en-US" smtClean="0"/>
+          <a:lstStyle/>
+          <a:p>
+            <a:fld id="{D57F1E4F-1CFF-5643-939E-217C01CDF565}" type="slidenum">
+              <a:rPr lang="en-US" dirty="0"/>
               <a:pPr/>
               <a:t>‹#›</a:t>
             </a:fld>
@@ -1319,71 +2791,10 @@
           </a:p>
         </p:txBody>
       </p:sp>
-      <p:sp>
-        <p:nvSpPr>
-          <p:cNvPr id="7" name="Freeform 6" title="Crop Mark"/>
-          <p:cNvSpPr/>
-          <p:nvPr/>
-        </p:nvSpPr>
-        <p:spPr bwMode="auto">
-          <a:xfrm>
-            <a:off x="8151962" y="1685652"/>
-            <a:ext cx="3275013" cy="4408488"/>
-          </a:xfrm>
-          <a:custGeom>
-            <a:avLst/>
-            <a:gdLst/>
-            <a:ahLst/>
-            <a:cxnLst/>
-            <a:rect l="0" t="0" r="r" b="b"/>
-            <a:pathLst>
-              <a:path w="4125" h="5554">
-                <a:moveTo>
-                  <a:pt x="3614" y="0"/>
-                </a:moveTo>
-                <a:lnTo>
-                  <a:pt x="4125" y="0"/>
-                </a:lnTo>
-                <a:lnTo>
-                  <a:pt x="4125" y="5554"/>
-                </a:lnTo>
-                <a:lnTo>
-                  <a:pt x="0" y="5554"/>
-                </a:lnTo>
-                <a:lnTo>
-                  <a:pt x="0" y="5074"/>
-                </a:lnTo>
-                <a:lnTo>
-                  <a:pt x="3614" y="5074"/>
-                </a:lnTo>
-                <a:lnTo>
-                  <a:pt x="3614" y="0"/>
-                </a:lnTo>
-                <a:close/>
-              </a:path>
-            </a:pathLst>
-          </a:custGeom>
-          <a:solidFill>
-            <a:schemeClr val="accent1"/>
-          </a:solidFill>
-          <a:ln w="0">
-            <a:noFill/>
-            <a:prstDash val="solid"/>
-            <a:round/>
-            <a:headEnd/>
-            <a:tailEnd/>
-          </a:ln>
-        </p:spPr>
-      </p:sp>
     </p:spTree>
-    <p:extLst>
-      <p:ext uri="{BB962C8B-B14F-4D97-AF65-F5344CB8AC3E}">
-        <p14:creationId xmlns:p14="http://schemas.microsoft.com/office/powerpoint/2010/main" val="2305865895"/>
-      </p:ext>
-    </p:extLst>
   </p:cSld>
   <p:clrMapOvr>
-    <a:overrideClrMapping bg1="dk1" tx1="lt1" bg2="dk2" tx2="lt2" accent1="accent1" accent2="accent2" accent3="accent3" accent4="accent4" accent5="accent5" accent6="accent6" hlink="hlink" folHlink="folHlink"/>
+    <a:masterClrMapping/>
   </p:clrMapOvr>
 </p:sldLayout>
 </file>
@@ -1407,6 +2818,109 @@
       </p:grpSpPr>
       <p:sp>
         <p:nvSpPr>
+          <p:cNvPr id="8" name="Freeform 6"/>
+          <p:cNvSpPr/>
+          <p:nvPr/>
+        </p:nvSpPr>
+        <p:spPr bwMode="auto">
+          <a:xfrm>
+            <a:off x="0" y="0"/>
+            <a:ext cx="12192000" cy="2185988"/>
+          </a:xfrm>
+          <a:custGeom>
+            <a:avLst/>
+            <a:gdLst/>
+            <a:ahLst/>
+            <a:cxnLst/>
+            <a:rect l="0" t="0" r="r" b="b"/>
+            <a:pathLst>
+              <a:path w="5760" h="1377">
+                <a:moveTo>
+                  <a:pt x="5760" y="0"/>
+                </a:moveTo>
+                <a:lnTo>
+                  <a:pt x="0" y="0"/>
+                </a:lnTo>
+                <a:lnTo>
+                  <a:pt x="0" y="1189"/>
+                </a:lnTo>
+                <a:lnTo>
+                  <a:pt x="943" y="1189"/>
+                </a:lnTo>
+                <a:lnTo>
+                  <a:pt x="1123" y="1369"/>
+                </a:lnTo>
+                <a:lnTo>
+                  <a:pt x="1123" y="1369"/>
+                </a:lnTo>
+                <a:lnTo>
+                  <a:pt x="1127" y="1371"/>
+                </a:lnTo>
+                <a:lnTo>
+                  <a:pt x="1133" y="1374"/>
+                </a:lnTo>
+                <a:lnTo>
+                  <a:pt x="1139" y="1377"/>
+                </a:lnTo>
+                <a:lnTo>
+                  <a:pt x="1144" y="1377"/>
+                </a:lnTo>
+                <a:lnTo>
+                  <a:pt x="1150" y="1377"/>
+                </a:lnTo>
+                <a:lnTo>
+                  <a:pt x="1155" y="1374"/>
+                </a:lnTo>
+                <a:lnTo>
+                  <a:pt x="1161" y="1371"/>
+                </a:lnTo>
+                <a:lnTo>
+                  <a:pt x="1165" y="1369"/>
+                </a:lnTo>
+                <a:lnTo>
+                  <a:pt x="1345" y="1189"/>
+                </a:lnTo>
+                <a:lnTo>
+                  <a:pt x="5760" y="1189"/>
+                </a:lnTo>
+                <a:lnTo>
+                  <a:pt x="5760" y="0"/>
+                </a:lnTo>
+                <a:close/>
+              </a:path>
+            </a:pathLst>
+          </a:custGeom>
+          <a:ln/>
+          <a:extLst>
+            <a:ext uri="{91240B29-F687-4f45-9708-019B960494DF}">
+              <a14:hiddenLine xmlns:a14="http://schemas.microsoft.com/office/drawing/2010/main" xmlns="" w="9525">
+                <a:solidFill>
+                  <a:srgbClr val="000000"/>
+                </a:solidFill>
+                <a:round/>
+                <a:headEnd/>
+                <a:tailEnd/>
+              </a14:hiddenLine>
+            </a:ext>
+          </a:extLst>
+        </p:spPr>
+        <p:style>
+          <a:lnRef idx="1">
+            <a:schemeClr val="accent1"/>
+          </a:lnRef>
+          <a:fillRef idx="3">
+            <a:schemeClr val="accent1"/>
+          </a:fillRef>
+          <a:effectRef idx="2">
+            <a:schemeClr val="accent1"/>
+          </a:effectRef>
+          <a:fontRef idx="minor">
+            <a:schemeClr val="lt1"/>
+          </a:fontRef>
+        </p:style>
+      </p:sp>
+      <p:sp>
+        <p:nvSpPr>
           <p:cNvPr id="2" name="Title 1"/>
           <p:cNvSpPr>
             <a:spLocks noGrp="1"/>
@@ -1418,15 +2932,7 @@
         <p:spPr/>
         <p:txBody>
           <a:bodyPr/>
-          <a:lstStyle>
-            <a:lvl1pPr>
-              <a:defRPr>
-                <a:solidFill>
-                  <a:schemeClr val="tx2"/>
-                </a:solidFill>
-              </a:defRPr>
-            </a:lvl1pPr>
-          </a:lstStyle>
+          <a:lstStyle/>
           <a:p>
             <a:r>
               <a:rPr lang="en-US" smtClean="0"/>
@@ -1448,49 +2954,15 @@
         </p:nvSpPr>
         <p:spPr>
           <a:xfrm>
-            <a:off x="1371600" y="2285999"/>
-            <a:ext cx="4447786" cy="3581401"/>
+            <a:off x="818712" y="2222287"/>
+            <a:ext cx="5185873" cy="3638763"/>
           </a:xfrm>
         </p:spPr>
         <p:txBody>
-          <a:bodyPr/>
-          <a:lstStyle>
-            <a:lvl1pPr>
-              <a:defRPr baseline="0">
-                <a:solidFill>
-                  <a:schemeClr val="tx2"/>
-                </a:solidFill>
-              </a:defRPr>
-            </a:lvl1pPr>
-            <a:lvl2pPr>
-              <a:defRPr baseline="0">
-                <a:solidFill>
-                  <a:schemeClr val="tx2"/>
-                </a:solidFill>
-              </a:defRPr>
-            </a:lvl2pPr>
-            <a:lvl3pPr>
-              <a:defRPr baseline="0">
-                <a:solidFill>
-                  <a:schemeClr val="tx2"/>
-                </a:solidFill>
-              </a:defRPr>
-            </a:lvl3pPr>
-            <a:lvl4pPr>
-              <a:defRPr baseline="0">
-                <a:solidFill>
-                  <a:schemeClr val="tx2"/>
-                </a:solidFill>
-              </a:defRPr>
-            </a:lvl4pPr>
-            <a:lvl5pPr>
-              <a:defRPr baseline="0">
-                <a:solidFill>
-                  <a:schemeClr val="tx2"/>
-                </a:solidFill>
-              </a:defRPr>
-            </a:lvl5pPr>
-          </a:lstStyle>
+          <a:bodyPr>
+            <a:normAutofit/>
+          </a:bodyPr>
+          <a:lstStyle/>
           <a:p>
             <a:pPr lvl="0"/>
             <a:r>
@@ -1541,49 +3013,15 @@
         </p:nvSpPr>
         <p:spPr>
           <a:xfrm>
-            <a:off x="6525403" y="2285999"/>
-            <a:ext cx="4447786" cy="3581401"/>
+            <a:off x="6187415" y="2222287"/>
+            <a:ext cx="5194583" cy="3638764"/>
           </a:xfrm>
         </p:spPr>
         <p:txBody>
-          <a:bodyPr/>
-          <a:lstStyle>
-            <a:lvl1pPr>
-              <a:defRPr>
-                <a:solidFill>
-                  <a:schemeClr val="tx2"/>
-                </a:solidFill>
-              </a:defRPr>
-            </a:lvl1pPr>
-            <a:lvl2pPr>
-              <a:defRPr>
-                <a:solidFill>
-                  <a:schemeClr val="tx2"/>
-                </a:solidFill>
-              </a:defRPr>
-            </a:lvl2pPr>
-            <a:lvl3pPr>
-              <a:defRPr>
-                <a:solidFill>
-                  <a:schemeClr val="tx2"/>
-                </a:solidFill>
-              </a:defRPr>
-            </a:lvl3pPr>
-            <a:lvl4pPr>
-              <a:defRPr>
-                <a:solidFill>
-                  <a:schemeClr val="tx2"/>
-                </a:solidFill>
-              </a:defRPr>
-            </a:lvl4pPr>
-            <a:lvl5pPr>
-              <a:defRPr>
-                <a:solidFill>
-                  <a:schemeClr val="tx2"/>
-                </a:solidFill>
-              </a:defRPr>
-            </a:lvl5pPr>
-          </a:lstStyle>
+          <a:bodyPr>
+            <a:normAutofit/>
+          </a:bodyPr>
+          <a:lstStyle/>
           <a:p>
             <a:pPr lvl="0"/>
             <a:r>
@@ -1637,9 +3075,10 @@
           <a:bodyPr/>
           <a:lstStyle/>
           <a:p>
-            <a:fld id="{87DE6118-2437-4B30-8E3C-4D2BE6020583}" type="datetimeFigureOut">
-              <a:rPr lang="en-US" smtClean="0"/>
-              <a:t>2/19/2016</a:t>
+            <a:fld id="{57302355-E14B-8545-A8F8-0FE83CC9D524}" type="datetimeFigureOut">
+              <a:rPr lang="en-US" dirty="0"/>
+              <a:pPr/>
+              <a:t>2/20/2016</a:t>
             </a:fld>
             <a:endParaRPr lang="en-US" dirty="0"/>
           </a:p>
@@ -1679,8 +3118,9 @@
           <a:bodyPr/>
           <a:lstStyle/>
           <a:p>
-            <a:fld id="{69E57DC2-970A-4B3E-BB1C-7A09969E49DF}" type="slidenum">
-              <a:rPr lang="en-US" smtClean="0"/>
+            <a:fld id="{D57F1E4F-1CFF-5643-939E-217C01CDF565}" type="slidenum">
+              <a:rPr lang="en-US" dirty="0"/>
+              <a:pPr/>
               <a:t>‹#›</a:t>
             </a:fld>
             <a:endParaRPr lang="en-US" dirty="0"/>
@@ -1688,11 +3128,6 @@
         </p:txBody>
       </p:sp>
     </p:spTree>
-    <p:extLst>
-      <p:ext uri="{BB962C8B-B14F-4D97-AF65-F5344CB8AC3E}">
-        <p14:creationId xmlns:p14="http://schemas.microsoft.com/office/powerpoint/2010/main" val="2018234808"/>
-      </p:ext>
-    </p:extLst>
   </p:cSld>
   <p:clrMapOvr>
     <a:masterClrMapping/>
@@ -1719,6 +3154,109 @@
       </p:grpSpPr>
       <p:sp>
         <p:nvSpPr>
+          <p:cNvPr id="10" name="Freeform 6"/>
+          <p:cNvSpPr/>
+          <p:nvPr/>
+        </p:nvSpPr>
+        <p:spPr bwMode="auto">
+          <a:xfrm>
+            <a:off x="0" y="0"/>
+            <a:ext cx="12192000" cy="2185988"/>
+          </a:xfrm>
+          <a:custGeom>
+            <a:avLst/>
+            <a:gdLst/>
+            <a:ahLst/>
+            <a:cxnLst/>
+            <a:rect l="0" t="0" r="r" b="b"/>
+            <a:pathLst>
+              <a:path w="5760" h="1377">
+                <a:moveTo>
+                  <a:pt x="5760" y="0"/>
+                </a:moveTo>
+                <a:lnTo>
+                  <a:pt x="0" y="0"/>
+                </a:lnTo>
+                <a:lnTo>
+                  <a:pt x="0" y="1189"/>
+                </a:lnTo>
+                <a:lnTo>
+                  <a:pt x="943" y="1189"/>
+                </a:lnTo>
+                <a:lnTo>
+                  <a:pt x="1123" y="1369"/>
+                </a:lnTo>
+                <a:lnTo>
+                  <a:pt x="1123" y="1369"/>
+                </a:lnTo>
+                <a:lnTo>
+                  <a:pt x="1127" y="1371"/>
+                </a:lnTo>
+                <a:lnTo>
+                  <a:pt x="1133" y="1374"/>
+                </a:lnTo>
+                <a:lnTo>
+                  <a:pt x="1139" y="1377"/>
+                </a:lnTo>
+                <a:lnTo>
+                  <a:pt x="1144" y="1377"/>
+                </a:lnTo>
+                <a:lnTo>
+                  <a:pt x="1150" y="1377"/>
+                </a:lnTo>
+                <a:lnTo>
+                  <a:pt x="1155" y="1374"/>
+                </a:lnTo>
+                <a:lnTo>
+                  <a:pt x="1161" y="1371"/>
+                </a:lnTo>
+                <a:lnTo>
+                  <a:pt x="1165" y="1369"/>
+                </a:lnTo>
+                <a:lnTo>
+                  <a:pt x="1345" y="1189"/>
+                </a:lnTo>
+                <a:lnTo>
+                  <a:pt x="5760" y="1189"/>
+                </a:lnTo>
+                <a:lnTo>
+                  <a:pt x="5760" y="0"/>
+                </a:lnTo>
+                <a:close/>
+              </a:path>
+            </a:pathLst>
+          </a:custGeom>
+          <a:ln/>
+          <a:extLst>
+            <a:ext uri="{91240B29-F687-4f45-9708-019B960494DF}">
+              <a14:hiddenLine xmlns:a14="http://schemas.microsoft.com/office/drawing/2010/main" xmlns="" w="9525">
+                <a:solidFill>
+                  <a:srgbClr val="000000"/>
+                </a:solidFill>
+                <a:round/>
+                <a:headEnd/>
+                <a:tailEnd/>
+              </a14:hiddenLine>
+            </a:ext>
+          </a:extLst>
+        </p:spPr>
+        <p:style>
+          <a:lnRef idx="1">
+            <a:schemeClr val="accent1"/>
+          </a:lnRef>
+          <a:fillRef idx="3">
+            <a:schemeClr val="accent1"/>
+          </a:fillRef>
+          <a:effectRef idx="2">
+            <a:schemeClr val="accent1"/>
+          </a:effectRef>
+          <a:fontRef idx="minor">
+            <a:schemeClr val="lt1"/>
+          </a:fontRef>
+        </p:style>
+      </p:sp>
+      <p:sp>
+        <p:nvSpPr>
           <p:cNvPr id="2" name="Title 1"/>
           <p:cNvSpPr>
             <a:spLocks noGrp="1"/>
@@ -1727,21 +3265,12 @@
             <p:ph type="title"/>
           </p:nvPr>
         </p:nvSpPr>
-        <p:spPr>
-          <a:xfrm>
-            <a:off x="1371600" y="685800"/>
-            <a:ext cx="9601200" cy="1485900"/>
-          </a:xfrm>
-        </p:spPr>
+        <p:spPr/>
         <p:txBody>
           <a:bodyPr/>
           <a:lstStyle>
             <a:lvl1pPr>
-              <a:defRPr>
-                <a:solidFill>
-                  <a:schemeClr val="tx2"/>
-                </a:solidFill>
-              </a:defRPr>
+              <a:defRPr/>
             </a:lvl1pPr>
           </a:lstStyle>
           <a:p>
@@ -1765,8 +3294,8 @@
         </p:nvSpPr>
         <p:spPr>
           <a:xfrm>
-            <a:off x="1371600" y="2340864"/>
-            <a:ext cx="4443984" cy="823912"/>
+            <a:off x="814728" y="2174875"/>
+            <a:ext cx="5189857" cy="576262"/>
           </a:xfrm>
         </p:spPr>
         <p:txBody>
@@ -1774,22 +3303,9 @@
             <a:noAutofit/>
           </a:bodyPr>
           <a:lstStyle>
-            <a:lvl1pPr marL="0" indent="0">
-              <a:lnSpc>
-                <a:spcPct val="84000"/>
-              </a:lnSpc>
-              <a:spcBef>
-                <a:spcPts val="0"/>
-              </a:spcBef>
-              <a:spcAft>
-                <a:spcPts val="0"/>
-              </a:spcAft>
-              <a:buNone/>
-              <a:defRPr sz="3000" b="0" baseline="0">
-                <a:solidFill>
-                  <a:schemeClr val="tx2"/>
-                </a:solidFill>
-              </a:defRPr>
+            <a:lvl1pPr marL="0" indent="0" algn="ctr">
+              <a:buNone/>
+              <a:defRPr sz="2000" b="0"/>
             </a:lvl1pPr>
             <a:lvl2pPr marL="457200" indent="0">
               <a:buNone/>
@@ -1845,49 +3361,15 @@
         </p:nvSpPr>
         <p:spPr>
           <a:xfrm>
-            <a:off x="1371600" y="3305207"/>
-            <a:ext cx="4443984" cy="2562193"/>
+            <a:off x="814729" y="2751138"/>
+            <a:ext cx="5189856" cy="3109913"/>
           </a:xfrm>
         </p:spPr>
         <p:txBody>
-          <a:bodyPr/>
-          <a:lstStyle>
-            <a:lvl1pPr>
-              <a:defRPr baseline="0">
-                <a:solidFill>
-                  <a:schemeClr val="tx2"/>
-                </a:solidFill>
-              </a:defRPr>
-            </a:lvl1pPr>
-            <a:lvl2pPr>
-              <a:defRPr baseline="0">
-                <a:solidFill>
-                  <a:schemeClr val="tx2"/>
-                </a:solidFill>
-              </a:defRPr>
-            </a:lvl2pPr>
-            <a:lvl3pPr>
-              <a:defRPr baseline="0">
-                <a:solidFill>
-                  <a:schemeClr val="tx2"/>
-                </a:solidFill>
-              </a:defRPr>
-            </a:lvl3pPr>
-            <a:lvl4pPr>
-              <a:defRPr baseline="0">
-                <a:solidFill>
-                  <a:schemeClr val="tx2"/>
-                </a:solidFill>
-              </a:defRPr>
-            </a:lvl4pPr>
-            <a:lvl5pPr>
-              <a:defRPr baseline="0">
-                <a:solidFill>
-                  <a:schemeClr val="tx2"/>
-                </a:solidFill>
-              </a:defRPr>
-            </a:lvl5pPr>
-          </a:lstStyle>
+          <a:bodyPr anchor="t">
+            <a:normAutofit/>
+          </a:bodyPr>
+          <a:lstStyle/>
           <a:p>
             <a:pPr lvl="0"/>
             <a:r>
@@ -1938,8 +3420,8 @@
         </p:nvSpPr>
         <p:spPr>
           <a:xfrm>
-            <a:off x="6525014" y="2340864"/>
-            <a:ext cx="4443984" cy="823912"/>
+            <a:off x="6187415" y="2174875"/>
+            <a:ext cx="5194583" cy="576262"/>
           </a:xfrm>
         </p:spPr>
         <p:txBody>
@@ -1947,22 +3429,9 @@
             <a:noAutofit/>
           </a:bodyPr>
           <a:lstStyle>
-            <a:lvl1pPr marL="0" indent="0">
-              <a:lnSpc>
-                <a:spcPct val="84000"/>
-              </a:lnSpc>
-              <a:spcBef>
-                <a:spcPts val="0"/>
-              </a:spcBef>
-              <a:spcAft>
-                <a:spcPts val="0"/>
-              </a:spcAft>
-              <a:buNone/>
-              <a:defRPr sz="3000" b="0" baseline="0">
-                <a:solidFill>
-                  <a:schemeClr val="tx2"/>
-                </a:solidFill>
-              </a:defRPr>
+            <a:lvl1pPr marL="0" indent="0" algn="ctr">
+              <a:buNone/>
+              <a:defRPr sz="2000" b="0"/>
             </a:lvl1pPr>
             <a:lvl2pPr marL="457200" indent="0">
               <a:buNone/>
@@ -2018,49 +3487,15 @@
         </p:nvSpPr>
         <p:spPr>
           <a:xfrm>
-            <a:off x="6525014" y="3305207"/>
-            <a:ext cx="4443984" cy="2562193"/>
+            <a:off x="6187415" y="2751138"/>
+            <a:ext cx="5194583" cy="3109913"/>
           </a:xfrm>
         </p:spPr>
         <p:txBody>
-          <a:bodyPr/>
-          <a:lstStyle>
-            <a:lvl1pPr>
-              <a:defRPr baseline="0">
-                <a:solidFill>
-                  <a:schemeClr val="tx2"/>
-                </a:solidFill>
-              </a:defRPr>
-            </a:lvl1pPr>
-            <a:lvl2pPr>
-              <a:defRPr baseline="0">
-                <a:solidFill>
-                  <a:schemeClr val="tx2"/>
-                </a:solidFill>
-              </a:defRPr>
-            </a:lvl2pPr>
-            <a:lvl3pPr>
-              <a:defRPr baseline="0">
-                <a:solidFill>
-                  <a:schemeClr val="tx2"/>
-                </a:solidFill>
-              </a:defRPr>
-            </a:lvl3pPr>
-            <a:lvl4pPr>
-              <a:defRPr baseline="0">
-                <a:solidFill>
-                  <a:schemeClr val="tx2"/>
-                </a:solidFill>
-              </a:defRPr>
-            </a:lvl4pPr>
-            <a:lvl5pPr>
-              <a:defRPr baseline="0">
-                <a:solidFill>
-                  <a:schemeClr val="tx2"/>
-                </a:solidFill>
-              </a:defRPr>
-            </a:lvl5pPr>
-          </a:lstStyle>
+          <a:bodyPr anchor="t">
+            <a:normAutofit/>
+          </a:bodyPr>
+          <a:lstStyle/>
           <a:p>
             <a:pPr lvl="0"/>
             <a:r>
@@ -2114,9 +3549,10 @@
           <a:bodyPr/>
           <a:lstStyle/>
           <a:p>
-            <a:fld id="{87DE6118-2437-4B30-8E3C-4D2BE6020583}" type="datetimeFigureOut">
-              <a:rPr lang="en-US" smtClean="0"/>
-              <a:t>2/19/2016</a:t>
+            <a:fld id="{02640F58-564D-2B4F-AE67-E407BA4FCF45}" type="datetimeFigureOut">
+              <a:rPr lang="en-US" dirty="0"/>
+              <a:pPr/>
+              <a:t>2/20/2016</a:t>
             </a:fld>
             <a:endParaRPr lang="en-US" dirty="0"/>
           </a:p>
@@ -2156,8 +3592,9 @@
           <a:bodyPr/>
           <a:lstStyle/>
           <a:p>
-            <a:fld id="{69E57DC2-970A-4B3E-BB1C-7A09969E49DF}" type="slidenum">
-              <a:rPr lang="en-US" smtClean="0"/>
+            <a:fld id="{D57F1E4F-1CFF-5643-939E-217C01CDF565}" type="slidenum">
+              <a:rPr lang="en-US" dirty="0"/>
+              <a:pPr/>
               <a:t>‹#›</a:t>
             </a:fld>
             <a:endParaRPr lang="en-US" dirty="0"/>
@@ -2165,11 +3602,6 @@
         </p:txBody>
       </p:sp>
     </p:spTree>
-    <p:extLst>
-      <p:ext uri="{BB962C8B-B14F-4D97-AF65-F5344CB8AC3E}">
-        <p14:creationId xmlns:p14="http://schemas.microsoft.com/office/powerpoint/2010/main" val="1533699907"/>
-      </p:ext>
-    </p:extLst>
   </p:cSld>
   <p:clrMapOvr>
     <a:masterClrMapping/>
@@ -2196,6 +3628,109 @@
       </p:grpSpPr>
       <p:sp>
         <p:nvSpPr>
+          <p:cNvPr id="6" name="Freeform 6"/>
+          <p:cNvSpPr/>
+          <p:nvPr/>
+        </p:nvSpPr>
+        <p:spPr bwMode="auto">
+          <a:xfrm>
+            <a:off x="0" y="0"/>
+            <a:ext cx="12192000" cy="2185988"/>
+          </a:xfrm>
+          <a:custGeom>
+            <a:avLst/>
+            <a:gdLst/>
+            <a:ahLst/>
+            <a:cxnLst/>
+            <a:rect l="0" t="0" r="r" b="b"/>
+            <a:pathLst>
+              <a:path w="5760" h="1377">
+                <a:moveTo>
+                  <a:pt x="5760" y="0"/>
+                </a:moveTo>
+                <a:lnTo>
+                  <a:pt x="0" y="0"/>
+                </a:lnTo>
+                <a:lnTo>
+                  <a:pt x="0" y="1189"/>
+                </a:lnTo>
+                <a:lnTo>
+                  <a:pt x="943" y="1189"/>
+                </a:lnTo>
+                <a:lnTo>
+                  <a:pt x="1123" y="1369"/>
+                </a:lnTo>
+                <a:lnTo>
+                  <a:pt x="1123" y="1369"/>
+                </a:lnTo>
+                <a:lnTo>
+                  <a:pt x="1127" y="1371"/>
+                </a:lnTo>
+                <a:lnTo>
+                  <a:pt x="1133" y="1374"/>
+                </a:lnTo>
+                <a:lnTo>
+                  <a:pt x="1139" y="1377"/>
+                </a:lnTo>
+                <a:lnTo>
+                  <a:pt x="1144" y="1377"/>
+                </a:lnTo>
+                <a:lnTo>
+                  <a:pt x="1150" y="1377"/>
+                </a:lnTo>
+                <a:lnTo>
+                  <a:pt x="1155" y="1374"/>
+                </a:lnTo>
+                <a:lnTo>
+                  <a:pt x="1161" y="1371"/>
+                </a:lnTo>
+                <a:lnTo>
+                  <a:pt x="1165" y="1369"/>
+                </a:lnTo>
+                <a:lnTo>
+                  <a:pt x="1345" y="1189"/>
+                </a:lnTo>
+                <a:lnTo>
+                  <a:pt x="5760" y="1189"/>
+                </a:lnTo>
+                <a:lnTo>
+                  <a:pt x="5760" y="0"/>
+                </a:lnTo>
+                <a:close/>
+              </a:path>
+            </a:pathLst>
+          </a:custGeom>
+          <a:ln/>
+          <a:extLst>
+            <a:ext uri="{91240B29-F687-4f45-9708-019B960494DF}">
+              <a14:hiddenLine xmlns:a14="http://schemas.microsoft.com/office/drawing/2010/main" xmlns="" w="9525">
+                <a:solidFill>
+                  <a:srgbClr val="000000"/>
+                </a:solidFill>
+                <a:round/>
+                <a:headEnd/>
+                <a:tailEnd/>
+              </a14:hiddenLine>
+            </a:ext>
+          </a:extLst>
+        </p:spPr>
+        <p:style>
+          <a:lnRef idx="1">
+            <a:schemeClr val="accent1"/>
+          </a:lnRef>
+          <a:fillRef idx="3">
+            <a:schemeClr val="accent1"/>
+          </a:fillRef>
+          <a:effectRef idx="2">
+            <a:schemeClr val="accent1"/>
+          </a:effectRef>
+          <a:fontRef idx="minor">
+            <a:schemeClr val="lt1"/>
+          </a:fontRef>
+        </p:style>
+      </p:sp>
+      <p:sp>
+        <p:nvSpPr>
           <p:cNvPr id="2" name="Title 1"/>
           <p:cNvSpPr>
             <a:spLocks noGrp="1"/>
@@ -2232,9 +3767,10 @@
           <a:bodyPr/>
           <a:lstStyle/>
           <a:p>
-            <a:fld id="{87DE6118-2437-4B30-8E3C-4D2BE6020583}" type="datetimeFigureOut">
-              <a:rPr lang="en-US" smtClean="0"/>
-              <a:t>2/19/2016</a:t>
+            <a:fld id="{F13A34C8-038E-2045-AF43-DF7DBB8E0E9E}" type="datetimeFigureOut">
+              <a:rPr lang="en-US" dirty="0"/>
+              <a:pPr/>
+              <a:t>2/20/2016</a:t>
             </a:fld>
             <a:endParaRPr lang="en-US" dirty="0"/>
           </a:p>
@@ -2274,8 +3810,9 @@
           <a:bodyPr/>
           <a:lstStyle/>
           <a:p>
-            <a:fld id="{69E57DC2-970A-4B3E-BB1C-7A09969E49DF}" type="slidenum">
-              <a:rPr lang="en-US" smtClean="0"/>
+            <a:fld id="{D57F1E4F-1CFF-5643-939E-217C01CDF565}" type="slidenum">
+              <a:rPr lang="en-US" dirty="0"/>
+              <a:pPr/>
               <a:t>‹#›</a:t>
             </a:fld>
             <a:endParaRPr lang="en-US" dirty="0"/>
@@ -2283,11 +3820,6 @@
         </p:txBody>
       </p:sp>
     </p:spTree>
-    <p:extLst>
-      <p:ext uri="{BB962C8B-B14F-4D97-AF65-F5344CB8AC3E}">
-        <p14:creationId xmlns:p14="http://schemas.microsoft.com/office/powerpoint/2010/main" val="3641043661"/>
-      </p:ext>
-    </p:extLst>
   </p:cSld>
   <p:clrMapOvr>
     <a:masterClrMapping/>
@@ -2327,9 +3859,10 @@
           <a:bodyPr/>
           <a:lstStyle/>
           <a:p>
-            <a:fld id="{87DE6118-2437-4B30-8E3C-4D2BE6020583}" type="datetimeFigureOut">
-              <a:rPr lang="en-US" smtClean="0"/>
-              <a:t>2/19/2016</a:t>
+            <a:fld id="{8818C68F-D26B-8F47-958C-23B49CF8A634}" type="datetimeFigureOut">
+              <a:rPr lang="en-US" dirty="0"/>
+              <a:pPr/>
+              <a:t>2/20/2016</a:t>
             </a:fld>
             <a:endParaRPr lang="en-US" dirty="0"/>
           </a:p>
@@ -2369,8 +3902,9 @@
           <a:bodyPr/>
           <a:lstStyle/>
           <a:p>
-            <a:fld id="{69E57DC2-970A-4B3E-BB1C-7A09969E49DF}" type="slidenum">
-              <a:rPr lang="en-US" smtClean="0"/>
+            <a:fld id="{D57F1E4F-1CFF-5643-939E-217C01CDF565}" type="slidenum">
+              <a:rPr lang="en-US" dirty="0"/>
+              <a:pPr/>
               <a:t>‹#›</a:t>
             </a:fld>
             <a:endParaRPr lang="en-US" dirty="0"/>
@@ -2378,11 +3912,6 @@
         </p:txBody>
       </p:sp>
     </p:spTree>
-    <p:extLst>
-      <p:ext uri="{BB962C8B-B14F-4D97-AF65-F5344CB8AC3E}">
-        <p14:creationId xmlns:p14="http://schemas.microsoft.com/office/powerpoint/2010/main" val="2870888583"/>
-      </p:ext>
-    </p:extLst>
   </p:cSld>
   <p:clrMapOvr>
     <a:masterClrMapping/>
@@ -2391,7 +3920,7 @@
 </file>
 
 <file path=ppt/slideLayouts/slideLayout8.xml><?xml version="1.0" encoding="utf-8"?>
-<p:sldLayout xmlns:a="http://schemas.openxmlformats.org/drawingml/2006/main" xmlns:r="http://schemas.openxmlformats.org/officeDocument/2006/relationships" xmlns:p="http://schemas.openxmlformats.org/presentationml/2006/main" showMasterSp="0" type="objTx" preserve="1">
+<p:sldLayout xmlns:a="http://schemas.openxmlformats.org/drawingml/2006/main" xmlns:r="http://schemas.openxmlformats.org/officeDocument/2006/relationships" xmlns:p="http://schemas.openxmlformats.org/presentationml/2006/main" type="objTx" preserve="1">
   <p:cSld name="Content with Caption">
     <p:spTree>
       <p:nvGrpSpPr>
@@ -2409,35 +3938,213 @@
       </p:grpSpPr>
       <p:sp>
         <p:nvSpPr>
-          <p:cNvPr id="8" name="Rectangle 7" title="Background Shape"/>
-          <p:cNvSpPr/>
+          <p:cNvPr id="12" name="Freeform 6"/>
+          <p:cNvSpPr>
+            <a:spLocks noChangeAspect="1"/>
+          </p:cNvSpPr>
           <p:nvPr/>
         </p:nvSpPr>
-        <p:spPr>
+        <p:spPr bwMode="auto">
           <a:xfrm>
-            <a:off x="0" y="376"/>
-            <a:ext cx="5303520" cy="6857624"/>
+            <a:off x="1073151" y="446087"/>
+            <a:ext cx="3547533" cy="1814651"/>
           </a:xfrm>
-          <a:prstGeom prst="rect">
+          <a:custGeom>
             <a:avLst/>
-          </a:prstGeom>
-          <a:solidFill>
-            <a:schemeClr val="accent1"/>
-          </a:solidFill>
-          <a:ln>
-            <a:noFill/>
-          </a:ln>
+            <a:gdLst/>
+            <a:ahLst/>
+            <a:cxnLst/>
+            <a:rect l="0" t="0" r="r" b="b"/>
+            <a:pathLst>
+              <a:path w="3384" h="2308">
+                <a:moveTo>
+                  <a:pt x="3340" y="0"/>
+                </a:moveTo>
+                <a:lnTo>
+                  <a:pt x="44" y="0"/>
+                </a:lnTo>
+                <a:lnTo>
+                  <a:pt x="44" y="0"/>
+                </a:lnTo>
+                <a:lnTo>
+                  <a:pt x="34" y="0"/>
+                </a:lnTo>
+                <a:lnTo>
+                  <a:pt x="26" y="4"/>
+                </a:lnTo>
+                <a:lnTo>
+                  <a:pt x="20" y="8"/>
+                </a:lnTo>
+                <a:lnTo>
+                  <a:pt x="12" y="12"/>
+                </a:lnTo>
+                <a:lnTo>
+                  <a:pt x="8" y="20"/>
+                </a:lnTo>
+                <a:lnTo>
+                  <a:pt x="4" y="26"/>
+                </a:lnTo>
+                <a:lnTo>
+                  <a:pt x="0" y="34"/>
+                </a:lnTo>
+                <a:lnTo>
+                  <a:pt x="0" y="44"/>
+                </a:lnTo>
+                <a:lnTo>
+                  <a:pt x="0" y="2076"/>
+                </a:lnTo>
+                <a:lnTo>
+                  <a:pt x="0" y="2076"/>
+                </a:lnTo>
+                <a:lnTo>
+                  <a:pt x="0" y="2086"/>
+                </a:lnTo>
+                <a:lnTo>
+                  <a:pt x="4" y="2094"/>
+                </a:lnTo>
+                <a:lnTo>
+                  <a:pt x="8" y="2100"/>
+                </a:lnTo>
+                <a:lnTo>
+                  <a:pt x="12" y="2108"/>
+                </a:lnTo>
+                <a:lnTo>
+                  <a:pt x="20" y="2112"/>
+                </a:lnTo>
+                <a:lnTo>
+                  <a:pt x="26" y="2116"/>
+                </a:lnTo>
+                <a:lnTo>
+                  <a:pt x="34" y="2120"/>
+                </a:lnTo>
+                <a:lnTo>
+                  <a:pt x="44" y="2120"/>
+                </a:lnTo>
+                <a:lnTo>
+                  <a:pt x="474" y="2120"/>
+                </a:lnTo>
+                <a:lnTo>
+                  <a:pt x="650" y="2296"/>
+                </a:lnTo>
+                <a:lnTo>
+                  <a:pt x="650" y="2296"/>
+                </a:lnTo>
+                <a:lnTo>
+                  <a:pt x="656" y="2300"/>
+                </a:lnTo>
+                <a:lnTo>
+                  <a:pt x="664" y="2304"/>
+                </a:lnTo>
+                <a:lnTo>
+                  <a:pt x="672" y="2308"/>
+                </a:lnTo>
+                <a:lnTo>
+                  <a:pt x="680" y="2308"/>
+                </a:lnTo>
+                <a:lnTo>
+                  <a:pt x="688" y="2308"/>
+                </a:lnTo>
+                <a:lnTo>
+                  <a:pt x="696" y="2304"/>
+                </a:lnTo>
+                <a:lnTo>
+                  <a:pt x="704" y="2300"/>
+                </a:lnTo>
+                <a:lnTo>
+                  <a:pt x="710" y="2296"/>
+                </a:lnTo>
+                <a:lnTo>
+                  <a:pt x="886" y="2120"/>
+                </a:lnTo>
+                <a:lnTo>
+                  <a:pt x="3340" y="2120"/>
+                </a:lnTo>
+                <a:lnTo>
+                  <a:pt x="3340" y="2120"/>
+                </a:lnTo>
+                <a:lnTo>
+                  <a:pt x="3350" y="2120"/>
+                </a:lnTo>
+                <a:lnTo>
+                  <a:pt x="3358" y="2116"/>
+                </a:lnTo>
+                <a:lnTo>
+                  <a:pt x="3364" y="2112"/>
+                </a:lnTo>
+                <a:lnTo>
+                  <a:pt x="3372" y="2108"/>
+                </a:lnTo>
+                <a:lnTo>
+                  <a:pt x="3376" y="2100"/>
+                </a:lnTo>
+                <a:lnTo>
+                  <a:pt x="3380" y="2094"/>
+                </a:lnTo>
+                <a:lnTo>
+                  <a:pt x="3384" y="2086"/>
+                </a:lnTo>
+                <a:lnTo>
+                  <a:pt x="3384" y="2076"/>
+                </a:lnTo>
+                <a:lnTo>
+                  <a:pt x="3384" y="44"/>
+                </a:lnTo>
+                <a:lnTo>
+                  <a:pt x="3384" y="44"/>
+                </a:lnTo>
+                <a:lnTo>
+                  <a:pt x="3384" y="34"/>
+                </a:lnTo>
+                <a:lnTo>
+                  <a:pt x="3380" y="26"/>
+                </a:lnTo>
+                <a:lnTo>
+                  <a:pt x="3376" y="20"/>
+                </a:lnTo>
+                <a:lnTo>
+                  <a:pt x="3372" y="12"/>
+                </a:lnTo>
+                <a:lnTo>
+                  <a:pt x="3364" y="8"/>
+                </a:lnTo>
+                <a:lnTo>
+                  <a:pt x="3358" y="4"/>
+                </a:lnTo>
+                <a:lnTo>
+                  <a:pt x="3350" y="0"/>
+                </a:lnTo>
+                <a:lnTo>
+                  <a:pt x="3340" y="0"/>
+                </a:lnTo>
+                <a:lnTo>
+                  <a:pt x="3340" y="0"/>
+                </a:lnTo>
+                <a:close/>
+              </a:path>
+            </a:pathLst>
+          </a:custGeom>
+          <a:ln/>
+          <a:extLst>
+            <a:ext uri="{91240B29-F687-4f45-9708-019B960494DF}">
+              <a14:hiddenLine xmlns:a14="http://schemas.microsoft.com/office/drawing/2010/main" xmlns="" w="9525">
+                <a:solidFill>
+                  <a:srgbClr val="000000"/>
+                </a:solidFill>
+                <a:round/>
+                <a:headEnd/>
+                <a:tailEnd/>
+              </a14:hiddenLine>
+            </a:ext>
+          </a:extLst>
         </p:spPr>
         <p:style>
-          <a:lnRef idx="2">
-            <a:schemeClr val="accent1">
-              <a:shade val="50000"/>
-            </a:schemeClr>
+          <a:lnRef idx="1">
+            <a:schemeClr val="accent1"/>
           </a:lnRef>
-          <a:fillRef idx="1">
+          <a:fillRef idx="3">
             <a:schemeClr val="accent1"/>
           </a:fillRef>
-          <a:effectRef idx="0">
+          <a:effectRef idx="2">
             <a:schemeClr val="accent1"/>
           </a:effectRef>
           <a:fontRef idx="minor">
@@ -2457,24 +4164,15 @@
         </p:nvSpPr>
         <p:spPr>
           <a:xfrm>
-            <a:off x="723900" y="685800"/>
-            <a:ext cx="3855720" cy="2157884"/>
+            <a:off x="1073151" y="446088"/>
+            <a:ext cx="3547533" cy="1618396"/>
           </a:xfrm>
         </p:spPr>
         <p:txBody>
-          <a:bodyPr anchor="t">
-            <a:noAutofit/>
-          </a:bodyPr>
+          <a:bodyPr anchor="b"/>
           <a:lstStyle>
-            <a:lvl1pPr>
-              <a:lnSpc>
-                <a:spcPct val="84000"/>
-              </a:lnSpc>
-              <a:defRPr sz="4800" baseline="0">
-                <a:solidFill>
-                  <a:schemeClr val="tx2"/>
-                </a:solidFill>
-              </a:defRPr>
+            <a:lvl1pPr algn="l">
+              <a:defRPr sz="2000" b="1"/>
             </a:lvl1pPr>
           </a:lstStyle>
           <a:p>
@@ -2498,41 +4196,15 @@
         </p:nvSpPr>
         <p:spPr>
           <a:xfrm>
-            <a:off x="6256020" y="685801"/>
-            <a:ext cx="5212080" cy="5175250"/>
+            <a:off x="4855633" y="446088"/>
+            <a:ext cx="6252633" cy="5414963"/>
           </a:xfrm>
         </p:spPr>
         <p:txBody>
-          <a:bodyPr/>
-          <a:lstStyle>
-            <a:lvl1pPr>
-              <a:defRPr sz="2000"/>
-            </a:lvl1pPr>
-            <a:lvl2pPr>
-              <a:defRPr sz="2000"/>
-            </a:lvl2pPr>
-            <a:lvl3pPr>
-              <a:defRPr sz="1800"/>
-            </a:lvl3pPr>
-            <a:lvl4pPr>
-              <a:defRPr sz="1800"/>
-            </a:lvl4pPr>
-            <a:lvl5pPr>
-              <a:defRPr sz="1600"/>
-            </a:lvl5pPr>
-            <a:lvl6pPr>
-              <a:defRPr sz="1600"/>
-            </a:lvl6pPr>
-            <a:lvl7pPr>
-              <a:defRPr sz="1600"/>
-            </a:lvl7pPr>
-            <a:lvl8pPr>
-              <a:defRPr sz="1600"/>
-            </a:lvl8pPr>
-            <a:lvl9pPr>
-              <a:defRPr sz="1600"/>
-            </a:lvl9pPr>
-          </a:lstStyle>
+          <a:bodyPr>
+            <a:normAutofit/>
+          </a:bodyPr>
+          <a:lstStyle/>
           <a:p>
             <a:pPr lvl="0"/>
             <a:r>
@@ -2583,57 +4255,48 @@
         </p:nvSpPr>
         <p:spPr>
           <a:xfrm>
-            <a:off x="723900" y="2856344"/>
-            <a:ext cx="3855720" cy="3011056"/>
+            <a:off x="1073151" y="2260738"/>
+            <a:ext cx="3547533" cy="3600311"/>
           </a:xfrm>
         </p:spPr>
         <p:txBody>
           <a:bodyPr/>
           <a:lstStyle>
             <a:lvl1pPr marL="0" indent="0">
-              <a:lnSpc>
-                <a:spcPct val="113000"/>
-              </a:lnSpc>
-              <a:spcBef>
-                <a:spcPts val="0"/>
-              </a:spcBef>
-              <a:spcAft>
-                <a:spcPts val="1500"/>
-              </a:spcAft>
-              <a:buNone/>
-              <a:defRPr sz="1600"/>
+              <a:buNone/>
+              <a:defRPr sz="1400"/>
             </a:lvl1pPr>
             <a:lvl2pPr marL="457200" indent="0">
               <a:buNone/>
-              <a:defRPr sz="1400"/>
+              <a:defRPr sz="1200"/>
             </a:lvl2pPr>
             <a:lvl3pPr marL="914400" indent="0">
               <a:buNone/>
-              <a:defRPr sz="1200"/>
+              <a:defRPr sz="1000"/>
             </a:lvl3pPr>
             <a:lvl4pPr marL="1371600" indent="0">
               <a:buNone/>
-              <a:defRPr sz="1000"/>
+              <a:defRPr sz="900"/>
             </a:lvl4pPr>
             <a:lvl5pPr marL="1828800" indent="0">
               <a:buNone/>
-              <a:defRPr sz="1000"/>
+              <a:defRPr sz="900"/>
             </a:lvl5pPr>
             <a:lvl6pPr marL="2286000" indent="0">
               <a:buNone/>
-              <a:defRPr sz="1000"/>
+              <a:defRPr sz="900"/>
             </a:lvl6pPr>
             <a:lvl7pPr marL="2743200" indent="0">
               <a:buNone/>
-              <a:defRPr sz="1000"/>
+              <a:defRPr sz="900"/>
             </a:lvl7pPr>
             <a:lvl8pPr marL="3200400" indent="0">
               <a:buNone/>
-              <a:defRPr sz="1000"/>
+              <a:defRPr sz="900"/>
             </a:lvl8pPr>
             <a:lvl9pPr marL="3657600" indent="0">
               <a:buNone/>
-              <a:defRPr sz="1000"/>
+              <a:defRPr sz="900"/>
             </a:lvl9pPr>
           </a:lstStyle>
           <a:p>
@@ -2655,28 +4318,15 @@
             <p:ph type="dt" sz="half" idx="10"/>
           </p:nvPr>
         </p:nvSpPr>
-        <p:spPr>
-          <a:xfrm>
-            <a:off x="723900" y="6453386"/>
-            <a:ext cx="1204572" cy="404614"/>
-          </a:xfrm>
-        </p:spPr>
+        <p:spPr/>
         <p:txBody>
           <a:bodyPr/>
-          <a:lstStyle>
-            <a:lvl1pPr>
-              <a:defRPr>
-                <a:solidFill>
-                  <a:schemeClr val="tx2"/>
-                </a:solidFill>
-              </a:defRPr>
-            </a:lvl1pPr>
-          </a:lstStyle>
-          <a:p>
-            <a:fld id="{87DE6118-2437-4B30-8E3C-4D2BE6020583}" type="datetimeFigureOut">
-              <a:rPr lang="en-US" smtClean="0"/>
+          <a:lstStyle/>
+          <a:p>
+            <a:fld id="{D0DF5E60-9974-AC48-9591-99C2BB44B7CF}" type="datetimeFigureOut">
+              <a:rPr lang="en-US" dirty="0"/>
               <a:pPr/>
-              <a:t>2/19/2016</a:t>
+              <a:t>2/20/2016</a:t>
             </a:fld>
             <a:endParaRPr lang="en-US" dirty="0"/>
           </a:p>
@@ -2692,23 +4342,10 @@
             <p:ph type="ftr" sz="quarter" idx="11"/>
           </p:nvPr>
         </p:nvSpPr>
-        <p:spPr>
-          <a:xfrm>
-            <a:off x="2205945" y="6453386"/>
-            <a:ext cx="2373675" cy="404614"/>
-          </a:xfrm>
-        </p:spPr>
+        <p:spPr/>
         <p:txBody>
           <a:bodyPr/>
-          <a:lstStyle>
-            <a:lvl1pPr>
-              <a:defRPr>
-                <a:solidFill>
-                  <a:schemeClr val="tx2"/>
-                </a:solidFill>
-              </a:defRPr>
-            </a:lvl1pPr>
-          </a:lstStyle>
+          <a:lstStyle/>
           <a:p>
             <a:endParaRPr lang="en-US" dirty="0"/>
           </a:p>
@@ -2724,26 +4361,13 @@
             <p:ph type="sldNum" sz="quarter" idx="12"/>
           </p:nvPr>
         </p:nvSpPr>
-        <p:spPr>
-          <a:xfrm>
-            <a:off x="9883140" y="6453386"/>
-            <a:ext cx="1596292" cy="404614"/>
-          </a:xfrm>
-        </p:spPr>
+        <p:spPr/>
         <p:txBody>
           <a:bodyPr/>
-          <a:lstStyle>
-            <a:lvl1pPr>
-              <a:defRPr>
-                <a:solidFill>
-                  <a:schemeClr val="tx2"/>
-                </a:solidFill>
-              </a:defRPr>
-            </a:lvl1pPr>
-          </a:lstStyle>
-          <a:p>
-            <a:fld id="{69E57DC2-970A-4B3E-BB1C-7A09969E49DF}" type="slidenum">
-              <a:rPr lang="en-US" smtClean="0"/>
+          <a:lstStyle/>
+          <a:p>
+            <a:fld id="{D57F1E4F-1CFF-5643-939E-217C01CDF565}" type="slidenum">
+              <a:rPr lang="en-US" dirty="0"/>
               <a:pPr/>
               <a:t>‹#›</a:t>
             </a:fld>
@@ -2751,50 +4375,7 @@
           </a:p>
         </p:txBody>
       </p:sp>
-      <p:sp>
-        <p:nvSpPr>
-          <p:cNvPr id="9" name="Rectangle 8" title="Divider Bar"/>
-          <p:cNvSpPr/>
-          <p:nvPr/>
-        </p:nvSpPr>
-        <p:spPr>
-          <a:xfrm>
-            <a:off x="5303520" y="376"/>
-            <a:ext cx="228600" cy="6858000"/>
-          </a:xfrm>
-          <a:prstGeom prst="rect">
-            <a:avLst/>
-          </a:prstGeom>
-          <a:solidFill>
-            <a:schemeClr val="tx2"/>
-          </a:solidFill>
-          <a:ln>
-            <a:noFill/>
-          </a:ln>
-        </p:spPr>
-        <p:style>
-          <a:lnRef idx="2">
-            <a:schemeClr val="accent1">
-              <a:shade val="50000"/>
-            </a:schemeClr>
-          </a:lnRef>
-          <a:fillRef idx="1">
-            <a:schemeClr val="accent1"/>
-          </a:fillRef>
-          <a:effectRef idx="0">
-            <a:schemeClr val="accent1"/>
-          </a:effectRef>
-          <a:fontRef idx="minor">
-            <a:schemeClr val="lt1"/>
-          </a:fontRef>
-        </p:style>
-      </p:sp>
     </p:spTree>
-    <p:extLst>
-      <p:ext uri="{BB962C8B-B14F-4D97-AF65-F5344CB8AC3E}">
-        <p14:creationId xmlns:p14="http://schemas.microsoft.com/office/powerpoint/2010/main" val="3582921128"/>
-      </p:ext>
-    </p:extLst>
   </p:cSld>
   <p:clrMapOvr>
     <a:masterClrMapping/>
@@ -2803,7 +4384,7 @@
 </file>
 
 <file path=ppt/slideLayouts/slideLayout9.xml><?xml version="1.0" encoding="utf-8"?>
-<p:sldLayout xmlns:a="http://schemas.openxmlformats.org/drawingml/2006/main" xmlns:r="http://schemas.openxmlformats.org/officeDocument/2006/relationships" xmlns:p="http://schemas.openxmlformats.org/presentationml/2006/main" showMasterSp="0" type="picTx" preserve="1">
+<p:sldLayout xmlns:a="http://schemas.openxmlformats.org/drawingml/2006/main" xmlns:r="http://schemas.openxmlformats.org/officeDocument/2006/relationships" xmlns:p="http://schemas.openxmlformats.org/presentationml/2006/main" type="picTx" preserve="1">
   <p:cSld name="Picture with Caption">
     <p:spTree>
       <p:nvGrpSpPr>
@@ -2821,68 +4402,27 @@
       </p:grpSpPr>
       <p:sp>
         <p:nvSpPr>
-          <p:cNvPr id="8" name="Rectangle 7" title="Background Shape"/>
-          <p:cNvSpPr/>
-          <p:nvPr/>
+          <p:cNvPr id="2" name="Title 1"/>
+          <p:cNvSpPr>
+            <a:spLocks noGrp="1"/>
+          </p:cNvSpPr>
+          <p:nvPr>
+            <p:ph type="title"/>
+          </p:nvPr>
         </p:nvSpPr>
         <p:spPr>
           <a:xfrm>
-            <a:off x="0" y="376"/>
-            <a:ext cx="5303520" cy="6857624"/>
-          </a:xfrm>
-          <a:prstGeom prst="rect">
-            <a:avLst/>
-          </a:prstGeom>
-          <a:solidFill>
-            <a:schemeClr val="accent1"/>
-          </a:solidFill>
-          <a:ln>
-            <a:noFill/>
-          </a:ln>
-        </p:spPr>
-        <p:style>
-          <a:lnRef idx="2">
-            <a:schemeClr val="accent1">
-              <a:shade val="50000"/>
-            </a:schemeClr>
-          </a:lnRef>
-          <a:fillRef idx="1">
-            <a:schemeClr val="accent1"/>
-          </a:fillRef>
-          <a:effectRef idx="0">
-            <a:schemeClr val="accent1"/>
-          </a:effectRef>
-          <a:fontRef idx="minor">
-            <a:schemeClr val="lt1"/>
-          </a:fontRef>
-        </p:style>
-      </p:sp>
-      <p:sp>
-        <p:nvSpPr>
-          <p:cNvPr id="2" name="Title 1"/>
-          <p:cNvSpPr>
-            <a:spLocks noGrp="1"/>
-          </p:cNvSpPr>
-          <p:nvPr>
-            <p:ph type="title"/>
-          </p:nvPr>
-        </p:nvSpPr>
-        <p:spPr>
-          <a:xfrm>
-            <a:off x="723900" y="685800"/>
-            <a:ext cx="3855720" cy="2157884"/>
+            <a:off x="814728" y="727522"/>
+            <a:ext cx="4852988" cy="1617163"/>
           </a:xfrm>
         </p:spPr>
         <p:txBody>
-          <a:bodyPr anchor="t">
+          <a:bodyPr anchor="b">
             <a:normAutofit/>
           </a:bodyPr>
           <a:lstStyle>
-            <a:lvl1pPr>
-              <a:lnSpc>
-                <a:spcPct val="84000"/>
-              </a:lnSpc>
-              <a:defRPr sz="4800" baseline="0"/>
+            <a:lvl1pPr algn="l">
+              <a:defRPr sz="2400" b="0"/>
             </a:lvl1pPr>
           </a:lstStyle>
           <a:p>
@@ -2896,18 +4436,130 @@
       </p:sp>
       <p:sp>
         <p:nvSpPr>
-          <p:cNvPr id="3" name="Picture Placeholder 2"/>
+          <p:cNvPr id="9" name="Picture Placeholder 11"/>
           <p:cNvSpPr>
             <a:spLocks noGrp="1" noChangeAspect="1"/>
           </p:cNvSpPr>
           <p:nvPr>
-            <p:ph type="pic" idx="1"/>
+            <p:ph type="pic" sz="quarter" idx="13"/>
+          </p:nvPr>
+        </p:nvSpPr>
+        <p:spPr bwMode="auto">
+          <a:xfrm>
+            <a:off x="6098117" y="0"/>
+            <a:ext cx="6093883" cy="6858000"/>
+          </a:xfrm>
+          <a:custGeom>
+            <a:avLst/>
+            <a:gdLst/>
+            <a:ahLst/>
+            <a:cxnLst/>
+            <a:rect l="0" t="0" r="r" b="b"/>
+            <a:pathLst>
+              <a:path w="2879" h="4320">
+                <a:moveTo>
+                  <a:pt x="183" y="0"/>
+                </a:moveTo>
+                <a:lnTo>
+                  <a:pt x="183" y="1197"/>
+                </a:lnTo>
+                <a:lnTo>
+                  <a:pt x="8" y="1372"/>
+                </a:lnTo>
+                <a:lnTo>
+                  <a:pt x="8" y="1372"/>
+                </a:lnTo>
+                <a:lnTo>
+                  <a:pt x="6" y="1376"/>
+                </a:lnTo>
+                <a:lnTo>
+                  <a:pt x="3" y="1382"/>
+                </a:lnTo>
+                <a:lnTo>
+                  <a:pt x="0" y="1387"/>
+                </a:lnTo>
+                <a:lnTo>
+                  <a:pt x="0" y="1393"/>
+                </a:lnTo>
+                <a:lnTo>
+                  <a:pt x="0" y="1399"/>
+                </a:lnTo>
+                <a:lnTo>
+                  <a:pt x="3" y="1404"/>
+                </a:lnTo>
+                <a:lnTo>
+                  <a:pt x="6" y="1410"/>
+                </a:lnTo>
+                <a:lnTo>
+                  <a:pt x="8" y="1414"/>
+                </a:lnTo>
+                <a:lnTo>
+                  <a:pt x="183" y="1589"/>
+                </a:lnTo>
+                <a:lnTo>
+                  <a:pt x="183" y="4320"/>
+                </a:lnTo>
+                <a:lnTo>
+                  <a:pt x="2879" y="4320"/>
+                </a:lnTo>
+                <a:lnTo>
+                  <a:pt x="2879" y="0"/>
+                </a:lnTo>
+                <a:lnTo>
+                  <a:pt x="183" y="0"/>
+                </a:lnTo>
+                <a:close/>
+              </a:path>
+            </a:pathLst>
+          </a:custGeom>
+          <a:noFill/>
+          <a:ln w="9525">
+            <a:solidFill>
+              <a:schemeClr val="tx2"/>
+            </a:solidFill>
+            <a:round/>
+            <a:headEnd/>
+            <a:tailEnd/>
+          </a:ln>
+          <a:effectLst/>
+        </p:spPr>
+        <p:txBody>
+          <a:bodyPr wrap="square" numCol="1" anchor="t" anchorCtr="0" compatLnSpc="1">
+            <a:prstTxWarp prst="textNoShape">
+              <a:avLst/>
+            </a:prstTxWarp>
+            <a:normAutofit/>
+          </a:bodyPr>
+          <a:lstStyle>
+            <a:lvl1pPr algn="ctr">
+              <a:buFontTx/>
+              <a:buNone/>
+              <a:defRPr sz="1400"/>
+            </a:lvl1pPr>
+          </a:lstStyle>
+          <a:p>
+            <a:r>
+              <a:rPr lang="en-US" smtClean="0"/>
+              <a:t>Click icon to add picture</a:t>
+            </a:r>
+            <a:endParaRPr lang="en-US" dirty="0"/>
+          </a:p>
+        </p:txBody>
+      </p:sp>
+      <p:sp>
+        <p:nvSpPr>
+          <p:cNvPr id="4" name="Text Placeholder 3"/>
+          <p:cNvSpPr>
+            <a:spLocks noGrp="1"/>
+          </p:cNvSpPr>
+          <p:nvPr>
+            <p:ph type="body" sz="half" idx="2"/>
           </p:nvPr>
         </p:nvSpPr>
         <p:spPr>
           <a:xfrm>
-            <a:off x="5532120" y="0"/>
-            <a:ext cx="6659880" cy="6857999"/>
+            <a:off x="814728" y="2344684"/>
+            <a:ext cx="4852988" cy="3516365"/>
           </a:xfrm>
         </p:spPr>
         <p:txBody>
@@ -2917,223 +4569,125 @@
           <a:lstStyle>
             <a:lvl1pPr marL="0" indent="0">
               <a:buNone/>
-              <a:defRPr sz="2000"/>
+              <a:defRPr sz="1200"/>
             </a:lvl1pPr>
             <a:lvl2pPr marL="457200" indent="0">
               <a:buNone/>
-              <a:defRPr sz="2000"/>
+              <a:defRPr sz="1200"/>
             </a:lvl2pPr>
             <a:lvl3pPr marL="914400" indent="0">
               <a:buNone/>
-              <a:defRPr sz="2000"/>
+              <a:defRPr sz="1000"/>
             </a:lvl3pPr>
             <a:lvl4pPr marL="1371600" indent="0">
               <a:buNone/>
-              <a:defRPr sz="2000"/>
+              <a:defRPr sz="900"/>
             </a:lvl4pPr>
             <a:lvl5pPr marL="1828800" indent="0">
               <a:buNone/>
-              <a:defRPr sz="2000"/>
+              <a:defRPr sz="900"/>
             </a:lvl5pPr>
             <a:lvl6pPr marL="2286000" indent="0">
               <a:buNone/>
-              <a:defRPr sz="2000"/>
+              <a:defRPr sz="900"/>
             </a:lvl6pPr>
             <a:lvl7pPr marL="2743200" indent="0">
               <a:buNone/>
-              <a:defRPr sz="2000"/>
+              <a:defRPr sz="900"/>
             </a:lvl7pPr>
             <a:lvl8pPr marL="3200400" indent="0">
               <a:buNone/>
-              <a:defRPr sz="2000"/>
+              <a:defRPr sz="900"/>
             </a:lvl8pPr>
             <a:lvl9pPr marL="3657600" indent="0">
               <a:buNone/>
-              <a:defRPr sz="2000"/>
+              <a:defRPr sz="900"/>
             </a:lvl9pPr>
           </a:lstStyle>
           <a:p>
-            <a:r>
-              <a:rPr lang="en-US" smtClean="0"/>
-              <a:t>Click icon to add picture</a:t>
-            </a:r>
-            <a:endParaRPr lang="en-US" dirty="0"/>
-          </a:p>
-        </p:txBody>
-      </p:sp>
-      <p:sp>
-        <p:nvSpPr>
-          <p:cNvPr id="4" name="Text Placeholder 3"/>
-          <p:cNvSpPr>
-            <a:spLocks noGrp="1"/>
-          </p:cNvSpPr>
-          <p:nvPr>
-            <p:ph type="body" sz="half" idx="2"/>
+            <a:pPr lvl="0"/>
+            <a:r>
+              <a:rPr lang="en-US" smtClean="0"/>
+              <a:t>Click to edit Master text styles</a:t>
+            </a:r>
+          </a:p>
+        </p:txBody>
+      </p:sp>
+      <p:sp>
+        <p:nvSpPr>
+          <p:cNvPr id="5" name="Date Placeholder 4"/>
+          <p:cNvSpPr>
+            <a:spLocks noGrp="1"/>
+          </p:cNvSpPr>
+          <p:nvPr>
+            <p:ph type="dt" sz="half" idx="10"/>
           </p:nvPr>
         </p:nvSpPr>
         <p:spPr>
           <a:xfrm>
-            <a:off x="723900" y="2855968"/>
-            <a:ext cx="3855720" cy="3011432"/>
+            <a:off x="3885810" y="6041362"/>
+            <a:ext cx="976879" cy="365125"/>
           </a:xfrm>
         </p:spPr>
         <p:txBody>
           <a:bodyPr/>
-          <a:lstStyle>
-            <a:lvl1pPr marL="0" indent="0">
-              <a:lnSpc>
-                <a:spcPct val="113000"/>
-              </a:lnSpc>
-              <a:spcBef>
-                <a:spcPts val="0"/>
-              </a:spcBef>
-              <a:spcAft>
-                <a:spcPts val="1500"/>
-              </a:spcAft>
-              <a:buNone/>
-              <a:defRPr sz="1600"/>
-            </a:lvl1pPr>
-            <a:lvl2pPr marL="457200" indent="0">
-              <a:buNone/>
-              <a:defRPr sz="1400"/>
-            </a:lvl2pPr>
-            <a:lvl3pPr marL="914400" indent="0">
-              <a:buNone/>
-              <a:defRPr sz="1200"/>
-            </a:lvl3pPr>
-            <a:lvl4pPr marL="1371600" indent="0">
-              <a:buNone/>
-              <a:defRPr sz="1000"/>
-            </a:lvl4pPr>
-            <a:lvl5pPr marL="1828800" indent="0">
-              <a:buNone/>
-              <a:defRPr sz="1000"/>
-            </a:lvl5pPr>
-            <a:lvl6pPr marL="2286000" indent="0">
-              <a:buNone/>
-              <a:defRPr sz="1000"/>
-            </a:lvl6pPr>
-            <a:lvl7pPr marL="2743200" indent="0">
-              <a:buNone/>
-              <a:defRPr sz="1000"/>
-            </a:lvl7pPr>
-            <a:lvl8pPr marL="3200400" indent="0">
-              <a:buNone/>
-              <a:defRPr sz="1000"/>
-            </a:lvl8pPr>
-            <a:lvl9pPr marL="3657600" indent="0">
-              <a:buNone/>
-              <a:defRPr sz="1000"/>
-            </a:lvl9pPr>
-          </a:lstStyle>
-          <a:p>
-            <a:pPr lvl="0"/>
-            <a:r>
-              <a:rPr lang="en-US" smtClean="0"/>
-              <a:t>Click to edit Master text styles</a:t>
-            </a:r>
-          </a:p>
-        </p:txBody>
-      </p:sp>
-      <p:sp>
-        <p:nvSpPr>
-          <p:cNvPr id="5" name="Date Placeholder 4"/>
-          <p:cNvSpPr>
-            <a:spLocks noGrp="1"/>
-          </p:cNvSpPr>
-          <p:nvPr>
-            <p:ph type="dt" sz="half" idx="10"/>
+          <a:lstStyle/>
+          <a:p>
+            <a:fld id="{18C79C5D-2A6F-F04D-97DA-BEF2467B64E4}" type="datetimeFigureOut">
+              <a:rPr lang="en-US" dirty="0"/>
+              <a:pPr/>
+              <a:t>2/20/2016</a:t>
+            </a:fld>
+            <a:endParaRPr lang="en-US" dirty="0"/>
+          </a:p>
+        </p:txBody>
+      </p:sp>
+      <p:sp>
+        <p:nvSpPr>
+          <p:cNvPr id="6" name="Footer Placeholder 5"/>
+          <p:cNvSpPr>
+            <a:spLocks noGrp="1"/>
+          </p:cNvSpPr>
+          <p:nvPr>
+            <p:ph type="ftr" sz="quarter" idx="11"/>
           </p:nvPr>
         </p:nvSpPr>
         <p:spPr>
           <a:xfrm>
-            <a:off x="723900" y="6453386"/>
-            <a:ext cx="1204572" cy="404614"/>
+            <a:off x="590396" y="6041362"/>
+            <a:ext cx="3295413" cy="365125"/>
           </a:xfrm>
         </p:spPr>
         <p:txBody>
           <a:bodyPr/>
-          <a:lstStyle>
-            <a:lvl1pPr>
-              <a:defRPr>
-                <a:solidFill>
-                  <a:schemeClr val="tx2"/>
-                </a:solidFill>
-              </a:defRPr>
-            </a:lvl1pPr>
-          </a:lstStyle>
-          <a:p>
-            <a:fld id="{87DE6118-2437-4B30-8E3C-4D2BE6020583}" type="datetimeFigureOut">
-              <a:rPr lang="en-US" smtClean="0"/>
-              <a:pPr/>
-              <a:t>2/19/2016</a:t>
-            </a:fld>
-            <a:endParaRPr lang="en-US" dirty="0"/>
-          </a:p>
-        </p:txBody>
-      </p:sp>
-      <p:sp>
-        <p:nvSpPr>
-          <p:cNvPr id="6" name="Footer Placeholder 5"/>
-          <p:cNvSpPr>
-            <a:spLocks noGrp="1"/>
-          </p:cNvSpPr>
-          <p:nvPr>
-            <p:ph type="ftr" sz="quarter" idx="11"/>
+          <a:lstStyle/>
+          <a:p>
+            <a:endParaRPr lang="en-US" dirty="0"/>
+          </a:p>
+        </p:txBody>
+      </p:sp>
+      <p:sp>
+        <p:nvSpPr>
+          <p:cNvPr id="7" name="Slide Number Placeholder 6"/>
+          <p:cNvSpPr>
+            <a:spLocks noGrp="1"/>
+          </p:cNvSpPr>
+          <p:nvPr>
+            <p:ph type="sldNum" sz="quarter" idx="12"/>
           </p:nvPr>
         </p:nvSpPr>
         <p:spPr>
           <a:xfrm>
-            <a:off x="2205945" y="6453386"/>
-            <a:ext cx="2373675" cy="404614"/>
+            <a:off x="4862689" y="5915888"/>
+            <a:ext cx="1062155" cy="490599"/>
           </a:xfrm>
         </p:spPr>
         <p:txBody>
           <a:bodyPr/>
-          <a:lstStyle>
-            <a:lvl1pPr>
-              <a:defRPr>
-                <a:solidFill>
-                  <a:schemeClr val="tx2"/>
-                </a:solidFill>
-              </a:defRPr>
-            </a:lvl1pPr>
-          </a:lstStyle>
-          <a:p>
-            <a:endParaRPr lang="en-US" dirty="0"/>
-          </a:p>
-        </p:txBody>
-      </p:sp>
-      <p:sp>
-        <p:nvSpPr>
-          <p:cNvPr id="7" name="Slide Number Placeholder 6"/>
-          <p:cNvSpPr>
-            <a:spLocks noGrp="1"/>
-          </p:cNvSpPr>
-          <p:nvPr>
-            <p:ph type="sldNum" sz="quarter" idx="12"/>
-          </p:nvPr>
-        </p:nvSpPr>
-        <p:spPr>
-          <a:xfrm>
-            <a:off x="9883140" y="6453386"/>
-            <a:ext cx="1596292" cy="404614"/>
-          </a:xfrm>
-        </p:spPr>
-        <p:txBody>
-          <a:bodyPr/>
-          <a:lstStyle>
-            <a:lvl1pPr>
-              <a:defRPr>
-                <a:solidFill>
-                  <a:schemeClr val="tx2"/>
-                </a:solidFill>
-              </a:defRPr>
-            </a:lvl1pPr>
-          </a:lstStyle>
-          <a:p>
-            <a:fld id="{69E57DC2-970A-4B3E-BB1C-7A09969E49DF}" type="slidenum">
-              <a:rPr lang="en-US" smtClean="0"/>
+          <a:lstStyle/>
+          <a:p>
+            <a:fld id="{D57F1E4F-1CFF-5643-939E-217C01CDF565}" type="slidenum">
+              <a:rPr lang="en-US" dirty="0"/>
               <a:pPr/>
               <a:t>‹#›</a:t>
             </a:fld>
@@ -3141,50 +4695,7 @@
           </a:p>
         </p:txBody>
       </p:sp>
-      <p:sp>
-        <p:nvSpPr>
-          <p:cNvPr id="9" name="Rectangle 8" title="Divider Bar"/>
-          <p:cNvSpPr/>
-          <p:nvPr/>
-        </p:nvSpPr>
-        <p:spPr>
-          <a:xfrm>
-            <a:off x="5303520" y="376"/>
-            <a:ext cx="228600" cy="6858000"/>
-          </a:xfrm>
-          <a:prstGeom prst="rect">
-            <a:avLst/>
-          </a:prstGeom>
-          <a:solidFill>
-            <a:schemeClr val="tx2"/>
-          </a:solidFill>
-          <a:ln>
-            <a:noFill/>
-          </a:ln>
-        </p:spPr>
-        <p:style>
-          <a:lnRef idx="2">
-            <a:schemeClr val="accent1">
-              <a:shade val="50000"/>
-            </a:schemeClr>
-          </a:lnRef>
-          <a:fillRef idx="1">
-            <a:schemeClr val="accent1"/>
-          </a:fillRef>
-          <a:effectRef idx="0">
-            <a:schemeClr val="accent1"/>
-          </a:effectRef>
-          <a:fontRef idx="minor">
-            <a:schemeClr val="lt1"/>
-          </a:fontRef>
-        </p:style>
-      </p:sp>
     </p:spTree>
-    <p:extLst>
-      <p:ext uri="{BB962C8B-B14F-4D97-AF65-F5344CB8AC3E}">
-        <p14:creationId xmlns:p14="http://schemas.microsoft.com/office/powerpoint/2010/main" val="2844538557"/>
-      </p:ext>
-    </p:extLst>
   </p:cSld>
   <p:clrMapOvr>
     <a:masterClrMapping/>
@@ -3196,12 +4707,9 @@
 <p:sldMaster xmlns:a="http://schemas.openxmlformats.org/drawingml/2006/main" xmlns:r="http://schemas.openxmlformats.org/officeDocument/2006/relationships" xmlns:p="http://schemas.openxmlformats.org/presentationml/2006/main">
   <p:cSld>
     <p:bg>
-      <p:bgPr>
-        <a:solidFill>
-          <a:schemeClr val="bg2"/>
-        </a:solidFill>
-        <a:effectLst/>
-      </p:bgPr>
+      <p:bgRef idx="1001">
+        <a:schemeClr val="bg2"/>
+      </p:bgRef>
     </p:bg>
     <p:spTree>
       <p:nvGrpSpPr>
@@ -3229,197 +4737,211 @@
         </p:nvSpPr>
         <p:spPr>
           <a:xfrm>
-            <a:off x="1371600" y="685800"/>
-            <a:ext cx="9601200" cy="1485900"/>
+            <a:off x="810000" y="447188"/>
+            <a:ext cx="10571998" cy="970450"/>
+          </a:xfrm>
+          <a:prstGeom prst="rect">
+            <a:avLst/>
+          </a:prstGeom>
+          <a:effectLst>
+            <a:outerShdw blurRad="50800" dir="14400000">
+              <a:srgbClr val="000000">
+                <a:alpha val="60000"/>
+              </a:srgbClr>
+            </a:outerShdw>
+          </a:effectLst>
+        </p:spPr>
+        <p:txBody>
+          <a:bodyPr vert="horz" lIns="91440" tIns="45720" rIns="91440" bIns="45720" rtlCol="0" anchor="b">
+            <a:noAutofit/>
+          </a:bodyPr>
+          <a:lstStyle/>
+          <a:p>
+            <a:r>
+              <a:rPr lang="en-US" smtClean="0"/>
+              <a:t>Click to edit Master title style</a:t>
+            </a:r>
+            <a:endParaRPr lang="en-US" dirty="0"/>
+          </a:p>
+        </p:txBody>
+      </p:sp>
+      <p:sp>
+        <p:nvSpPr>
+          <p:cNvPr id="3" name="Text Placeholder 2"/>
+          <p:cNvSpPr>
+            <a:spLocks noGrp="1"/>
+          </p:cNvSpPr>
+          <p:nvPr>
+            <p:ph type="body" idx="1"/>
+          </p:nvPr>
+        </p:nvSpPr>
+        <p:spPr>
+          <a:xfrm>
+            <a:off x="810000" y="2184401"/>
+            <a:ext cx="10563285" cy="3674397"/>
+          </a:xfrm>
+          <a:prstGeom prst="rect">
+            <a:avLst/>
+          </a:prstGeom>
+          <a:effectLst>
+            <a:outerShdw blurRad="50800" dir="14400000">
+              <a:srgbClr val="000000">
+                <a:alpha val="40000"/>
+              </a:srgbClr>
+            </a:outerShdw>
+          </a:effectLst>
+        </p:spPr>
+        <p:txBody>
+          <a:bodyPr vert="horz" lIns="91440" tIns="45720" rIns="91440" bIns="45720" rtlCol="0" anchor="ctr">
+            <a:normAutofit/>
+          </a:bodyPr>
+          <a:lstStyle/>
+          <a:p>
+            <a:pPr lvl="0"/>
+            <a:r>
+              <a:rPr lang="en-US" smtClean="0"/>
+              <a:t>Click to edit Master text styles</a:t>
+            </a:r>
+          </a:p>
+          <a:p>
+            <a:pPr lvl="1"/>
+            <a:r>
+              <a:rPr lang="en-US" smtClean="0"/>
+              <a:t>Second level</a:t>
+            </a:r>
+          </a:p>
+          <a:p>
+            <a:pPr lvl="2"/>
+            <a:r>
+              <a:rPr lang="en-US" smtClean="0"/>
+              <a:t>Third level</a:t>
+            </a:r>
+          </a:p>
+          <a:p>
+            <a:pPr lvl="3"/>
+            <a:r>
+              <a:rPr lang="en-US" smtClean="0"/>
+              <a:t>Fourth level</a:t>
+            </a:r>
+          </a:p>
+          <a:p>
+            <a:pPr lvl="4"/>
+            <a:r>
+              <a:rPr lang="en-US" smtClean="0"/>
+              <a:t>Fifth level</a:t>
+            </a:r>
+            <a:endParaRPr lang="en-US" dirty="0"/>
+          </a:p>
+        </p:txBody>
+      </p:sp>
+      <p:sp>
+        <p:nvSpPr>
+          <p:cNvPr id="5" name="Footer Placeholder 4"/>
+          <p:cNvSpPr>
+            <a:spLocks noGrp="1"/>
+          </p:cNvSpPr>
+          <p:nvPr>
+            <p:ph type="ftr" sz="quarter" idx="3"/>
+          </p:nvPr>
+        </p:nvSpPr>
+        <p:spPr>
+          <a:xfrm>
+            <a:off x="451514" y="6041362"/>
+            <a:ext cx="8644320" cy="365125"/>
           </a:xfrm>
           <a:prstGeom prst="rect">
             <a:avLst/>
           </a:prstGeom>
         </p:spPr>
         <p:txBody>
-          <a:bodyPr vert="horz" lIns="91440" tIns="45720" rIns="91440" bIns="45720" rtlCol="0" anchor="t">
-            <a:normAutofit/>
-          </a:bodyPr>
-          <a:lstStyle/>
-          <a:p>
-            <a:r>
-              <a:rPr lang="en-US" smtClean="0"/>
-              <a:t>Click to edit Master title style</a:t>
-            </a:r>
-            <a:endParaRPr lang="en-US" dirty="0"/>
-          </a:p>
-        </p:txBody>
-      </p:sp>
-      <p:sp>
-        <p:nvSpPr>
-          <p:cNvPr id="3" name="Text Placeholder 2"/>
-          <p:cNvSpPr>
-            <a:spLocks noGrp="1"/>
-          </p:cNvSpPr>
-          <p:nvPr>
-            <p:ph type="body" idx="1"/>
+          <a:bodyPr vert="horz" lIns="91440" tIns="45720" rIns="91440" bIns="45720" rtlCol="0" anchor="b"/>
+          <a:lstStyle>
+            <a:lvl1pPr algn="l">
+              <a:defRPr sz="900">
+                <a:solidFill>
+                  <a:schemeClr val="tx1"/>
+                </a:solidFill>
+              </a:defRPr>
+            </a:lvl1pPr>
+          </a:lstStyle>
+          <a:p>
+            <a:endParaRPr lang="en-US" dirty="0"/>
+          </a:p>
+        </p:txBody>
+      </p:sp>
+      <p:sp>
+        <p:nvSpPr>
+          <p:cNvPr id="4" name="Date Placeholder 3"/>
+          <p:cNvSpPr>
+            <a:spLocks noGrp="1"/>
+          </p:cNvSpPr>
+          <p:nvPr>
+            <p:ph type="dt" sz="half" idx="2"/>
           </p:nvPr>
         </p:nvSpPr>
         <p:spPr>
           <a:xfrm>
-            <a:off x="1371600" y="2286000"/>
-            <a:ext cx="9601200" cy="3581400"/>
+            <a:off x="9334626" y="6041362"/>
+            <a:ext cx="1343706" cy="365125"/>
           </a:xfrm>
           <a:prstGeom prst="rect">
             <a:avLst/>
           </a:prstGeom>
         </p:spPr>
         <p:txBody>
-          <a:bodyPr vert="horz" lIns="91440" tIns="45720" rIns="91440" bIns="45720" rtlCol="0">
-            <a:normAutofit/>
-          </a:bodyPr>
-          <a:lstStyle/>
-          <a:p>
-            <a:pPr lvl="0"/>
-            <a:r>
-              <a:rPr lang="en-US" smtClean="0"/>
-              <a:t>Click to edit Master text styles</a:t>
-            </a:r>
-          </a:p>
-          <a:p>
-            <a:pPr lvl="1"/>
-            <a:r>
-              <a:rPr lang="en-US" smtClean="0"/>
-              <a:t>Second level</a:t>
-            </a:r>
-          </a:p>
-          <a:p>
-            <a:pPr lvl="2"/>
-            <a:r>
-              <a:rPr lang="en-US" smtClean="0"/>
-              <a:t>Third level</a:t>
-            </a:r>
-          </a:p>
-          <a:p>
-            <a:pPr lvl="3"/>
-            <a:r>
-              <a:rPr lang="en-US" smtClean="0"/>
-              <a:t>Fourth level</a:t>
-            </a:r>
-          </a:p>
-          <a:p>
-            <a:pPr lvl="4"/>
-            <a:r>
-              <a:rPr lang="en-US" smtClean="0"/>
-              <a:t>Fifth level</a:t>
-            </a:r>
-            <a:endParaRPr lang="en-US" dirty="0"/>
-          </a:p>
-        </p:txBody>
-      </p:sp>
-      <p:sp>
-        <p:nvSpPr>
-          <p:cNvPr id="4" name="Date Placeholder 3"/>
-          <p:cNvSpPr>
-            <a:spLocks noGrp="1"/>
-          </p:cNvSpPr>
-          <p:nvPr>
-            <p:ph type="dt" sz="half" idx="2"/>
+          <a:bodyPr vert="horz" lIns="91440" tIns="45720" rIns="91440" bIns="45720" rtlCol="0" anchor="b"/>
+          <a:lstStyle>
+            <a:lvl1pPr algn="r">
+              <a:defRPr sz="900">
+                <a:solidFill>
+                  <a:schemeClr val="tx1"/>
+                </a:solidFill>
+              </a:defRPr>
+            </a:lvl1pPr>
+          </a:lstStyle>
+          <a:p>
+            <a:fld id="{09B482E8-6E0E-1B4F-B1FD-C69DB9E858D9}" type="datetimeFigureOut">
+              <a:rPr lang="en-US" dirty="0"/>
+              <a:pPr/>
+              <a:t>2/20/2016</a:t>
+            </a:fld>
+            <a:endParaRPr lang="en-US" dirty="0"/>
+          </a:p>
+        </p:txBody>
+      </p:sp>
+      <p:sp>
+        <p:nvSpPr>
+          <p:cNvPr id="6" name="Slide Number Placeholder 5"/>
+          <p:cNvSpPr>
+            <a:spLocks noGrp="1"/>
+          </p:cNvSpPr>
+          <p:nvPr>
+            <p:ph type="sldNum" sz="quarter" idx="4"/>
           </p:nvPr>
         </p:nvSpPr>
         <p:spPr>
           <a:xfrm>
-            <a:off x="1390650" y="6453386"/>
-            <a:ext cx="1204572" cy="404614"/>
+            <a:off x="10678331" y="5915888"/>
+            <a:ext cx="1062155" cy="490599"/>
           </a:xfrm>
           <a:prstGeom prst="rect">
             <a:avLst/>
           </a:prstGeom>
         </p:spPr>
         <p:txBody>
-          <a:bodyPr vert="horz" lIns="91440" tIns="45720" rIns="91440" bIns="45720" rtlCol="0" anchor="ctr"/>
+          <a:bodyPr vert="horz" lIns="91440" tIns="45720" rIns="91440" bIns="10800" rtlCol="0" anchor="b"/>
           <a:lstStyle>
-            <a:lvl1pPr algn="l">
-              <a:defRPr sz="1200" baseline="0">
+            <a:lvl1pPr algn="r">
+              <a:defRPr sz="2000">
                 <a:solidFill>
-                  <a:schemeClr val="tx2"/>
+                  <a:schemeClr val="accent1"/>
                 </a:solidFill>
               </a:defRPr>
             </a:lvl1pPr>
           </a:lstStyle>
           <a:p>
-            <a:fld id="{87DE6118-2437-4B30-8E3C-4D2BE6020583}" type="datetimeFigureOut">
-              <a:rPr lang="en-US" smtClean="0"/>
-              <a:pPr/>
-              <a:t>2/19/2016</a:t>
-            </a:fld>
-            <a:endParaRPr lang="en-US" dirty="0"/>
-          </a:p>
-        </p:txBody>
-      </p:sp>
-      <p:sp>
-        <p:nvSpPr>
-          <p:cNvPr id="5" name="Footer Placeholder 4"/>
-          <p:cNvSpPr>
-            <a:spLocks noGrp="1"/>
-          </p:cNvSpPr>
-          <p:nvPr>
-            <p:ph type="ftr" sz="quarter" idx="3"/>
-          </p:nvPr>
-        </p:nvSpPr>
-        <p:spPr>
-          <a:xfrm>
-            <a:off x="2893564" y="6453386"/>
-            <a:ext cx="6280830" cy="404614"/>
-          </a:xfrm>
-          <a:prstGeom prst="rect">
-            <a:avLst/>
-          </a:prstGeom>
-        </p:spPr>
-        <p:txBody>
-          <a:bodyPr vert="horz" lIns="91440" tIns="45720" rIns="91440" bIns="45720" rtlCol="0" anchor="ctr"/>
-          <a:lstStyle>
-            <a:lvl1pPr algn="l">
-              <a:defRPr sz="1200" baseline="0">
-                <a:solidFill>
-                  <a:schemeClr val="tx2"/>
-                </a:solidFill>
-              </a:defRPr>
-            </a:lvl1pPr>
-          </a:lstStyle>
-          <a:p>
-            <a:endParaRPr lang="en-US" dirty="0"/>
-          </a:p>
-        </p:txBody>
-      </p:sp>
-      <p:sp>
-        <p:nvSpPr>
-          <p:cNvPr id="6" name="Slide Number Placeholder 5"/>
-          <p:cNvSpPr>
-            <a:spLocks noGrp="1"/>
-          </p:cNvSpPr>
-          <p:nvPr>
-            <p:ph type="sldNum" sz="quarter" idx="4"/>
-          </p:nvPr>
-        </p:nvSpPr>
-        <p:spPr>
-          <a:xfrm>
-            <a:off x="9472736" y="6453386"/>
-            <a:ext cx="1596292" cy="404614"/>
-          </a:xfrm>
-          <a:prstGeom prst="rect">
-            <a:avLst/>
-          </a:prstGeom>
-        </p:spPr>
-        <p:txBody>
-          <a:bodyPr vert="horz" lIns="91440" tIns="45720" rIns="91440" bIns="45720" rtlCol="0" anchor="ctr"/>
-          <a:lstStyle>
-            <a:lvl1pPr algn="r">
-              <a:defRPr sz="1200" baseline="0">
-                <a:solidFill>
-                  <a:schemeClr val="tx2"/>
-                </a:solidFill>
-              </a:defRPr>
-            </a:lvl1pPr>
-          </a:lstStyle>
-          <a:p>
-            <a:fld id="{69E57DC2-970A-4B3E-BB1C-7A09969E49DF}" type="slidenum">
-              <a:rPr lang="en-US" smtClean="0"/>
+            <a:fld id="{D57F1E4F-1CFF-5643-939E-217C01CDF565}" type="slidenum">
+              <a:rPr lang="en-US" dirty="0"/>
               <a:pPr/>
               <a:t>‹#›</a:t>
             </a:fld>
@@ -3427,269 +4949,283 @@
           </a:p>
         </p:txBody>
       </p:sp>
-      <p:sp>
-        <p:nvSpPr>
-          <p:cNvPr id="9" name="Rectangle 8" title="Side bar"/>
-          <p:cNvSpPr/>
-          <p:nvPr/>
-        </p:nvSpPr>
-        <p:spPr>
-          <a:xfrm>
-            <a:off x="478095" y="376"/>
-            <a:ext cx="228600" cy="6858000"/>
-          </a:xfrm>
-          <a:prstGeom prst="rect">
-            <a:avLst/>
-          </a:prstGeom>
-          <a:solidFill>
-            <a:schemeClr val="tx2"/>
-          </a:solidFill>
-          <a:ln>
-            <a:noFill/>
-          </a:ln>
-        </p:spPr>
-        <p:style>
-          <a:lnRef idx="2">
-            <a:schemeClr val="accent1">
-              <a:shade val="50000"/>
-            </a:schemeClr>
-          </a:lnRef>
-          <a:fillRef idx="1">
-            <a:schemeClr val="accent1"/>
-          </a:fillRef>
-          <a:effectRef idx="0">
-            <a:schemeClr val="accent1"/>
-          </a:effectRef>
-          <a:fontRef idx="minor">
-            <a:schemeClr val="lt1"/>
-          </a:fontRef>
-        </p:style>
-      </p:sp>
     </p:spTree>
-    <p:extLst>
-      <p:ext uri="{BB962C8B-B14F-4D97-AF65-F5344CB8AC3E}">
-        <p14:creationId xmlns:p14="http://schemas.microsoft.com/office/powerpoint/2010/main" val="1799956774"/>
-      </p:ext>
-    </p:extLst>
   </p:cSld>
-  <p:clrMap bg1="lt1" tx1="dk1" bg2="lt2" tx2="dk2" accent1="accent1" accent2="accent2" accent3="accent3" accent4="accent4" accent5="accent5" accent6="accent6" hlink="hlink" folHlink="folHlink"/>
+  <p:clrMap bg1="dk1" tx1="lt1" bg2="dk2" tx2="lt2" accent1="accent1" accent2="accent2" accent3="accent3" accent4="accent4" accent5="accent5" accent6="accent6" hlink="hlink" folHlink="folHlink"/>
   <p:sldLayoutIdLst>
-    <p:sldLayoutId id="2147483697" r:id="rId1"/>
-    <p:sldLayoutId id="2147483698" r:id="rId2"/>
-    <p:sldLayoutId id="2147483699" r:id="rId3"/>
-    <p:sldLayoutId id="2147483700" r:id="rId4"/>
-    <p:sldLayoutId id="2147483701" r:id="rId5"/>
-    <p:sldLayoutId id="2147483702" r:id="rId6"/>
-    <p:sldLayoutId id="2147483703" r:id="rId7"/>
-    <p:sldLayoutId id="2147483704" r:id="rId8"/>
-    <p:sldLayoutId id="2147483705" r:id="rId9"/>
-    <p:sldLayoutId id="2147483706" r:id="rId10"/>
-    <p:sldLayoutId id="2147483707" r:id="rId11"/>
+    <p:sldLayoutId id="2147483649" r:id="rId1"/>
+    <p:sldLayoutId id="2147483650" r:id="rId2"/>
+    <p:sldLayoutId id="2147483651" r:id="rId3"/>
+    <p:sldLayoutId id="2147483652" r:id="rId4"/>
+    <p:sldLayoutId id="2147483653" r:id="rId5"/>
+    <p:sldLayoutId id="2147483654" r:id="rId6"/>
+    <p:sldLayoutId id="2147483655" r:id="rId7"/>
+    <p:sldLayoutId id="2147483656" r:id="rId8"/>
+    <p:sldLayoutId id="2147483663" r:id="rId9"/>
+    <p:sldLayoutId id="2147483657" r:id="rId10"/>
+    <p:sldLayoutId id="2147483666" r:id="rId11"/>
+    <p:sldLayoutId id="2147483661" r:id="rId12"/>
+    <p:sldLayoutId id="2147483658" r:id="rId13"/>
+    <p:sldLayoutId id="2147483659" r:id="rId14"/>
   </p:sldLayoutIdLst>
+  <p:hf sldNum="0" hdr="0" ftr="0" dt="0"/>
   <p:txStyles>
     <p:titleStyle>
-      <a:lvl1pPr algn="l" defTabSz="914400" rtl="0" eaLnBrk="1" latinLnBrk="0" hangingPunct="1">
-        <a:lnSpc>
-          <a:spcPct val="89000"/>
-        </a:lnSpc>
+      <a:lvl1pPr algn="l" defTabSz="457200" rtl="0" eaLnBrk="1" latinLnBrk="0" hangingPunct="1">
         <a:spcBef>
           <a:spcPct val="0"/>
         </a:spcBef>
         <a:buNone/>
-        <a:defRPr sz="4400" kern="1200" baseline="0">
+        <a:defRPr sz="4000" b="1" kern="1200">
           <a:solidFill>
-            <a:schemeClr val="tx2"/>
+            <a:srgbClr val="FEFEFE"/>
           </a:solidFill>
           <a:latin typeface="+mj-lt"/>
           <a:ea typeface="+mj-ea"/>
           <a:cs typeface="+mj-cs"/>
         </a:defRPr>
       </a:lvl1pPr>
+      <a:lvl2pPr eaLnBrk="1" hangingPunct="1">
+        <a:defRPr>
+          <a:solidFill>
+            <a:schemeClr val="tx2"/>
+          </a:solidFill>
+        </a:defRPr>
+      </a:lvl2pPr>
+      <a:lvl3pPr eaLnBrk="1" hangingPunct="1">
+        <a:defRPr>
+          <a:solidFill>
+            <a:schemeClr val="tx2"/>
+          </a:solidFill>
+        </a:defRPr>
+      </a:lvl3pPr>
+      <a:lvl4pPr eaLnBrk="1" hangingPunct="1">
+        <a:defRPr>
+          <a:solidFill>
+            <a:schemeClr val="tx2"/>
+          </a:solidFill>
+        </a:defRPr>
+      </a:lvl4pPr>
+      <a:lvl5pPr eaLnBrk="1" hangingPunct="1">
+        <a:defRPr>
+          <a:solidFill>
+            <a:schemeClr val="tx2"/>
+          </a:solidFill>
+        </a:defRPr>
+      </a:lvl5pPr>
+      <a:lvl6pPr eaLnBrk="1" hangingPunct="1">
+        <a:defRPr>
+          <a:solidFill>
+            <a:schemeClr val="tx2"/>
+          </a:solidFill>
+        </a:defRPr>
+      </a:lvl6pPr>
+      <a:lvl7pPr eaLnBrk="1" hangingPunct="1">
+        <a:defRPr>
+          <a:solidFill>
+            <a:schemeClr val="tx2"/>
+          </a:solidFill>
+        </a:defRPr>
+      </a:lvl7pPr>
+      <a:lvl8pPr eaLnBrk="1" hangingPunct="1">
+        <a:defRPr>
+          <a:solidFill>
+            <a:schemeClr val="tx2"/>
+          </a:solidFill>
+        </a:defRPr>
+      </a:lvl8pPr>
+      <a:lvl9pPr eaLnBrk="1" hangingPunct="1">
+        <a:defRPr>
+          <a:solidFill>
+            <a:schemeClr val="tx2"/>
+          </a:solidFill>
+        </a:defRPr>
+      </a:lvl9pPr>
     </p:titleStyle>
     <p:bodyStyle>
-      <a:lvl1pPr marL="384048" indent="-384048" algn="l" defTabSz="914400" rtl="0" eaLnBrk="1" latinLnBrk="0" hangingPunct="1">
-        <a:lnSpc>
-          <a:spcPct val="94000"/>
-        </a:lnSpc>
+      <a:lvl1pPr marL="342900" indent="-342900" algn="l" defTabSz="457200" rtl="0" eaLnBrk="1" latinLnBrk="0" hangingPunct="1">
         <a:spcBef>
-          <a:spcPts val="1000"/>
+          <a:spcPct val="20000"/>
         </a:spcBef>
         <a:spcAft>
-          <a:spcPts val="200"/>
+          <a:spcPts val="600"/>
         </a:spcAft>
-        <a:buFont typeface="Franklin Gothic Book" panose="020B0503020102020204" pitchFamily="34" charset="0"/>
-        <a:buChar char="■"/>
-        <a:defRPr sz="2000" kern="1200" baseline="0">
+        <a:buClr>
+          <a:schemeClr val="accent1"/>
+        </a:buClr>
+        <a:buFont typeface="Wingdings 2" charset="2"/>
+        <a:buChar char=""/>
+        <a:defRPr sz="1800" kern="1200">
           <a:solidFill>
-            <a:schemeClr val="tx2"/>
+            <a:schemeClr val="tx1"/>
           </a:solidFill>
           <a:latin typeface="+mn-lt"/>
           <a:ea typeface="+mn-ea"/>
           <a:cs typeface="+mn-cs"/>
         </a:defRPr>
       </a:lvl1pPr>
-      <a:lvl2pPr marL="914400" indent="-384048" algn="l" defTabSz="914400" rtl="0" eaLnBrk="1" latinLnBrk="0" hangingPunct="1">
-        <a:lnSpc>
-          <a:spcPct val="94000"/>
-        </a:lnSpc>
+      <a:lvl2pPr marL="742950" indent="-285750" algn="l" defTabSz="457200" rtl="0" eaLnBrk="1" latinLnBrk="0" hangingPunct="1">
         <a:spcBef>
-          <a:spcPts val="500"/>
+          <a:spcPct val="20000"/>
         </a:spcBef>
         <a:spcAft>
-          <a:spcPts val="200"/>
+          <a:spcPts val="600"/>
         </a:spcAft>
-        <a:buFont typeface="Franklin Gothic Book" panose="020B0503020102020204" pitchFamily="34" charset="0"/>
-        <a:buChar char="–"/>
-        <a:defRPr sz="2000" i="1" kern="1200" baseline="0">
+        <a:buClr>
+          <a:schemeClr val="accent1"/>
+        </a:buClr>
+        <a:buFont typeface="Wingdings 2" charset="2"/>
+        <a:buChar char=""/>
+        <a:defRPr sz="1600" kern="1200">
           <a:solidFill>
-            <a:schemeClr val="tx2"/>
+            <a:schemeClr val="tx1"/>
           </a:solidFill>
           <a:latin typeface="+mn-lt"/>
           <a:ea typeface="+mn-ea"/>
           <a:cs typeface="+mn-cs"/>
         </a:defRPr>
       </a:lvl2pPr>
-      <a:lvl3pPr marL="1371600" indent="-384048" algn="l" defTabSz="914400" rtl="0" eaLnBrk="1" latinLnBrk="0" hangingPunct="1">
-        <a:lnSpc>
-          <a:spcPct val="94000"/>
-        </a:lnSpc>
+      <a:lvl3pPr marL="1143000" indent="-228600" algn="l" defTabSz="457200" rtl="0" eaLnBrk="1" latinLnBrk="0" hangingPunct="1">
         <a:spcBef>
-          <a:spcPts val="500"/>
+          <a:spcPct val="20000"/>
         </a:spcBef>
         <a:spcAft>
-          <a:spcPts val="200"/>
+          <a:spcPts val="600"/>
         </a:spcAft>
-        <a:buFont typeface="Franklin Gothic Book" panose="020B0503020102020204" pitchFamily="34" charset="0"/>
-        <a:buChar char="■"/>
-        <a:defRPr sz="1800" kern="1200" baseline="0">
+        <a:buClr>
+          <a:schemeClr val="accent1"/>
+        </a:buClr>
+        <a:buFont typeface="Wingdings 2" charset="2"/>
+        <a:buChar char=""/>
+        <a:defRPr sz="1400" kern="1200">
           <a:solidFill>
-            <a:schemeClr val="tx2"/>
+            <a:schemeClr val="tx1"/>
           </a:solidFill>
           <a:latin typeface="+mn-lt"/>
           <a:ea typeface="+mn-ea"/>
           <a:cs typeface="+mn-cs"/>
         </a:defRPr>
       </a:lvl3pPr>
-      <a:lvl4pPr marL="1828800" indent="-384048" algn="l" defTabSz="914400" rtl="0" eaLnBrk="1" latinLnBrk="0" hangingPunct="1">
-        <a:lnSpc>
-          <a:spcPct val="94000"/>
-        </a:lnSpc>
+      <a:lvl4pPr marL="1600200" indent="-228600" algn="l" defTabSz="457200" rtl="0" eaLnBrk="1" latinLnBrk="0" hangingPunct="1">
         <a:spcBef>
-          <a:spcPts val="500"/>
+          <a:spcPct val="20000"/>
         </a:spcBef>
         <a:spcAft>
-          <a:spcPts val="200"/>
+          <a:spcPts val="600"/>
         </a:spcAft>
-        <a:buFont typeface="Franklin Gothic Book" panose="020B0503020102020204" pitchFamily="34" charset="0"/>
-        <a:buChar char="–"/>
-        <a:defRPr sz="1800" i="1" kern="1200" baseline="0">
+        <a:buClr>
+          <a:schemeClr val="accent1"/>
+        </a:buClr>
+        <a:buFont typeface="Wingdings 2" charset="2"/>
+        <a:buChar char=""/>
+        <a:defRPr sz="1200" kern="1200">
           <a:solidFill>
-            <a:schemeClr val="tx2"/>
+            <a:schemeClr val="tx1"/>
           </a:solidFill>
           <a:latin typeface="+mn-lt"/>
           <a:ea typeface="+mn-ea"/>
           <a:cs typeface="+mn-cs"/>
         </a:defRPr>
       </a:lvl4pPr>
-      <a:lvl5pPr marL="2286000" indent="-384048" algn="l" defTabSz="914400" rtl="0" eaLnBrk="1" latinLnBrk="0" hangingPunct="1">
-        <a:lnSpc>
-          <a:spcPct val="94000"/>
-        </a:lnSpc>
+      <a:lvl5pPr marL="2057400" indent="-228600" algn="l" defTabSz="457200" rtl="0" eaLnBrk="1" latinLnBrk="0" hangingPunct="1">
         <a:spcBef>
-          <a:spcPts val="500"/>
+          <a:spcPct val="20000"/>
         </a:spcBef>
         <a:spcAft>
-          <a:spcPts val="200"/>
+          <a:spcPts val="600"/>
         </a:spcAft>
-        <a:buFont typeface="Franklin Gothic Book" panose="020B0503020102020204" pitchFamily="34" charset="0"/>
-        <a:buChar char="■"/>
-        <a:defRPr sz="1600" kern="1200" baseline="0">
+        <a:buClr>
+          <a:schemeClr val="accent1"/>
+        </a:buClr>
+        <a:buFont typeface="Wingdings 2" charset="2"/>
+        <a:buChar char=""/>
+        <a:defRPr sz="1200" kern="1200">
           <a:solidFill>
-            <a:schemeClr val="tx2"/>
+            <a:schemeClr val="tx1"/>
           </a:solidFill>
           <a:latin typeface="+mn-lt"/>
           <a:ea typeface="+mn-ea"/>
           <a:cs typeface="+mn-cs"/>
         </a:defRPr>
       </a:lvl5pPr>
-      <a:lvl6pPr marL="2743200" indent="-384048" algn="l" defTabSz="914400" rtl="0" eaLnBrk="1" latinLnBrk="0" hangingPunct="1">
-        <a:lnSpc>
-          <a:spcPct val="94000"/>
-        </a:lnSpc>
+      <a:lvl6pPr marL="2400000" indent="-228600" algn="l" defTabSz="457200" rtl="0" eaLnBrk="1" latinLnBrk="0" hangingPunct="1">
         <a:spcBef>
-          <a:spcPts val="500"/>
+          <a:spcPct val="20000"/>
         </a:spcBef>
         <a:spcAft>
-          <a:spcPts val="200"/>
+          <a:spcPts val="600"/>
         </a:spcAft>
-        <a:buFont typeface="Franklin Gothic Book" panose="020B0503020102020204" pitchFamily="34" charset="0"/>
-        <a:buChar char="–"/>
-        <a:defRPr sz="1600" i="1" kern="1200" baseline="0">
+        <a:buClr>
+          <a:schemeClr val="accent1"/>
+        </a:buClr>
+        <a:buFont typeface="Wingdings 2" charset="2"/>
+        <a:buChar char=""/>
+        <a:defRPr sz="1200" kern="1200">
           <a:solidFill>
-            <a:schemeClr val="tx2"/>
+            <a:schemeClr val="tx1"/>
           </a:solidFill>
           <a:latin typeface="+mn-lt"/>
           <a:ea typeface="+mn-ea"/>
           <a:cs typeface="+mn-cs"/>
         </a:defRPr>
       </a:lvl6pPr>
-      <a:lvl7pPr marL="3200400" indent="-384048" algn="l" defTabSz="914400" rtl="0" eaLnBrk="1" latinLnBrk="0" hangingPunct="1">
-        <a:lnSpc>
-          <a:spcPct val="94000"/>
-        </a:lnSpc>
+      <a:lvl7pPr marL="2800000" indent="-228600" algn="l" defTabSz="457200" rtl="0" eaLnBrk="1" latinLnBrk="0" hangingPunct="1">
         <a:spcBef>
-          <a:spcPts val="500"/>
+          <a:spcPct val="20000"/>
         </a:spcBef>
         <a:spcAft>
-          <a:spcPts val="200"/>
+          <a:spcPts val="600"/>
         </a:spcAft>
-        <a:buFont typeface="Franklin Gothic Book" panose="020B0503020102020204" pitchFamily="34" charset="0"/>
-        <a:buChar char="■"/>
-        <a:defRPr sz="1400" kern="1200" baseline="0">
+        <a:buClr>
+          <a:schemeClr val="accent1"/>
+        </a:buClr>
+        <a:buFont typeface="Wingdings 2" charset="2"/>
+        <a:buChar char=""/>
+        <a:defRPr sz="1200" kern="1200">
           <a:solidFill>
-            <a:schemeClr val="tx2"/>
+            <a:schemeClr val="tx1"/>
           </a:solidFill>
           <a:latin typeface="+mn-lt"/>
           <a:ea typeface="+mn-ea"/>
           <a:cs typeface="+mn-cs"/>
         </a:defRPr>
       </a:lvl7pPr>
-      <a:lvl8pPr marL="3657600" indent="-384048" algn="l" defTabSz="914400" rtl="0" eaLnBrk="1" latinLnBrk="0" hangingPunct="1">
-        <a:lnSpc>
-          <a:spcPct val="94000"/>
-        </a:lnSpc>
+      <a:lvl8pPr marL="3200000" indent="-228600" algn="l" defTabSz="457200" rtl="0" eaLnBrk="1" latinLnBrk="0" hangingPunct="1">
         <a:spcBef>
-          <a:spcPts val="500"/>
+          <a:spcPct val="20000"/>
         </a:spcBef>
         <a:spcAft>
-          <a:spcPts val="200"/>
+          <a:spcPts val="600"/>
         </a:spcAft>
-        <a:buFont typeface="Franklin Gothic Book" panose="020B0503020102020204" pitchFamily="34" charset="0"/>
-        <a:buChar char="–"/>
-        <a:defRPr sz="1400" i="1" kern="1200" baseline="0">
+        <a:buClr>
+          <a:schemeClr val="accent1"/>
+        </a:buClr>
+        <a:buFont typeface="Wingdings 2" charset="2"/>
+        <a:buChar char=""/>
+        <a:defRPr sz="1200" kern="1200">
           <a:solidFill>
-            <a:schemeClr val="tx2"/>
+            <a:schemeClr val="tx1"/>
           </a:solidFill>
           <a:latin typeface="+mn-lt"/>
           <a:ea typeface="+mn-ea"/>
           <a:cs typeface="+mn-cs"/>
         </a:defRPr>
       </a:lvl8pPr>
-      <a:lvl9pPr marL="4114800" indent="-384048" algn="l" defTabSz="914400" rtl="0" eaLnBrk="1" latinLnBrk="0" hangingPunct="1">
-        <a:lnSpc>
-          <a:spcPct val="94000"/>
-        </a:lnSpc>
+      <a:lvl9pPr marL="3600000" indent="-228600" algn="l" defTabSz="457200" rtl="0" eaLnBrk="1" latinLnBrk="0" hangingPunct="1">
         <a:spcBef>
-          <a:spcPts val="500"/>
+          <a:spcPct val="20000"/>
         </a:spcBef>
         <a:spcAft>
-          <a:spcPts val="200"/>
+          <a:spcPts val="600"/>
         </a:spcAft>
-        <a:buFont typeface="Franklin Gothic Book" panose="020B0503020102020204" pitchFamily="34" charset="0"/>
-        <a:buChar char="■"/>
-        <a:defRPr sz="1400" kern="1200" baseline="0">
+        <a:buClr>
+          <a:schemeClr val="accent1"/>
+        </a:buClr>
+        <a:buFont typeface="Wingdings 2" charset="2"/>
+        <a:buChar char=""/>
+        <a:defRPr sz="1200" kern="1200">
           <a:solidFill>
-            <a:schemeClr val="tx2"/>
+            <a:schemeClr val="tx1"/>
           </a:solidFill>
           <a:latin typeface="+mn-lt"/>
           <a:ea typeface="+mn-ea"/>
@@ -3701,7 +5237,7 @@
       <a:defPPr>
         <a:defRPr lang="en-US"/>
       </a:defPPr>
-      <a:lvl1pPr marL="0" algn="l" defTabSz="914400" rtl="0" eaLnBrk="1" latinLnBrk="0" hangingPunct="1">
+      <a:lvl1pPr marL="0" algn="l" defTabSz="457200" rtl="0" eaLnBrk="1" latinLnBrk="0" hangingPunct="1">
         <a:defRPr sz="1800" kern="1200">
           <a:solidFill>
             <a:schemeClr val="tx1"/>
@@ -3711,7 +5247,7 @@
           <a:cs typeface="+mn-cs"/>
         </a:defRPr>
       </a:lvl1pPr>
-      <a:lvl2pPr marL="457200" algn="l" defTabSz="914400" rtl="0" eaLnBrk="1" latinLnBrk="0" hangingPunct="1">
+      <a:lvl2pPr marL="457200" algn="l" defTabSz="457200" rtl="0" eaLnBrk="1" latinLnBrk="0" hangingPunct="1">
         <a:defRPr sz="1800" kern="1200">
           <a:solidFill>
             <a:schemeClr val="tx1"/>
@@ -3721,7 +5257,7 @@
           <a:cs typeface="+mn-cs"/>
         </a:defRPr>
       </a:lvl2pPr>
-      <a:lvl3pPr marL="914400" algn="l" defTabSz="914400" rtl="0" eaLnBrk="1" latinLnBrk="0" hangingPunct="1">
+      <a:lvl3pPr marL="914400" algn="l" defTabSz="457200" rtl="0" eaLnBrk="1" latinLnBrk="0" hangingPunct="1">
         <a:defRPr sz="1800" kern="1200">
           <a:solidFill>
             <a:schemeClr val="tx1"/>
@@ -3731,7 +5267,7 @@
           <a:cs typeface="+mn-cs"/>
         </a:defRPr>
       </a:lvl3pPr>
-      <a:lvl4pPr marL="1371600" algn="l" defTabSz="914400" rtl="0" eaLnBrk="1" latinLnBrk="0" hangingPunct="1">
+      <a:lvl4pPr marL="1371600" algn="l" defTabSz="457200" rtl="0" eaLnBrk="1" latinLnBrk="0" hangingPunct="1">
         <a:defRPr sz="1800" kern="1200">
           <a:solidFill>
             <a:schemeClr val="tx1"/>
@@ -3741,7 +5277,7 @@
           <a:cs typeface="+mn-cs"/>
         </a:defRPr>
       </a:lvl4pPr>
-      <a:lvl5pPr marL="1828800" algn="l" defTabSz="914400" rtl="0" eaLnBrk="1" latinLnBrk="0" hangingPunct="1">
+      <a:lvl5pPr marL="1828800" algn="l" defTabSz="457200" rtl="0" eaLnBrk="1" latinLnBrk="0" hangingPunct="1">
         <a:defRPr sz="1800" kern="1200">
           <a:solidFill>
             <a:schemeClr val="tx1"/>
@@ -3751,7 +5287,7 @@
           <a:cs typeface="+mn-cs"/>
         </a:defRPr>
       </a:lvl5pPr>
-      <a:lvl6pPr marL="2286000" algn="l" defTabSz="914400" rtl="0" eaLnBrk="1" latinLnBrk="0" hangingPunct="1">
+      <a:lvl6pPr marL="2286000" algn="l" defTabSz="457200" rtl="0" eaLnBrk="1" latinLnBrk="0" hangingPunct="1">
         <a:defRPr sz="1800" kern="1200">
           <a:solidFill>
             <a:schemeClr val="tx1"/>
@@ -3761,7 +5297,7 @@
           <a:cs typeface="+mn-cs"/>
         </a:defRPr>
       </a:lvl6pPr>
-      <a:lvl7pPr marL="2743200" algn="l" defTabSz="914400" rtl="0" eaLnBrk="1" latinLnBrk="0" hangingPunct="1">
+      <a:lvl7pPr marL="2743200" algn="l" defTabSz="457200" rtl="0" eaLnBrk="1" latinLnBrk="0" hangingPunct="1">
         <a:defRPr sz="1800" kern="1200">
           <a:solidFill>
             <a:schemeClr val="tx1"/>
@@ -3771,7 +5307,7 @@
           <a:cs typeface="+mn-cs"/>
         </a:defRPr>
       </a:lvl7pPr>
-      <a:lvl8pPr marL="3200400" algn="l" defTabSz="914400" rtl="0" eaLnBrk="1" latinLnBrk="0" hangingPunct="1">
+      <a:lvl8pPr marL="3200400" algn="l" defTabSz="457200" rtl="0" eaLnBrk="1" latinLnBrk="0" hangingPunct="1">
         <a:defRPr sz="1800" kern="1200">
           <a:solidFill>
             <a:schemeClr val="tx1"/>
@@ -3781,7 +5317,7 @@
           <a:cs typeface="+mn-cs"/>
         </a:defRPr>
       </a:lvl8pPr>
-      <a:lvl9pPr marL="3657600" algn="l" defTabSz="914400" rtl="0" eaLnBrk="1" latinLnBrk="0" hangingPunct="1">
+      <a:lvl9pPr marL="3657600" algn="l" defTabSz="457200" rtl="0" eaLnBrk="1" latinLnBrk="0" hangingPunct="1">
         <a:defRPr sz="1800" kern="1200">
           <a:solidFill>
             <a:schemeClr val="tx1"/>
@@ -3793,52 +5329,6 @@
       </a:lvl9pPr>
     </p:otherStyle>
   </p:txStyles>
-  <p:extLst mod="1">
-    <p:ext uri="{27BBF7A9-308A-43DC-89C8-2F10F3537804}">
-      <p15:sldGuideLst xmlns:p15="http://schemas.microsoft.com/office/powerpoint/2012/main">
-        <p15:guide id="4294967295" orient="horz" pos="1368">
-          <p15:clr>
-            <a:srgbClr val="F26B43"/>
-          </p15:clr>
-        </p15:guide>
-        <p15:guide id="4294967295" orient="horz" pos="1440">
-          <p15:clr>
-            <a:srgbClr val="F26B43"/>
-          </p15:clr>
-        </p15:guide>
-        <p15:guide id="4294967295" orient="horz" pos="3696">
-          <p15:clr>
-            <a:srgbClr val="F26B43"/>
-          </p15:clr>
-        </p15:guide>
-        <p15:guide id="4294967295" orient="horz" pos="432">
-          <p15:clr>
-            <a:srgbClr val="F26B43"/>
-          </p15:clr>
-        </p15:guide>
-        <p15:guide id="4294967295" orient="horz" pos="1512">
-          <p15:clr>
-            <a:srgbClr val="F26B43"/>
-          </p15:clr>
-        </p15:guide>
-        <p15:guide id="4294967295" pos="6912">
-          <p15:clr>
-            <a:srgbClr val="F26B43"/>
-          </p15:clr>
-        </p15:guide>
-        <p15:guide id="4294967295" pos="936">
-          <p15:clr>
-            <a:srgbClr val="F26B43"/>
-          </p15:clr>
-        </p15:guide>
-        <p15:guide id="4294967295" pos="864">
-          <p15:clr>
-            <a:srgbClr val="F26B43"/>
-          </p15:clr>
-        </p15:guide>
-      </p15:sldGuideLst>
-    </p:ext>
-  </p:extLst>
 </p:sldMaster>
 </file>
 
@@ -3876,7 +5366,7 @@
           <a:p>
             <a:r>
               <a:rPr lang="en-US" dirty="0" smtClean="0"/>
-              <a:t>Auto-scaling</a:t>
+              <a:t>Auto-Scaling</a:t>
             </a:r>
             <a:endParaRPr lang="en-US" dirty="0"/>
           </a:p>
@@ -3904,7 +5394,7 @@
     </p:spTree>
     <p:extLst>
       <p:ext uri="{BB962C8B-B14F-4D97-AF65-F5344CB8AC3E}">
-        <p14:creationId xmlns:p14="http://schemas.microsoft.com/office/powerpoint/2010/main" val="2804239351"/>
+        <p14:creationId xmlns:p14="http://schemas.microsoft.com/office/powerpoint/2010/main" val="4240887836"/>
       </p:ext>
     </p:extLst>
   </p:cSld>
@@ -3940,12 +5430,12 @@
       </p:grpSpPr>
       <p:sp>
         <p:nvSpPr>
-          <p:cNvPr id="3" name="Content Placeholder 2"/>
-          <p:cNvSpPr>
-            <a:spLocks noGrp="1"/>
-          </p:cNvSpPr>
-          <p:nvPr>
-            <p:ph idx="1"/>
+          <p:cNvPr id="2" name="Title 1"/>
+          <p:cNvSpPr>
+            <a:spLocks noGrp="1"/>
+          </p:cNvSpPr>
+          <p:nvPr>
+            <p:ph type="title"/>
           </p:nvPr>
         </p:nvSpPr>
         <p:spPr/>
@@ -3954,83 +5444,47 @@
           <a:lstStyle/>
           <a:p>
             <a:r>
+              <a:rPr lang="en-US" dirty="0" smtClean="0"/>
+              <a:t>Auto Scaling</a:t>
+            </a:r>
+            <a:endParaRPr lang="en-US" dirty="0"/>
+          </a:p>
+        </p:txBody>
+      </p:sp>
+      <p:sp>
+        <p:nvSpPr>
+          <p:cNvPr id="3" name="Content Placeholder 2"/>
+          <p:cNvSpPr>
+            <a:spLocks noGrp="1"/>
+          </p:cNvSpPr>
+          <p:nvPr>
+            <p:ph idx="1"/>
+          </p:nvPr>
+        </p:nvSpPr>
+        <p:spPr/>
+        <p:txBody>
+          <a:bodyPr/>
+          <a:lstStyle/>
+          <a:p>
+            <a:r>
               <a:rPr lang="en-US" dirty="0"/>
-              <a:t>Instances</a:t>
-            </a:r>
-          </a:p>
-          <a:p>
-            <a:pPr lvl="1"/>
+              <a:t>a free service provided by </a:t>
+            </a:r>
+            <a:r>
+              <a:rPr lang="en-US" dirty="0" err="1"/>
+              <a:t>Bluemix</a:t>
+            </a:r>
             <a:r>
               <a:rPr lang="en-US" dirty="0"/>
-              <a:t>used for adding a new 'machine' to help the application run better</a:t>
-            </a:r>
-          </a:p>
-          <a:p>
-            <a:pPr lvl="1"/>
-            <a:r>
-              <a:rPr lang="en-US" dirty="0"/>
-              <a:t>horizontal</a:t>
-            </a:r>
-          </a:p>
-          <a:p>
-            <a:r>
-              <a:rPr lang="en-US" dirty="0"/>
-              <a:t>Memory Quota</a:t>
-            </a:r>
-          </a:p>
-          <a:p>
-            <a:pPr lvl="1"/>
-            <a:r>
-              <a:rPr lang="en-US" dirty="0"/>
-              <a:t>used to increase the memory of the existing instance</a:t>
-            </a:r>
-          </a:p>
-          <a:p>
-            <a:pPr lvl="1"/>
-            <a:r>
-              <a:rPr lang="en-US" dirty="0"/>
-              <a:t>vertical</a:t>
-            </a:r>
-          </a:p>
-          <a:p>
-            <a:endParaRPr lang="en-US" dirty="0"/>
-          </a:p>
-        </p:txBody>
-      </p:sp>
-      <p:pic>
-        <p:nvPicPr>
-          <p:cNvPr id="4" name="Picture 3"/>
-          <p:cNvPicPr>
-            <a:picLocks noChangeAspect="1"/>
-          </p:cNvPicPr>
-          <p:nvPr/>
-        </p:nvPicPr>
-        <p:blipFill>
-          <a:blip r:embed="rId2">
-            <a:extLst>
-              <a:ext uri="{28A0092B-C50C-407E-A947-70E740481C1C}">
-                <a14:useLocalDpi xmlns:a14="http://schemas.microsoft.com/office/drawing/2010/main" val="0"/>
-              </a:ext>
-            </a:extLst>
-          </a:blip>
-          <a:stretch>
-            <a:fillRect/>
-          </a:stretch>
-        </p:blipFill>
-        <p:spPr>
-          <a:xfrm>
-            <a:off x="938212" y="544598"/>
-            <a:ext cx="10467975" cy="1419225"/>
-          </a:xfrm>
-          <a:prstGeom prst="rect">
-            <a:avLst/>
-          </a:prstGeom>
-        </p:spPr>
-      </p:pic>
+              <a:t> that automatically increases the instance of your cloud application</a:t>
+            </a:r>
+          </a:p>
+        </p:txBody>
+      </p:sp>
     </p:spTree>
     <p:extLst>
       <p:ext uri="{BB962C8B-B14F-4D97-AF65-F5344CB8AC3E}">
-        <p14:creationId xmlns:p14="http://schemas.microsoft.com/office/powerpoint/2010/main" val="3767576898"/>
+        <p14:creationId xmlns:p14="http://schemas.microsoft.com/office/powerpoint/2010/main" val="3961309005"/>
       </p:ext>
     </p:extLst>
   </p:cSld>
@@ -4066,7 +5520,7 @@
       </p:grpSpPr>
       <p:sp>
         <p:nvSpPr>
-          <p:cNvPr id="4" name="Title 3"/>
+          <p:cNvPr id="2" name="Title 1"/>
           <p:cNvSpPr>
             <a:spLocks noGrp="1"/>
           </p:cNvSpPr>
@@ -4081,7 +5535,69 @@
           <a:p>
             <a:r>
               <a:rPr lang="en-US" dirty="0" smtClean="0"/>
-              <a:t>Policy Configuration</a:t>
+              <a:t>Manual Scaling</a:t>
+            </a:r>
+            <a:endParaRPr lang="en-US" dirty="0"/>
+          </a:p>
+        </p:txBody>
+      </p:sp>
+      <p:sp>
+        <p:nvSpPr>
+          <p:cNvPr id="3" name="Content Placeholder 2"/>
+          <p:cNvSpPr>
+            <a:spLocks noGrp="1"/>
+          </p:cNvSpPr>
+          <p:nvPr>
+            <p:ph idx="1"/>
+          </p:nvPr>
+        </p:nvSpPr>
+        <p:spPr>
+          <a:xfrm>
+            <a:off x="818712" y="3928187"/>
+            <a:ext cx="10554574" cy="2555761"/>
+          </a:xfrm>
+        </p:spPr>
+        <p:txBody>
+          <a:bodyPr/>
+          <a:lstStyle/>
+          <a:p>
+            <a:r>
+              <a:rPr lang="en-US" dirty="0"/>
+              <a:t>Instances</a:t>
+            </a:r>
+          </a:p>
+          <a:p>
+            <a:pPr lvl="1"/>
+            <a:r>
+              <a:rPr lang="en-US" dirty="0"/>
+              <a:t>used for adding a new 'machine' to help the application run better</a:t>
+            </a:r>
+          </a:p>
+          <a:p>
+            <a:pPr lvl="1"/>
+            <a:r>
+              <a:rPr lang="en-US" dirty="0"/>
+              <a:t>horizontal</a:t>
+            </a:r>
+          </a:p>
+          <a:p>
+            <a:r>
+              <a:rPr lang="en-US" dirty="0"/>
+              <a:t>Memory Quota</a:t>
+            </a:r>
+          </a:p>
+          <a:p>
+            <a:pPr lvl="1"/>
+            <a:r>
+              <a:rPr lang="en-US" dirty="0"/>
+              <a:t>used to increase the memory of the existing instance</a:t>
+            </a:r>
+          </a:p>
+          <a:p>
+            <a:pPr lvl="1"/>
+            <a:r>
+              <a:rPr lang="en-US" dirty="0" smtClean="0"/>
+              <a:t>vertical</a:t>
             </a:r>
             <a:endParaRPr lang="en-US" dirty="0"/>
           </a:p>
@@ -4089,15 +5605,13 @@
       </p:sp>
       <p:pic>
         <p:nvPicPr>
-          <p:cNvPr id="7" name="Picture Placeholder 6"/>
+          <p:cNvPr id="4" name="Picture 3"/>
           <p:cNvPicPr>
-            <a:picLocks noGrp="1" noChangeAspect="1"/>
+            <a:picLocks noChangeAspect="1"/>
           </p:cNvPicPr>
-          <p:nvPr>
-            <p:ph type="pic" idx="1"/>
-          </p:nvPr>
+          <p:nvPr/>
         </p:nvPicPr>
-        <p:blipFill rotWithShape="1">
+        <p:blipFill>
           <a:blip r:embed="rId2">
             <a:extLst>
               <a:ext uri="{28A0092B-C50C-407E-A947-70E740481C1C}">
@@ -4105,103 +5619,24 @@
               </a:ext>
             </a:extLst>
           </a:blip>
-          <a:srcRect t="-11560" b="-11560"/>
-          <a:stretch/>
+          <a:stretch>
+            <a:fillRect/>
+          </a:stretch>
         </p:blipFill>
         <p:spPr>
           <a:xfrm>
-            <a:off x="5532120" y="1"/>
-            <a:ext cx="6659880" cy="6857999"/>
+            <a:off x="862011" y="2318171"/>
+            <a:ext cx="10467975" cy="1419225"/>
           </a:xfrm>
           <a:prstGeom prst="rect">
             <a:avLst/>
           </a:prstGeom>
-          <a:solidFill>
-            <a:srgbClr val="FFFFFF"/>
-          </a:solidFill>
-          <a:ln>
-            <a:noFill/>
-          </a:ln>
         </p:spPr>
       </p:pic>
-      <p:sp>
-        <p:nvSpPr>
-          <p:cNvPr id="6" name="Text Placeholder 5"/>
-          <p:cNvSpPr>
-            <a:spLocks noGrp="1"/>
-          </p:cNvSpPr>
-          <p:nvPr>
-            <p:ph type="body" sz="half" idx="2"/>
-          </p:nvPr>
-        </p:nvSpPr>
-        <p:spPr/>
-        <p:txBody>
-          <a:bodyPr/>
-          <a:lstStyle/>
-          <a:p>
-            <a:pPr marL="285750" indent="-285750">
-              <a:buFont typeface="Arial" panose="020B0604020202020204" pitchFamily="34" charset="0"/>
-              <a:buChar char="•"/>
-            </a:pPr>
-            <a:r>
-              <a:rPr lang="en-US" b="1" dirty="0"/>
-              <a:t>Statistic Window</a:t>
-            </a:r>
-            <a:r>
-              <a:rPr lang="en-US" dirty="0"/>
-              <a:t> refers to the time period that the metric is </a:t>
-            </a:r>
-            <a:r>
-              <a:rPr lang="en-US" dirty="0" smtClean="0"/>
-              <a:t>measured.</a:t>
-            </a:r>
-          </a:p>
-          <a:p>
-            <a:pPr marL="285750" indent="-285750">
-              <a:buFont typeface="Arial" panose="020B0604020202020204" pitchFamily="34" charset="0"/>
-              <a:buChar char="•"/>
-            </a:pPr>
-            <a:r>
-              <a:rPr lang="en-US" b="1" dirty="0" smtClean="0"/>
-              <a:t>Breach </a:t>
-            </a:r>
-            <a:r>
-              <a:rPr lang="en-US" b="1" dirty="0"/>
-              <a:t>Duration</a:t>
-            </a:r>
-            <a:r>
-              <a:rPr lang="en-US" dirty="0"/>
-              <a:t> indicates how long must the application exceed the upper threshold before adding a new </a:t>
-            </a:r>
-            <a:r>
-              <a:rPr lang="en-US" dirty="0" smtClean="0"/>
-              <a:t>instance.</a:t>
-            </a:r>
-          </a:p>
-          <a:p>
-            <a:pPr marL="285750" indent="-285750">
-              <a:buFont typeface="Arial" panose="020B0604020202020204" pitchFamily="34" charset="0"/>
-              <a:buChar char="•"/>
-            </a:pPr>
-            <a:r>
-              <a:rPr lang="en-US" b="1" dirty="0" smtClean="0"/>
-              <a:t>Cooldown </a:t>
-            </a:r>
-            <a:r>
-              <a:rPr lang="en-US" b="1" dirty="0"/>
-              <a:t>periods</a:t>
-            </a:r>
-            <a:r>
-              <a:rPr lang="en-US" dirty="0"/>
-              <a:t> indicate how long the service will wait before it increases/decreases another instance.</a:t>
-            </a:r>
-          </a:p>
-        </p:txBody>
-      </p:sp>
     </p:spTree>
     <p:extLst>
       <p:ext uri="{BB962C8B-B14F-4D97-AF65-F5344CB8AC3E}">
-        <p14:creationId xmlns:p14="http://schemas.microsoft.com/office/powerpoint/2010/main" val="252754721"/>
+        <p14:creationId xmlns:p14="http://schemas.microsoft.com/office/powerpoint/2010/main" val="2341354816"/>
       </p:ext>
     </p:extLst>
   </p:cSld>
@@ -4235,9 +5670,355 @@
           <a:chExt cx="0" cy="0"/>
         </a:xfrm>
       </p:grpSpPr>
+      <p:sp>
+        <p:nvSpPr>
+          <p:cNvPr id="4" name="Title 3"/>
+          <p:cNvSpPr>
+            <a:spLocks noGrp="1"/>
+          </p:cNvSpPr>
+          <p:nvPr>
+            <p:ph type="title"/>
+          </p:nvPr>
+        </p:nvSpPr>
+        <p:spPr>
+          <a:xfrm>
+            <a:off x="310875" y="727522"/>
+            <a:ext cx="4559785" cy="1617163"/>
+          </a:xfrm>
+        </p:spPr>
+        <p:txBody>
+          <a:bodyPr/>
+          <a:lstStyle/>
+          <a:p>
+            <a:r>
+              <a:rPr lang="en-US" dirty="0" smtClean="0"/>
+              <a:t>Policy Configuration</a:t>
+            </a:r>
+            <a:endParaRPr lang="en-US" dirty="0"/>
+          </a:p>
+        </p:txBody>
+      </p:sp>
       <p:pic>
         <p:nvPicPr>
-          <p:cNvPr id="5" name="Picture 4"/>
+          <p:cNvPr id="10" name="Picture Placeholder 9"/>
+          <p:cNvPicPr>
+            <a:picLocks noGrp="1" noChangeAspect="1"/>
+          </p:cNvPicPr>
+          <p:nvPr>
+            <p:ph type="pic" sz="quarter" idx="13"/>
+          </p:nvPr>
+        </p:nvPicPr>
+        <p:blipFill rotWithShape="1">
+          <a:blip r:embed="rId2">
+            <a:extLst>
+              <a:ext uri="{28A0092B-C50C-407E-A947-70E740481C1C}">
+                <a14:useLocalDpi xmlns:a14="http://schemas.microsoft.com/office/drawing/2010/main" val="0"/>
+              </a:ext>
+            </a:extLst>
+          </a:blip>
+          <a:srcRect l="-7538" t="-13987" r="1" b="-6450"/>
+          <a:stretch/>
+        </p:blipFill>
+        <p:spPr>
+          <a:xfrm>
+            <a:off x="4870580" y="0"/>
+            <a:ext cx="7321421" cy="6858000"/>
+          </a:xfrm>
+          <a:solidFill>
+            <a:srgbClr val="FFFFFF"/>
+          </a:solidFill>
+        </p:spPr>
+      </p:pic>
+      <p:sp>
+        <p:nvSpPr>
+          <p:cNvPr id="12" name="Content Placeholder 2"/>
+          <p:cNvSpPr txBox="1">
+            <a:spLocks/>
+          </p:cNvSpPr>
+          <p:nvPr/>
+        </p:nvSpPr>
+        <p:spPr>
+          <a:xfrm>
+            <a:off x="314859" y="2761860"/>
+            <a:ext cx="4555721" cy="3163079"/>
+          </a:xfrm>
+          <a:prstGeom prst="rect">
+            <a:avLst/>
+          </a:prstGeom>
+        </p:spPr>
+        <p:txBody>
+          <a:bodyPr/>
+          <a:lstStyle>
+            <a:lvl1pPr marL="342900" indent="-342900" algn="l" defTabSz="457200" rtl="0" eaLnBrk="1" latinLnBrk="0" hangingPunct="1">
+              <a:spcBef>
+                <a:spcPct val="20000"/>
+              </a:spcBef>
+              <a:spcAft>
+                <a:spcPts val="600"/>
+              </a:spcAft>
+              <a:buClr>
+                <a:schemeClr val="accent1"/>
+              </a:buClr>
+              <a:buFont typeface="Wingdings 2" charset="2"/>
+              <a:buChar char=""/>
+              <a:defRPr sz="1800" kern="1200">
+                <a:solidFill>
+                  <a:schemeClr val="tx1"/>
+                </a:solidFill>
+                <a:latin typeface="+mn-lt"/>
+                <a:ea typeface="+mn-ea"/>
+                <a:cs typeface="+mn-cs"/>
+              </a:defRPr>
+            </a:lvl1pPr>
+            <a:lvl2pPr marL="742950" indent="-285750" algn="l" defTabSz="457200" rtl="0" eaLnBrk="1" latinLnBrk="0" hangingPunct="1">
+              <a:spcBef>
+                <a:spcPct val="20000"/>
+              </a:spcBef>
+              <a:spcAft>
+                <a:spcPts val="600"/>
+              </a:spcAft>
+              <a:buClr>
+                <a:schemeClr val="accent1"/>
+              </a:buClr>
+              <a:buFont typeface="Wingdings 2" charset="2"/>
+              <a:buChar char=""/>
+              <a:defRPr sz="1600" kern="1200">
+                <a:solidFill>
+                  <a:schemeClr val="tx1"/>
+                </a:solidFill>
+                <a:latin typeface="+mn-lt"/>
+                <a:ea typeface="+mn-ea"/>
+                <a:cs typeface="+mn-cs"/>
+              </a:defRPr>
+            </a:lvl2pPr>
+            <a:lvl3pPr marL="1143000" indent="-228600" algn="l" defTabSz="457200" rtl="0" eaLnBrk="1" latinLnBrk="0" hangingPunct="1">
+              <a:spcBef>
+                <a:spcPct val="20000"/>
+              </a:spcBef>
+              <a:spcAft>
+                <a:spcPts val="600"/>
+              </a:spcAft>
+              <a:buClr>
+                <a:schemeClr val="accent1"/>
+              </a:buClr>
+              <a:buFont typeface="Wingdings 2" charset="2"/>
+              <a:buChar char=""/>
+              <a:defRPr sz="1400" kern="1200">
+                <a:solidFill>
+                  <a:schemeClr val="tx1"/>
+                </a:solidFill>
+                <a:latin typeface="+mn-lt"/>
+                <a:ea typeface="+mn-ea"/>
+                <a:cs typeface="+mn-cs"/>
+              </a:defRPr>
+            </a:lvl3pPr>
+            <a:lvl4pPr marL="1600200" indent="-228600" algn="l" defTabSz="457200" rtl="0" eaLnBrk="1" latinLnBrk="0" hangingPunct="1">
+              <a:spcBef>
+                <a:spcPct val="20000"/>
+              </a:spcBef>
+              <a:spcAft>
+                <a:spcPts val="600"/>
+              </a:spcAft>
+              <a:buClr>
+                <a:schemeClr val="accent1"/>
+              </a:buClr>
+              <a:buFont typeface="Wingdings 2" charset="2"/>
+              <a:buChar char=""/>
+              <a:defRPr sz="1200" kern="1200">
+                <a:solidFill>
+                  <a:schemeClr val="tx1"/>
+                </a:solidFill>
+                <a:latin typeface="+mn-lt"/>
+                <a:ea typeface="+mn-ea"/>
+                <a:cs typeface="+mn-cs"/>
+              </a:defRPr>
+            </a:lvl4pPr>
+            <a:lvl5pPr marL="2057400" indent="-228600" algn="l" defTabSz="457200" rtl="0" eaLnBrk="1" latinLnBrk="0" hangingPunct="1">
+              <a:spcBef>
+                <a:spcPct val="20000"/>
+              </a:spcBef>
+              <a:spcAft>
+                <a:spcPts val="600"/>
+              </a:spcAft>
+              <a:buClr>
+                <a:schemeClr val="accent1"/>
+              </a:buClr>
+              <a:buFont typeface="Wingdings 2" charset="2"/>
+              <a:buChar char=""/>
+              <a:defRPr sz="1200" kern="1200">
+                <a:solidFill>
+                  <a:schemeClr val="tx1"/>
+                </a:solidFill>
+                <a:latin typeface="+mn-lt"/>
+                <a:ea typeface="+mn-ea"/>
+                <a:cs typeface="+mn-cs"/>
+              </a:defRPr>
+            </a:lvl5pPr>
+            <a:lvl6pPr marL="2400000" indent="-228600" algn="l" defTabSz="457200" rtl="0" eaLnBrk="1" latinLnBrk="0" hangingPunct="1">
+              <a:spcBef>
+                <a:spcPct val="20000"/>
+              </a:spcBef>
+              <a:spcAft>
+                <a:spcPts val="600"/>
+              </a:spcAft>
+              <a:buClr>
+                <a:schemeClr val="accent1"/>
+              </a:buClr>
+              <a:buFont typeface="Wingdings 2" charset="2"/>
+              <a:buChar char=""/>
+              <a:defRPr sz="1200" kern="1200">
+                <a:solidFill>
+                  <a:schemeClr val="tx1"/>
+                </a:solidFill>
+                <a:latin typeface="+mn-lt"/>
+                <a:ea typeface="+mn-ea"/>
+                <a:cs typeface="+mn-cs"/>
+              </a:defRPr>
+            </a:lvl6pPr>
+            <a:lvl7pPr marL="2800000" indent="-228600" algn="l" defTabSz="457200" rtl="0" eaLnBrk="1" latinLnBrk="0" hangingPunct="1">
+              <a:spcBef>
+                <a:spcPct val="20000"/>
+              </a:spcBef>
+              <a:spcAft>
+                <a:spcPts val="600"/>
+              </a:spcAft>
+              <a:buClr>
+                <a:schemeClr val="accent1"/>
+              </a:buClr>
+              <a:buFont typeface="Wingdings 2" charset="2"/>
+              <a:buChar char=""/>
+              <a:defRPr sz="1200" kern="1200">
+                <a:solidFill>
+                  <a:schemeClr val="tx1"/>
+                </a:solidFill>
+                <a:latin typeface="+mn-lt"/>
+                <a:ea typeface="+mn-ea"/>
+                <a:cs typeface="+mn-cs"/>
+              </a:defRPr>
+            </a:lvl7pPr>
+            <a:lvl8pPr marL="3200000" indent="-228600" algn="l" defTabSz="457200" rtl="0" eaLnBrk="1" latinLnBrk="0" hangingPunct="1">
+              <a:spcBef>
+                <a:spcPct val="20000"/>
+              </a:spcBef>
+              <a:spcAft>
+                <a:spcPts val="600"/>
+              </a:spcAft>
+              <a:buClr>
+                <a:schemeClr val="accent1"/>
+              </a:buClr>
+              <a:buFont typeface="Wingdings 2" charset="2"/>
+              <a:buChar char=""/>
+              <a:defRPr sz="1200" kern="1200">
+                <a:solidFill>
+                  <a:schemeClr val="tx1"/>
+                </a:solidFill>
+                <a:latin typeface="+mn-lt"/>
+                <a:ea typeface="+mn-ea"/>
+                <a:cs typeface="+mn-cs"/>
+              </a:defRPr>
+            </a:lvl8pPr>
+            <a:lvl9pPr marL="3600000" indent="-228600" algn="l" defTabSz="457200" rtl="0" eaLnBrk="1" latinLnBrk="0" hangingPunct="1">
+              <a:spcBef>
+                <a:spcPct val="20000"/>
+              </a:spcBef>
+              <a:spcAft>
+                <a:spcPts val="600"/>
+              </a:spcAft>
+              <a:buClr>
+                <a:schemeClr val="accent1"/>
+              </a:buClr>
+              <a:buFont typeface="Wingdings 2" charset="2"/>
+              <a:buChar char=""/>
+              <a:defRPr sz="1200" kern="1200">
+                <a:solidFill>
+                  <a:schemeClr val="tx1"/>
+                </a:solidFill>
+                <a:latin typeface="+mn-lt"/>
+                <a:ea typeface="+mn-ea"/>
+                <a:cs typeface="+mn-cs"/>
+              </a:defRPr>
+            </a:lvl9pPr>
+          </a:lstStyle>
+          <a:p>
+            <a:r>
+              <a:rPr lang="en-US" b="1" dirty="0"/>
+              <a:t>Statistic Window</a:t>
+            </a:r>
+            <a:r>
+              <a:rPr lang="en-US" dirty="0"/>
+              <a:t> refers to the time period that the metric is </a:t>
+            </a:r>
+            <a:r>
+              <a:rPr lang="en-US" dirty="0" smtClean="0"/>
+              <a:t>measured</a:t>
+            </a:r>
+          </a:p>
+          <a:p>
+            <a:r>
+              <a:rPr lang="en-US" b="1" dirty="0"/>
+              <a:t>Breach Duration</a:t>
+            </a:r>
+            <a:r>
+              <a:rPr lang="en-US" dirty="0"/>
+              <a:t> indicates how long must the application exceed the upper threshold before adding a new </a:t>
+            </a:r>
+            <a:r>
+              <a:rPr lang="en-US" dirty="0" smtClean="0"/>
+              <a:t>instance</a:t>
+            </a:r>
+          </a:p>
+          <a:p>
+            <a:r>
+              <a:rPr lang="en-US" b="1" dirty="0"/>
+              <a:t>Cooldown periods</a:t>
+            </a:r>
+            <a:r>
+              <a:rPr lang="en-US" dirty="0"/>
+              <a:t> indicate how long the service will wait before it increases/decreases another instance</a:t>
+            </a:r>
+          </a:p>
+        </p:txBody>
+      </p:sp>
+    </p:spTree>
+    <p:extLst>
+      <p:ext uri="{BB962C8B-B14F-4D97-AF65-F5344CB8AC3E}">
+        <p14:creationId xmlns:p14="http://schemas.microsoft.com/office/powerpoint/2010/main" val="2790772825"/>
+      </p:ext>
+    </p:extLst>
+  </p:cSld>
+  <p:clrMapOvr>
+    <a:masterClrMapping/>
+  </p:clrMapOvr>
+  <p:timing>
+    <p:tnLst>
+      <p:par>
+        <p:cTn id="1" dur="indefinite" restart="never" nodeType="tmRoot"/>
+      </p:par>
+    </p:tnLst>
+  </p:timing>
+</p:sld>
+</file>
+
+<file path=ppt/slides/slide5.xml><?xml version="1.0" encoding="utf-8"?>
+<p:sld xmlns:a="http://schemas.openxmlformats.org/drawingml/2006/main" xmlns:r="http://schemas.openxmlformats.org/officeDocument/2006/relationships" xmlns:p="http://schemas.openxmlformats.org/presentationml/2006/main">
+  <p:cSld>
+    <p:spTree>
+      <p:nvGrpSpPr>
+        <p:cNvPr id="1" name=""/>
+        <p:cNvGrpSpPr/>
+        <p:nvPr/>
+      </p:nvGrpSpPr>
+      <p:grpSpPr>
+        <a:xfrm>
+          <a:off x="0" y="0"/>
+          <a:ext cx="0" cy="0"/>
+          <a:chOff x="0" y="0"/>
+          <a:chExt cx="0" cy="0"/>
+        </a:xfrm>
+      </p:grpSpPr>
+      <p:pic>
+        <p:nvPicPr>
+          <p:cNvPr id="8" name="Picture 7"/>
           <p:cNvPicPr>
             <a:picLocks noChangeAspect="1"/>
           </p:cNvPicPr>
@@ -4268,80 +6049,27 @@
     </p:spTree>
     <p:extLst>
       <p:ext uri="{BB962C8B-B14F-4D97-AF65-F5344CB8AC3E}">
-        <p14:creationId xmlns:p14="http://schemas.microsoft.com/office/powerpoint/2010/main" val="1248509270"/>
+        <p14:creationId xmlns:p14="http://schemas.microsoft.com/office/powerpoint/2010/main" val="2399845761"/>
       </p:ext>
     </p:extLst>
   </p:cSld>
   <p:clrMapOvr>
     <a:masterClrMapping/>
   </p:clrMapOvr>
-</p:sld>
-</file>
-
-<file path=ppt/slides/slide5.xml><?xml version="1.0" encoding="utf-8"?>
-<p:sld xmlns:a="http://schemas.openxmlformats.org/drawingml/2006/main" xmlns:r="http://schemas.openxmlformats.org/officeDocument/2006/relationships" xmlns:p="http://schemas.openxmlformats.org/presentationml/2006/main">
-  <p:cSld>
-    <p:spTree>
-      <p:nvGrpSpPr>
-        <p:cNvPr id="1" name=""/>
-        <p:cNvGrpSpPr/>
-        <p:nvPr/>
-      </p:nvGrpSpPr>
-      <p:grpSpPr>
-        <a:xfrm>
-          <a:off x="0" y="0"/>
-          <a:ext cx="0" cy="0"/>
-          <a:chOff x="0" y="0"/>
-          <a:chExt cx="0" cy="0"/>
-        </a:xfrm>
-      </p:grpSpPr>
-      <p:pic>
-        <p:nvPicPr>
-          <p:cNvPr id="2" name="Picture 1"/>
-          <p:cNvPicPr>
-            <a:picLocks noChangeAspect="1"/>
-          </p:cNvPicPr>
-          <p:nvPr/>
-        </p:nvPicPr>
-        <p:blipFill>
-          <a:blip r:embed="rId2">
-            <a:extLst>
-              <a:ext uri="{28A0092B-C50C-407E-A947-70E740481C1C}">
-                <a14:useLocalDpi xmlns:a14="http://schemas.microsoft.com/office/drawing/2010/main" val="0"/>
-              </a:ext>
-            </a:extLst>
-          </a:blip>
-          <a:stretch>
-            <a:fillRect/>
-          </a:stretch>
-        </p:blipFill>
-        <p:spPr>
-          <a:xfrm>
-            <a:off x="802432" y="1097620"/>
-            <a:ext cx="11389567" cy="5016163"/>
-          </a:xfrm>
-          <a:prstGeom prst="rect">
-            <a:avLst/>
-          </a:prstGeom>
-        </p:spPr>
-      </p:pic>
-    </p:spTree>
-    <p:extLst>
-      <p:ext uri="{BB962C8B-B14F-4D97-AF65-F5344CB8AC3E}">
-        <p14:creationId xmlns:p14="http://schemas.microsoft.com/office/powerpoint/2010/main" val="2770257502"/>
-      </p:ext>
-    </p:extLst>
-  </p:cSld>
-  <p:clrMapOvr>
-    <a:masterClrMapping/>
-  </p:clrMapOvr>
+  <p:timing>
+    <p:tnLst>
+      <p:par>
+        <p:cTn id="1" dur="indefinite" restart="never" nodeType="tmRoot"/>
+      </p:par>
+    </p:tnLst>
+  </p:timing>
 </p:sld>
 </file>
 
 <file path=ppt/theme/theme1.xml><?xml version="1.0" encoding="utf-8"?>
-<a:theme xmlns:a="http://schemas.openxmlformats.org/drawingml/2006/main" name="Crop">
+<a:theme xmlns:a="http://schemas.openxmlformats.org/drawingml/2006/main" name="Quotable">
   <a:themeElements>
-    <a:clrScheme name="Crop">
+    <a:clrScheme name="Quotable">
       <a:dk1>
         <a:sysClr val="windowText" lastClr="000000"/>
       </a:dk1>
@@ -4349,48 +6077,48 @@
         <a:sysClr val="window" lastClr="FFFFFF"/>
       </a:lt1>
       <a:dk2>
-        <a:srgbClr val="1A2E40"/>
+        <a:srgbClr val="212121"/>
       </a:dk2>
       <a:lt2>
-        <a:srgbClr val="EBE7DD"/>
+        <a:srgbClr val="636363"/>
       </a:lt2>
       <a:accent1>
-        <a:srgbClr val="69A1AB"/>
+        <a:srgbClr val="00C6BB"/>
       </a:accent1>
       <a:accent2>
-        <a:srgbClr val="F2C418"/>
+        <a:srgbClr val="6FEBA0"/>
       </a:accent2>
       <a:accent3>
-        <a:srgbClr val="87492C"/>
+        <a:srgbClr val="B6DF5E"/>
       </a:accent3>
       <a:accent4>
-        <a:srgbClr val="4A845E"/>
+        <a:srgbClr val="EFB251"/>
       </a:accent4>
       <a:accent5>
-        <a:srgbClr val="DC9528"/>
+        <a:srgbClr val="EF755F"/>
       </a:accent5>
       <a:accent6>
-        <a:srgbClr val="9A5D78"/>
+        <a:srgbClr val="ED515C"/>
       </a:accent6>
       <a:hlink>
-        <a:srgbClr val="66C8E3"/>
+        <a:srgbClr val="8F8F8F"/>
       </a:hlink>
       <a:folHlink>
-        <a:srgbClr val="B162A1"/>
+        <a:srgbClr val="A5A5A5"/>
       </a:folHlink>
     </a:clrScheme>
-    <a:fontScheme name="Crop">
+    <a:fontScheme name="Quotable">
       <a:majorFont>
-        <a:latin typeface="Franklin Gothic Book" panose="020B0503020102020204"/>
+        <a:latin typeface="Century Gothic" panose="020B0502020202020204"/>
         <a:ea typeface=""/>
         <a:cs typeface=""/>
-        <a:font script="Jpan" typeface="メイリオ"/>
-        <a:font script="Hang" typeface="돋움"/>
-        <a:font script="Hans" typeface="华文楷体"/>
-        <a:font script="Hant" typeface="微軟正黑體"/>
+        <a:font script="Jpan" typeface="ＭＳ ゴシック"/>
+        <a:font script="Hang" typeface="맑은 고딕"/>
+        <a:font script="Hans" typeface="宋体"/>
+        <a:font script="Hant" typeface="新細明體"/>
         <a:font script="Arab" typeface="Tahoma"/>
-        <a:font script="Hebr" typeface="Aharoni"/>
-        <a:font script="Thai" typeface="LilyUPC"/>
+        <a:font script="Hebr" typeface="Gisha"/>
+        <a:font script="Thai" typeface="DilleniaUPC"/>
         <a:font script="Ethi" typeface="Nyala"/>
         <a:font script="Beng" typeface="Vrinda"/>
         <a:font script="Gujr" typeface="Shruti"/>
@@ -4416,16 +6144,16 @@
         <a:font script="Geor" typeface="Sylfaen"/>
       </a:majorFont>
       <a:minorFont>
-        <a:latin typeface="Franklin Gothic Book" panose="020B0503020102020204"/>
+        <a:latin typeface="Century Gothic" panose="020B0502020202020204"/>
         <a:ea typeface=""/>
         <a:cs typeface=""/>
-        <a:font script="Jpan" typeface="メイリオ"/>
-        <a:font script="Hang" typeface="돋움"/>
-        <a:font script="Hans" typeface="华文楷体"/>
-        <a:font script="Hant" typeface="微軟正黑體"/>
+        <a:font script="Jpan" typeface="ＭＳ ゴシック"/>
+        <a:font script="Hang" typeface="맑은 고딕"/>
+        <a:font script="Hans" typeface="宋体"/>
+        <a:font script="Hant" typeface="新細明體"/>
         <a:font script="Arab" typeface="Tahoma"/>
-        <a:font script="Hebr" typeface="Aharoni"/>
-        <a:font script="Thai" typeface="LilyUPC"/>
+        <a:font script="Hebr" typeface="Gisha"/>
+        <a:font script="Thai" typeface="DilleniaUPC"/>
         <a:font script="Ethi" typeface="Nyala"/>
         <a:font script="Beng" typeface="Vrinda"/>
         <a:font script="Gujr" typeface="Shruti"/>
@@ -4446,12 +6174,12 @@
         <a:font script="Laoo" typeface="DokChampa"/>
         <a:font script="Sinh" typeface="Iskoola Pota"/>
         <a:font script="Mong" typeface="Mongolian Baiti"/>
-        <a:font script="Viet" typeface="Tahoma"/>
+        <a:font script="Viet" typeface="Verdana"/>
         <a:font script="Uigh" typeface="Microsoft Uighur"/>
         <a:font script="Geor" typeface="Sylfaen"/>
       </a:minorFont>
     </a:fontScheme>
-    <a:fmtScheme name="Crop">
+    <a:fmtScheme name="Quotable">
       <a:fillStyleLst>
         <a:solidFill>
           <a:schemeClr val="phClr"/>
@@ -4460,69 +6188,48 @@
           <a:gsLst>
             <a:gs pos="0">
               <a:schemeClr val="phClr">
-                <a:tint val="67000"/>
-                <a:satMod val="105000"/>
-                <a:lumMod val="110000"/>
-              </a:schemeClr>
-            </a:gs>
-            <a:gs pos="50000">
-              <a:schemeClr val="phClr">
-                <a:tint val="73000"/>
-                <a:satMod val="103000"/>
+                <a:tint val="80000"/>
                 <a:lumMod val="105000"/>
               </a:schemeClr>
             </a:gs>
             <a:gs pos="100000">
               <a:schemeClr val="phClr">
-                <a:tint val="81000"/>
-                <a:satMod val="109000"/>
-                <a:lumMod val="105000"/>
+                <a:tint val="90000"/>
               </a:schemeClr>
             </a:gs>
           </a:gsLst>
           <a:lin ang="5400000" scaled="0"/>
         </a:gradFill>
-        <a:gradFill rotWithShape="1">
-          <a:gsLst>
-            <a:gs pos="0">
+        <a:blipFill rotWithShape="1">
+          <a:blip xmlns:r="http://schemas.openxmlformats.org/officeDocument/2006/relationships" r:embed="rId1">
+            <a:duotone>
               <a:schemeClr val="phClr">
-                <a:tint val="94000"/>
-                <a:satMod val="103000"/>
+                <a:tint val="98000"/>
                 <a:lumMod val="102000"/>
               </a:schemeClr>
-            </a:gs>
-            <a:gs pos="50000">
               <a:schemeClr val="phClr">
-                <a:shade val="100000"/>
-                <a:satMod val="110000"/>
-                <a:lumMod val="100000"/>
+                <a:shade val="98000"/>
+                <a:lumMod val="98000"/>
               </a:schemeClr>
-            </a:gs>
-            <a:gs pos="100000">
-              <a:schemeClr val="phClr">
-                <a:shade val="78000"/>
-                <a:satMod val="120000"/>
-                <a:lumMod val="99000"/>
-              </a:schemeClr>
-            </a:gs>
-          </a:gsLst>
-          <a:lin ang="5400000" scaled="0"/>
-        </a:gradFill>
+            </a:duotone>
+          </a:blip>
+          <a:tile tx="0" ty="0" sx="100000" sy="100000" flip="none" algn="tl"/>
+        </a:blipFill>
       </a:fillStyleLst>
       <a:lnStyleLst>
-        <a:ln w="6350" cap="flat" cmpd="sng" algn="in">
+        <a:ln w="9525" cap="rnd" cmpd="sng" algn="ctr">
           <a:solidFill>
             <a:schemeClr val="phClr"/>
           </a:solidFill>
           <a:prstDash val="solid"/>
         </a:ln>
-        <a:ln w="34925" cap="flat" cmpd="sng" algn="in">
+        <a:ln w="15875" cap="rnd" cmpd="sng" algn="ctr">
           <a:solidFill>
             <a:schemeClr val="phClr"/>
           </a:solidFill>
           <a:prstDash val="solid"/>
         </a:ln>
-        <a:ln w="19050" cap="flat" cmpd="sng" algn="in">
+        <a:ln w="25400" cap="rnd" cmpd="sng" algn="ctr">
           <a:solidFill>
             <a:schemeClr val="phClr"/>
           </a:solidFill>
@@ -4538,11 +6245,11 @@
         </a:effectStyle>
         <a:effectStyle>
           <a:effectLst>
-            <a:outerShdw blurRad="57150" dist="19050" dir="5400000" algn="ctr" rotWithShape="0">
+            <a:innerShdw blurRad="63500" dist="25400" dir="13500000">
               <a:srgbClr val="000000">
-                <a:alpha val="35000"/>
+                <a:alpha val="75000"/>
               </a:srgbClr>
-            </a:outerShdw>
+            </a:innerShdw>
           </a:effectLst>
         </a:effectStyle>
       </a:effectStyleLst>
@@ -4550,35 +6257,35 @@
         <a:solidFill>
           <a:schemeClr val="phClr"/>
         </a:solidFill>
-        <a:solidFill>
-          <a:schemeClr val="phClr">
-            <a:tint val="95000"/>
-            <a:satMod val="170000"/>
-          </a:schemeClr>
-        </a:solidFill>
         <a:gradFill rotWithShape="1">
           <a:gsLst>
             <a:gs pos="0">
               <a:schemeClr val="phClr">
-                <a:tint val="93000"/>
-                <a:shade val="98000"/>
-                <a:satMod val="150000"/>
-                <a:lumMod val="102000"/>
-              </a:schemeClr>
-            </a:gs>
-            <a:gs pos="50000">
-              <a:schemeClr val="phClr">
-                <a:tint val="98000"/>
-                <a:shade val="90000"/>
-                <a:satMod val="130000"/>
-                <a:lumMod val="103000"/>
+                <a:tint val="100000"/>
               </a:schemeClr>
             </a:gs>
             <a:gs pos="100000">
               <a:schemeClr val="phClr">
-                <a:shade val="63000"/>
+                <a:tint val="84000"/>
+                <a:shade val="84000"/>
+                <a:lumMod val="90000"/>
+              </a:schemeClr>
+            </a:gs>
+          </a:gsLst>
+          <a:lin ang="5400000" scaled="0"/>
+        </a:gradFill>
+        <a:gradFill rotWithShape="1">
+          <a:gsLst>
+            <a:gs pos="0">
+              <a:schemeClr val="phClr">
+                <a:tint val="84000"/>
+                <a:shade val="90000"/>
                 <a:satMod val="120000"/>
+                <a:lumMod val="90000"/>
               </a:schemeClr>
+            </a:gs>
+            <a:gs pos="100000">
+              <a:schemeClr val="phClr"/>
             </a:gs>
           </a:gsLst>
           <a:lin ang="5400000" scaled="0"/>
@@ -4590,7 +6297,7 @@
   <a:extraClrSchemeLst/>
   <a:extLst>
     <a:ext uri="{05A4C25C-085E-4340-85A3-A5531E510DB2}">
-      <thm15:themeFamily xmlns:thm15="http://schemas.microsoft.com/office/thememl/2012/main" name="Crop" id="{EC9488ED-E761-4D60-9AC4-764D1FE2C171}" vid="{17F9D331-421E-442F-B033-AF5B21A44854}"/>
+      <thm15:themeFamily xmlns:thm15="http://schemas.microsoft.com/office/thememl/2012/main" name="Quotable" id="{39EC5628-30ED-4578-ACD8-9820EDB8E15A}" vid="{6F3559E9-1A4C-49D8-94D4-F41003531C49}"/>
     </a:ext>
   </a:extLst>
 </a:theme>
